--- a/video_files/Understanding Average Rate of Change/Understanding Rates of Change.pptx
+++ b/video_files/Understanding Average Rate of Change/Understanding Rates of Change.pptx
@@ -4,9 +4,18 @@
   <p:sldMasterIdLst>
     <p:sldMasterId id="2147483648" r:id="rId1"/>
   </p:sldMasterIdLst>
+  <p:notesMasterIdLst>
+    <p:notesMasterId r:id="rId10"/>
+  </p:notesMasterIdLst>
   <p:sldIdLst>
     <p:sldId id="256" r:id="rId2"/>
-    <p:sldId id="257" r:id="rId3"/>
+    <p:sldId id="258" r:id="rId3"/>
+    <p:sldId id="259" r:id="rId4"/>
+    <p:sldId id="257" r:id="rId5"/>
+    <p:sldId id="260" r:id="rId6"/>
+    <p:sldId id="261" r:id="rId7"/>
+    <p:sldId id="262" r:id="rId8"/>
+    <p:sldId id="263" r:id="rId9"/>
   </p:sldIdLst>
   <p:sldSz cx="12192000" cy="6858000"/>
   <p:notesSz cx="6858000" cy="9144000"/>
@@ -105,7 +114,361 @@
       </a:defRPr>
     </a:lvl9pPr>
   </p:defaultTextStyle>
+  <p:extLst>
+    <p:ext uri="{EFAFB233-063F-42B5-8137-9DF3F51BA10A}">
+      <p15:sldGuideLst xmlns:p15="http://schemas.microsoft.com/office/powerpoint/2012/main"/>
+    </p:ext>
+  </p:extLst>
 </p:presentation>
+</file>
+
+<file path=ppt/notesMasters/notesMaster1.xml><?xml version="1.0" encoding="utf-8"?>
+<p:notesMaster xmlns:a="http://schemas.openxmlformats.org/drawingml/2006/main" xmlns:r="http://schemas.openxmlformats.org/officeDocument/2006/relationships" xmlns:p="http://schemas.openxmlformats.org/presentationml/2006/main">
+  <p:cSld>
+    <p:bg>
+      <p:bgRef idx="1001">
+        <a:schemeClr val="bg1"/>
+      </p:bgRef>
+    </p:bg>
+    <p:spTree>
+      <p:nvGrpSpPr>
+        <p:cNvPr id="1" name=""/>
+        <p:cNvGrpSpPr/>
+        <p:nvPr/>
+      </p:nvGrpSpPr>
+      <p:grpSpPr>
+        <a:xfrm>
+          <a:off x="0" y="0"/>
+          <a:ext cx="0" cy="0"/>
+          <a:chOff x="0" y="0"/>
+          <a:chExt cx="0" cy="0"/>
+        </a:xfrm>
+      </p:grpSpPr>
+      <p:sp>
+        <p:nvSpPr>
+          <p:cNvPr id="2" name="Header Placeholder 1"/>
+          <p:cNvSpPr>
+            <a:spLocks noGrp="1"/>
+          </p:cNvSpPr>
+          <p:nvPr>
+            <p:ph type="hdr" sz="quarter"/>
+          </p:nvPr>
+        </p:nvSpPr>
+        <p:spPr>
+          <a:xfrm>
+            <a:off x="0" y="0"/>
+            <a:ext cx="2971800" cy="458788"/>
+          </a:xfrm>
+          <a:prstGeom prst="rect">
+            <a:avLst/>
+          </a:prstGeom>
+        </p:spPr>
+        <p:txBody>
+          <a:bodyPr vert="horz" lIns="91440" tIns="45720" rIns="91440" bIns="45720" rtlCol="0"/>
+          <a:lstStyle>
+            <a:lvl1pPr algn="l">
+              <a:defRPr sz="1200"/>
+            </a:lvl1pPr>
+          </a:lstStyle>
+          <a:p>
+            <a:endParaRPr lang="en-US"/>
+          </a:p>
+        </p:txBody>
+      </p:sp>
+      <p:sp>
+        <p:nvSpPr>
+          <p:cNvPr id="3" name="Date Placeholder 2"/>
+          <p:cNvSpPr>
+            <a:spLocks noGrp="1"/>
+          </p:cNvSpPr>
+          <p:nvPr>
+            <p:ph type="dt" idx="1"/>
+          </p:nvPr>
+        </p:nvSpPr>
+        <p:spPr>
+          <a:xfrm>
+            <a:off x="3884613" y="0"/>
+            <a:ext cx="2971800" cy="458788"/>
+          </a:xfrm>
+          <a:prstGeom prst="rect">
+            <a:avLst/>
+          </a:prstGeom>
+        </p:spPr>
+        <p:txBody>
+          <a:bodyPr vert="horz" lIns="91440" tIns="45720" rIns="91440" bIns="45720" rtlCol="0"/>
+          <a:lstStyle>
+            <a:lvl1pPr algn="r">
+              <a:defRPr sz="1200"/>
+            </a:lvl1pPr>
+          </a:lstStyle>
+          <a:p>
+            <a:fld id="{4B43AD99-4E77-4ECE-A24D-20139F627F88}" type="datetimeFigureOut">
+              <a:rPr lang="en-US" smtClean="0"/>
+              <a:t>8/27/2024</a:t>
+            </a:fld>
+            <a:endParaRPr lang="en-US"/>
+          </a:p>
+        </p:txBody>
+      </p:sp>
+      <p:sp>
+        <p:nvSpPr>
+          <p:cNvPr id="4" name="Slide Image Placeholder 3"/>
+          <p:cNvSpPr>
+            <a:spLocks noGrp="1" noRot="1" noChangeAspect="1"/>
+          </p:cNvSpPr>
+          <p:nvPr>
+            <p:ph type="sldImg" idx="2"/>
+          </p:nvPr>
+        </p:nvSpPr>
+        <p:spPr>
+          <a:xfrm>
+            <a:off x="685800" y="1143000"/>
+            <a:ext cx="5486400" cy="3086100"/>
+          </a:xfrm>
+          <a:prstGeom prst="rect">
+            <a:avLst/>
+          </a:prstGeom>
+          <a:noFill/>
+          <a:ln w="12700">
+            <a:solidFill>
+              <a:prstClr val="black"/>
+            </a:solidFill>
+          </a:ln>
+        </p:spPr>
+        <p:txBody>
+          <a:bodyPr vert="horz" lIns="91440" tIns="45720" rIns="91440" bIns="45720" rtlCol="0" anchor="ctr"/>
+          <a:lstStyle/>
+          <a:p>
+            <a:endParaRPr lang="en-US"/>
+          </a:p>
+        </p:txBody>
+      </p:sp>
+      <p:sp>
+        <p:nvSpPr>
+          <p:cNvPr id="5" name="Notes Placeholder 4"/>
+          <p:cNvSpPr>
+            <a:spLocks noGrp="1"/>
+          </p:cNvSpPr>
+          <p:nvPr>
+            <p:ph type="body" sz="quarter" idx="3"/>
+          </p:nvPr>
+        </p:nvSpPr>
+        <p:spPr>
+          <a:xfrm>
+            <a:off x="685800" y="4400550"/>
+            <a:ext cx="5486400" cy="3600450"/>
+          </a:xfrm>
+          <a:prstGeom prst="rect">
+            <a:avLst/>
+          </a:prstGeom>
+        </p:spPr>
+        <p:txBody>
+          <a:bodyPr vert="horz" lIns="91440" tIns="45720" rIns="91440" bIns="45720" rtlCol="0"/>
+          <a:lstStyle/>
+          <a:p>
+            <a:pPr lvl="0"/>
+            <a:r>
+              <a:rPr lang="en-US"/>
+              <a:t>Click to edit Master text styles</a:t>
+            </a:r>
+          </a:p>
+          <a:p>
+            <a:pPr lvl="1"/>
+            <a:r>
+              <a:rPr lang="en-US"/>
+              <a:t>Second level</a:t>
+            </a:r>
+          </a:p>
+          <a:p>
+            <a:pPr lvl="2"/>
+            <a:r>
+              <a:rPr lang="en-US"/>
+              <a:t>Third level</a:t>
+            </a:r>
+          </a:p>
+          <a:p>
+            <a:pPr lvl="3"/>
+            <a:r>
+              <a:rPr lang="en-US"/>
+              <a:t>Fourth level</a:t>
+            </a:r>
+          </a:p>
+          <a:p>
+            <a:pPr lvl="4"/>
+            <a:r>
+              <a:rPr lang="en-US"/>
+              <a:t>Fifth level</a:t>
+            </a:r>
+          </a:p>
+        </p:txBody>
+      </p:sp>
+      <p:sp>
+        <p:nvSpPr>
+          <p:cNvPr id="6" name="Footer Placeholder 5"/>
+          <p:cNvSpPr>
+            <a:spLocks noGrp="1"/>
+          </p:cNvSpPr>
+          <p:nvPr>
+            <p:ph type="ftr" sz="quarter" idx="4"/>
+          </p:nvPr>
+        </p:nvSpPr>
+        <p:spPr>
+          <a:xfrm>
+            <a:off x="0" y="8685213"/>
+            <a:ext cx="2971800" cy="458787"/>
+          </a:xfrm>
+          <a:prstGeom prst="rect">
+            <a:avLst/>
+          </a:prstGeom>
+        </p:spPr>
+        <p:txBody>
+          <a:bodyPr vert="horz" lIns="91440" tIns="45720" rIns="91440" bIns="45720" rtlCol="0" anchor="b"/>
+          <a:lstStyle>
+            <a:lvl1pPr algn="l">
+              <a:defRPr sz="1200"/>
+            </a:lvl1pPr>
+          </a:lstStyle>
+          <a:p>
+            <a:endParaRPr lang="en-US"/>
+          </a:p>
+        </p:txBody>
+      </p:sp>
+      <p:sp>
+        <p:nvSpPr>
+          <p:cNvPr id="7" name="Slide Number Placeholder 6"/>
+          <p:cNvSpPr>
+            <a:spLocks noGrp="1"/>
+          </p:cNvSpPr>
+          <p:nvPr>
+            <p:ph type="sldNum" sz="quarter" idx="5"/>
+          </p:nvPr>
+        </p:nvSpPr>
+        <p:spPr>
+          <a:xfrm>
+            <a:off x="3884613" y="8685213"/>
+            <a:ext cx="2971800" cy="458787"/>
+          </a:xfrm>
+          <a:prstGeom prst="rect">
+            <a:avLst/>
+          </a:prstGeom>
+        </p:spPr>
+        <p:txBody>
+          <a:bodyPr vert="horz" lIns="91440" tIns="45720" rIns="91440" bIns="45720" rtlCol="0" anchor="b"/>
+          <a:lstStyle>
+            <a:lvl1pPr algn="r">
+              <a:defRPr sz="1200"/>
+            </a:lvl1pPr>
+          </a:lstStyle>
+          <a:p>
+            <a:fld id="{F2E3B907-F32A-4B9A-B6B3-9984479D70DC}" type="slidenum">
+              <a:rPr lang="en-US" smtClean="0"/>
+              <a:t>‹#›</a:t>
+            </a:fld>
+            <a:endParaRPr lang="en-US"/>
+          </a:p>
+        </p:txBody>
+      </p:sp>
+    </p:spTree>
+    <p:extLst>
+      <p:ext uri="{BB962C8B-B14F-4D97-AF65-F5344CB8AC3E}">
+        <p14:creationId xmlns:p14="http://schemas.microsoft.com/office/powerpoint/2010/main" val="4100825903"/>
+      </p:ext>
+    </p:extLst>
+  </p:cSld>
+  <p:clrMap bg1="lt1" tx1="dk1" bg2="lt2" tx2="dk2" accent1="accent1" accent2="accent2" accent3="accent3" accent4="accent4" accent5="accent5" accent6="accent6" hlink="hlink" folHlink="folHlink"/>
+  <p:notesStyle>
+    <a:lvl1pPr marL="0" algn="l" defTabSz="914400" rtl="0" eaLnBrk="1" latinLnBrk="0" hangingPunct="1">
+      <a:defRPr sz="1200" kern="1200">
+        <a:solidFill>
+          <a:schemeClr val="tx1"/>
+        </a:solidFill>
+        <a:latin typeface="+mn-lt"/>
+        <a:ea typeface="+mn-ea"/>
+        <a:cs typeface="+mn-cs"/>
+      </a:defRPr>
+    </a:lvl1pPr>
+    <a:lvl2pPr marL="457200" algn="l" defTabSz="914400" rtl="0" eaLnBrk="1" latinLnBrk="0" hangingPunct="1">
+      <a:defRPr sz="1200" kern="1200">
+        <a:solidFill>
+          <a:schemeClr val="tx1"/>
+        </a:solidFill>
+        <a:latin typeface="+mn-lt"/>
+        <a:ea typeface="+mn-ea"/>
+        <a:cs typeface="+mn-cs"/>
+      </a:defRPr>
+    </a:lvl2pPr>
+    <a:lvl3pPr marL="914400" algn="l" defTabSz="914400" rtl="0" eaLnBrk="1" latinLnBrk="0" hangingPunct="1">
+      <a:defRPr sz="1200" kern="1200">
+        <a:solidFill>
+          <a:schemeClr val="tx1"/>
+        </a:solidFill>
+        <a:latin typeface="+mn-lt"/>
+        <a:ea typeface="+mn-ea"/>
+        <a:cs typeface="+mn-cs"/>
+      </a:defRPr>
+    </a:lvl3pPr>
+    <a:lvl4pPr marL="1371600" algn="l" defTabSz="914400" rtl="0" eaLnBrk="1" latinLnBrk="0" hangingPunct="1">
+      <a:defRPr sz="1200" kern="1200">
+        <a:solidFill>
+          <a:schemeClr val="tx1"/>
+        </a:solidFill>
+        <a:latin typeface="+mn-lt"/>
+        <a:ea typeface="+mn-ea"/>
+        <a:cs typeface="+mn-cs"/>
+      </a:defRPr>
+    </a:lvl4pPr>
+    <a:lvl5pPr marL="1828800" algn="l" defTabSz="914400" rtl="0" eaLnBrk="1" latinLnBrk="0" hangingPunct="1">
+      <a:defRPr sz="1200" kern="1200">
+        <a:solidFill>
+          <a:schemeClr val="tx1"/>
+        </a:solidFill>
+        <a:latin typeface="+mn-lt"/>
+        <a:ea typeface="+mn-ea"/>
+        <a:cs typeface="+mn-cs"/>
+      </a:defRPr>
+    </a:lvl5pPr>
+    <a:lvl6pPr marL="2286000" algn="l" defTabSz="914400" rtl="0" eaLnBrk="1" latinLnBrk="0" hangingPunct="1">
+      <a:defRPr sz="1200" kern="1200">
+        <a:solidFill>
+          <a:schemeClr val="tx1"/>
+        </a:solidFill>
+        <a:latin typeface="+mn-lt"/>
+        <a:ea typeface="+mn-ea"/>
+        <a:cs typeface="+mn-cs"/>
+      </a:defRPr>
+    </a:lvl6pPr>
+    <a:lvl7pPr marL="2743200" algn="l" defTabSz="914400" rtl="0" eaLnBrk="1" latinLnBrk="0" hangingPunct="1">
+      <a:defRPr sz="1200" kern="1200">
+        <a:solidFill>
+          <a:schemeClr val="tx1"/>
+        </a:solidFill>
+        <a:latin typeface="+mn-lt"/>
+        <a:ea typeface="+mn-ea"/>
+        <a:cs typeface="+mn-cs"/>
+      </a:defRPr>
+    </a:lvl7pPr>
+    <a:lvl8pPr marL="3200400" algn="l" defTabSz="914400" rtl="0" eaLnBrk="1" latinLnBrk="0" hangingPunct="1">
+      <a:defRPr sz="1200" kern="1200">
+        <a:solidFill>
+          <a:schemeClr val="tx1"/>
+        </a:solidFill>
+        <a:latin typeface="+mn-lt"/>
+        <a:ea typeface="+mn-ea"/>
+        <a:cs typeface="+mn-cs"/>
+      </a:defRPr>
+    </a:lvl8pPr>
+    <a:lvl9pPr marL="3657600" algn="l" defTabSz="914400" rtl="0" eaLnBrk="1" latinLnBrk="0" hangingPunct="1">
+      <a:defRPr sz="1200" kern="1200">
+        <a:solidFill>
+          <a:schemeClr val="tx1"/>
+        </a:solidFill>
+        <a:latin typeface="+mn-lt"/>
+        <a:ea typeface="+mn-ea"/>
+        <a:cs typeface="+mn-cs"/>
+      </a:defRPr>
+    </a:lvl9pPr>
+  </p:notesStyle>
+</p:notesMaster>
 </file>
 
 <file path=ppt/slideLayouts/slideLayout1.xml><?xml version="1.0" encoding="utf-8"?>
@@ -3340,12 +3703,14 @@
         </p:nvSpPr>
         <p:spPr/>
         <p:txBody>
-          <a:bodyPr/>
+          <a:bodyPr>
+            <a:normAutofit fontScale="90000"/>
+          </a:bodyPr>
           <a:lstStyle/>
           <a:p>
             <a:r>
               <a:rPr lang="en-US" dirty="0"/>
-              <a:t>Understanding</a:t>
+              <a:t>Understanding and Calculating</a:t>
             </a:r>
             <a:br>
               <a:rPr lang="en-US" dirty="0"/>
@@ -3395,10 +3760,495 @@
   <p:clrMapOvr>
     <a:masterClrMapping/>
   </p:clrMapOvr>
+  <mc:AlternateContent xmlns:mc="http://schemas.openxmlformats.org/markup-compatibility/2006">
+    <mc:Choice xmlns:p14="http://schemas.microsoft.com/office/powerpoint/2010/main" Requires="p14">
+      <p:transition spd="slow" p14:dur="2000" advClick="0" advTm="5000"/>
+    </mc:Choice>
+    <mc:Fallback>
+      <p:transition spd="slow" advClick="0" advTm="5000"/>
+    </mc:Fallback>
+  </mc:AlternateContent>
 </p:sld>
 </file>
 
 <file path=ppt/slides/slide2.xml><?xml version="1.0" encoding="utf-8"?>
+<p:sld xmlns:a="http://schemas.openxmlformats.org/drawingml/2006/main" xmlns:r="http://schemas.openxmlformats.org/officeDocument/2006/relationships" xmlns:p="http://schemas.openxmlformats.org/presentationml/2006/main">
+  <p:cSld>
+    <p:spTree>
+      <p:nvGrpSpPr>
+        <p:cNvPr id="1" name=""/>
+        <p:cNvGrpSpPr/>
+        <p:nvPr/>
+      </p:nvGrpSpPr>
+      <p:grpSpPr>
+        <a:xfrm>
+          <a:off x="0" y="0"/>
+          <a:ext cx="0" cy="0"/>
+          <a:chOff x="0" y="0"/>
+          <a:chExt cx="0" cy="0"/>
+        </a:xfrm>
+      </p:grpSpPr>
+      <p:sp>
+        <p:nvSpPr>
+          <p:cNvPr id="2" name="Title 1">
+            <a:extLst>
+              <a:ext uri="{FF2B5EF4-FFF2-40B4-BE49-F238E27FC236}">
+                <a16:creationId xmlns:a16="http://schemas.microsoft.com/office/drawing/2014/main" id="{66DD239F-953E-5DD9-1FF9-051821580A2F}"/>
+              </a:ext>
+            </a:extLst>
+          </p:cNvPr>
+          <p:cNvSpPr>
+            <a:spLocks noGrp="1"/>
+          </p:cNvSpPr>
+          <p:nvPr>
+            <p:ph type="title"/>
+          </p:nvPr>
+        </p:nvSpPr>
+        <p:spPr/>
+        <p:txBody>
+          <a:bodyPr/>
+          <a:lstStyle/>
+          <a:p>
+            <a:r>
+              <a:rPr lang="en-US" dirty="0"/>
+              <a:t>First Example</a:t>
+            </a:r>
+          </a:p>
+        </p:txBody>
+      </p:sp>
+      <p:sp>
+        <p:nvSpPr>
+          <p:cNvPr id="3" name="Content Placeholder 2">
+            <a:extLst>
+              <a:ext uri="{FF2B5EF4-FFF2-40B4-BE49-F238E27FC236}">
+                <a16:creationId xmlns:a16="http://schemas.microsoft.com/office/drawing/2014/main" id="{D720A715-A1B5-E5E2-2039-4DA1DF94D59F}"/>
+              </a:ext>
+            </a:extLst>
+          </p:cNvPr>
+          <p:cNvSpPr>
+            <a:spLocks noGrp="1"/>
+          </p:cNvSpPr>
+          <p:nvPr>
+            <p:ph idx="1"/>
+          </p:nvPr>
+        </p:nvSpPr>
+        <p:spPr/>
+        <p:txBody>
+          <a:bodyPr>
+            <a:normAutofit/>
+          </a:bodyPr>
+          <a:lstStyle/>
+          <a:p>
+            <a:r>
+              <a:rPr lang="en-US" sz="5400" dirty="0"/>
+              <a:t>Drive 200 miles in four hours</a:t>
+            </a:r>
+          </a:p>
+          <a:p>
+            <a:r>
+              <a:rPr lang="en-US" sz="5400" dirty="0"/>
+              <a:t>Average is 50 miles per hour</a:t>
+            </a:r>
+          </a:p>
+          <a:p>
+            <a:r>
+              <a:rPr lang="en-US" sz="5400" dirty="0"/>
+              <a:t>Add to this, but fundamental idea stays the same.</a:t>
+            </a:r>
+          </a:p>
+        </p:txBody>
+      </p:sp>
+    </p:spTree>
+    <p:extLst>
+      <p:ext uri="{BB962C8B-B14F-4D97-AF65-F5344CB8AC3E}">
+        <p14:creationId xmlns:p14="http://schemas.microsoft.com/office/powerpoint/2010/main" val="2035140544"/>
+      </p:ext>
+    </p:extLst>
+  </p:cSld>
+  <p:clrMapOvr>
+    <a:masterClrMapping/>
+  </p:clrMapOvr>
+  <mc:AlternateContent xmlns:mc="http://schemas.openxmlformats.org/markup-compatibility/2006">
+    <mc:Choice xmlns:p14="http://schemas.microsoft.com/office/powerpoint/2010/main" Requires="p14">
+      <p:transition spd="slow" p14:dur="2000" advClick="0" advTm="20000"/>
+    </mc:Choice>
+    <mc:Fallback>
+      <p:transition spd="slow" advClick="0" advTm="20000"/>
+    </mc:Fallback>
+  </mc:AlternateContent>
+  <p:timing>
+    <p:tnLst>
+      <p:par>
+        <p:cTn id="1" dur="indefinite" restart="never" nodeType="tmRoot">
+          <p:childTnLst>
+            <p:seq concurrent="1" nextAc="seek">
+              <p:cTn id="2" dur="indefinite" nodeType="mainSeq">
+                <p:childTnLst>
+                  <p:par>
+                    <p:cTn id="3" fill="hold">
+                      <p:stCondLst>
+                        <p:cond delay="indefinite"/>
+                        <p:cond evt="onBegin" delay="0">
+                          <p:tn val="2"/>
+                        </p:cond>
+                      </p:stCondLst>
+                      <p:childTnLst>
+                        <p:par>
+                          <p:cTn id="4" fill="hold">
+                            <p:stCondLst>
+                              <p:cond delay="0"/>
+                            </p:stCondLst>
+                            <p:childTnLst>
+                              <p:par>
+                                <p:cTn id="5" presetID="1" presetClass="entr" presetSubtype="0" fill="hold" nodeType="afterEffect">
+                                  <p:stCondLst>
+                                    <p:cond delay="5000"/>
+                                  </p:stCondLst>
+                                  <p:childTnLst>
+                                    <p:set>
+                                      <p:cBhvr>
+                                        <p:cTn id="6" dur="1" fill="hold">
+                                          <p:stCondLst>
+                                            <p:cond delay="0"/>
+                                          </p:stCondLst>
+                                        </p:cTn>
+                                        <p:tgtEl>
+                                          <p:spTgt spid="3">
+                                            <p:txEl>
+                                              <p:pRg st="0" end="0"/>
+                                            </p:txEl>
+                                          </p:spTgt>
+                                        </p:tgtEl>
+                                        <p:attrNameLst>
+                                          <p:attrName>style.visibility</p:attrName>
+                                        </p:attrNameLst>
+                                      </p:cBhvr>
+                                      <p:to>
+                                        <p:strVal val="visible"/>
+                                      </p:to>
+                                    </p:set>
+                                  </p:childTnLst>
+                                </p:cTn>
+                              </p:par>
+                            </p:childTnLst>
+                          </p:cTn>
+                        </p:par>
+                        <p:par>
+                          <p:cTn id="7" fill="hold">
+                            <p:stCondLst>
+                              <p:cond delay="5000"/>
+                            </p:stCondLst>
+                            <p:childTnLst>
+                              <p:par>
+                                <p:cTn id="8" presetID="1" presetClass="entr" presetSubtype="0" fill="hold" nodeType="afterEffect">
+                                  <p:stCondLst>
+                                    <p:cond delay="5000"/>
+                                  </p:stCondLst>
+                                  <p:childTnLst>
+                                    <p:set>
+                                      <p:cBhvr>
+                                        <p:cTn id="9" dur="1" fill="hold">
+                                          <p:stCondLst>
+                                            <p:cond delay="0"/>
+                                          </p:stCondLst>
+                                        </p:cTn>
+                                        <p:tgtEl>
+                                          <p:spTgt spid="3">
+                                            <p:txEl>
+                                              <p:pRg st="1" end="1"/>
+                                            </p:txEl>
+                                          </p:spTgt>
+                                        </p:tgtEl>
+                                        <p:attrNameLst>
+                                          <p:attrName>style.visibility</p:attrName>
+                                        </p:attrNameLst>
+                                      </p:cBhvr>
+                                      <p:to>
+                                        <p:strVal val="visible"/>
+                                      </p:to>
+                                    </p:set>
+                                  </p:childTnLst>
+                                </p:cTn>
+                              </p:par>
+                            </p:childTnLst>
+                          </p:cTn>
+                        </p:par>
+                        <p:par>
+                          <p:cTn id="10" fill="hold">
+                            <p:stCondLst>
+                              <p:cond delay="10000"/>
+                            </p:stCondLst>
+                            <p:childTnLst>
+                              <p:par>
+                                <p:cTn id="11" presetID="1" presetClass="entr" presetSubtype="0" fill="hold" nodeType="afterEffect">
+                                  <p:stCondLst>
+                                    <p:cond delay="5000"/>
+                                  </p:stCondLst>
+                                  <p:childTnLst>
+                                    <p:set>
+                                      <p:cBhvr>
+                                        <p:cTn id="12" dur="1" fill="hold">
+                                          <p:stCondLst>
+                                            <p:cond delay="0"/>
+                                          </p:stCondLst>
+                                        </p:cTn>
+                                        <p:tgtEl>
+                                          <p:spTgt spid="3">
+                                            <p:txEl>
+                                              <p:pRg st="2" end="2"/>
+                                            </p:txEl>
+                                          </p:spTgt>
+                                        </p:tgtEl>
+                                        <p:attrNameLst>
+                                          <p:attrName>style.visibility</p:attrName>
+                                        </p:attrNameLst>
+                                      </p:cBhvr>
+                                      <p:to>
+                                        <p:strVal val="visible"/>
+                                      </p:to>
+                                    </p:set>
+                                  </p:childTnLst>
+                                </p:cTn>
+                              </p:par>
+                            </p:childTnLst>
+                          </p:cTn>
+                        </p:par>
+                      </p:childTnLst>
+                    </p:cTn>
+                  </p:par>
+                </p:childTnLst>
+              </p:cTn>
+              <p:prevCondLst>
+                <p:cond evt="onPrev" delay="0">
+                  <p:tgtEl>
+                    <p:sldTgt/>
+                  </p:tgtEl>
+                </p:cond>
+              </p:prevCondLst>
+              <p:nextCondLst>
+                <p:cond evt="onNext" delay="0">
+                  <p:tgtEl>
+                    <p:sldTgt/>
+                  </p:tgtEl>
+                </p:cond>
+              </p:nextCondLst>
+            </p:seq>
+          </p:childTnLst>
+        </p:cTn>
+      </p:par>
+    </p:tnLst>
+  </p:timing>
+</p:sld>
+</file>
+
+<file path=ppt/slides/slide3.xml><?xml version="1.0" encoding="utf-8"?>
+<p:sld xmlns:a="http://schemas.openxmlformats.org/drawingml/2006/main" xmlns:r="http://schemas.openxmlformats.org/officeDocument/2006/relationships" xmlns:p="http://schemas.openxmlformats.org/presentationml/2006/main">
+  <p:cSld>
+    <p:spTree>
+      <p:nvGrpSpPr>
+        <p:cNvPr id="1" name=""/>
+        <p:cNvGrpSpPr/>
+        <p:nvPr/>
+      </p:nvGrpSpPr>
+      <p:grpSpPr>
+        <a:xfrm>
+          <a:off x="0" y="0"/>
+          <a:ext cx="0" cy="0"/>
+          <a:chOff x="0" y="0"/>
+          <a:chExt cx="0" cy="0"/>
+        </a:xfrm>
+      </p:grpSpPr>
+      <p:sp>
+        <p:nvSpPr>
+          <p:cNvPr id="2" name="Title 1">
+            <a:extLst>
+              <a:ext uri="{FF2B5EF4-FFF2-40B4-BE49-F238E27FC236}">
+                <a16:creationId xmlns:a16="http://schemas.microsoft.com/office/drawing/2014/main" id="{23B6C37A-64D1-E25B-CAFF-489E916E90DE}"/>
+              </a:ext>
+            </a:extLst>
+          </p:cNvPr>
+          <p:cNvSpPr>
+            <a:spLocks noGrp="1"/>
+          </p:cNvSpPr>
+          <p:nvPr>
+            <p:ph type="title"/>
+          </p:nvPr>
+        </p:nvSpPr>
+        <p:spPr/>
+        <p:txBody>
+          <a:bodyPr/>
+          <a:lstStyle/>
+          <a:p>
+            <a:r>
+              <a:rPr lang="en-US" dirty="0"/>
+              <a:t>Average Rate of Change Mnemonic</a:t>
+            </a:r>
+          </a:p>
+        </p:txBody>
+      </p:sp>
+      <p:sp>
+        <p:nvSpPr>
+          <p:cNvPr id="3" name="Content Placeholder 2">
+            <a:extLst>
+              <a:ext uri="{FF2B5EF4-FFF2-40B4-BE49-F238E27FC236}">
+                <a16:creationId xmlns:a16="http://schemas.microsoft.com/office/drawing/2014/main" id="{9AB883E2-0D21-701E-431C-6620B9831DF6}"/>
+              </a:ext>
+            </a:extLst>
+          </p:cNvPr>
+          <p:cNvSpPr>
+            <a:spLocks noGrp="1"/>
+          </p:cNvSpPr>
+          <p:nvPr>
+            <p:ph idx="1"/>
+          </p:nvPr>
+        </p:nvSpPr>
+        <p:spPr/>
+        <p:txBody>
+          <a:bodyPr>
+            <a:normAutofit/>
+          </a:bodyPr>
+          <a:lstStyle/>
+          <a:p>
+            <a:pPr marL="0" indent="0">
+              <a:buNone/>
+            </a:pPr>
+            <a:r>
+              <a:rPr lang="en-US" sz="8000" dirty="0"/>
+              <a:t>Change in the outputs</a:t>
+            </a:r>
+            <a:br>
+              <a:rPr lang="en-US" sz="8000" dirty="0"/>
+            </a:br>
+            <a:r>
+              <a:rPr lang="en-US" sz="8000" dirty="0"/>
+              <a:t>divided by</a:t>
+            </a:r>
+            <a:br>
+              <a:rPr lang="en-US" sz="8000" dirty="0"/>
+            </a:br>
+            <a:r>
+              <a:rPr lang="en-US" sz="8000" dirty="0"/>
+              <a:t>change in the inputs</a:t>
+            </a:r>
+          </a:p>
+        </p:txBody>
+      </p:sp>
+    </p:spTree>
+    <p:extLst>
+      <p:ext uri="{BB962C8B-B14F-4D97-AF65-F5344CB8AC3E}">
+        <p14:creationId xmlns:p14="http://schemas.microsoft.com/office/powerpoint/2010/main" val="2235453355"/>
+      </p:ext>
+    </p:extLst>
+  </p:cSld>
+  <p:clrMapOvr>
+    <a:masterClrMapping/>
+  </p:clrMapOvr>
+  <mc:AlternateContent xmlns:mc="http://schemas.openxmlformats.org/markup-compatibility/2006">
+    <mc:Choice xmlns:p14="http://schemas.microsoft.com/office/powerpoint/2010/main" Requires="p14">
+      <p:transition spd="slow" p14:dur="2000" advClick="0" advTm="10000"/>
+    </mc:Choice>
+    <mc:Fallback>
+      <p:transition spd="slow" advClick="0" advTm="10000"/>
+    </mc:Fallback>
+  </mc:AlternateContent>
+  <p:timing>
+    <p:tnLst>
+      <p:par>
+        <p:cTn id="1" dur="indefinite" restart="never" nodeType="tmRoot">
+          <p:childTnLst>
+            <p:seq concurrent="1" nextAc="seek">
+              <p:cTn id="2" dur="indefinite" nodeType="mainSeq">
+                <p:childTnLst>
+                  <p:par>
+                    <p:cTn id="3" fill="hold">
+                      <p:stCondLst>
+                        <p:cond delay="indefinite"/>
+                        <p:cond evt="onBegin" delay="0">
+                          <p:tn val="2"/>
+                        </p:cond>
+                      </p:stCondLst>
+                      <p:childTnLst>
+                        <p:par>
+                          <p:cTn id="4" fill="hold">
+                            <p:stCondLst>
+                              <p:cond delay="0"/>
+                            </p:stCondLst>
+                            <p:childTnLst>
+                              <p:par>
+                                <p:cTn id="5" presetID="16" presetClass="entr" presetSubtype="21" fill="hold" nodeType="withEffect">
+                                  <p:stCondLst>
+                                    <p:cond delay="5000"/>
+                                  </p:stCondLst>
+                                  <p:childTnLst>
+                                    <p:set>
+                                      <p:cBhvr>
+                                        <p:cTn id="6" dur="1" fill="hold">
+                                          <p:stCondLst>
+                                            <p:cond delay="0"/>
+                                          </p:stCondLst>
+                                        </p:cTn>
+                                        <p:tgtEl>
+                                          <p:spTgt spid="3">
+                                            <p:txEl>
+                                              <p:pRg st="0" end="0"/>
+                                            </p:txEl>
+                                          </p:spTgt>
+                                        </p:tgtEl>
+                                        <p:attrNameLst>
+                                          <p:attrName>style.visibility</p:attrName>
+                                        </p:attrNameLst>
+                                      </p:cBhvr>
+                                      <p:to>
+                                        <p:strVal val="visible"/>
+                                      </p:to>
+                                    </p:set>
+                                    <p:animEffect transition="in" filter="barn(inVertical)">
+                                      <p:cBhvr>
+                                        <p:cTn id="7" dur="500"/>
+                                        <p:tgtEl>
+                                          <p:spTgt spid="3">
+                                            <p:txEl>
+                                              <p:pRg st="0" end="0"/>
+                                            </p:txEl>
+                                          </p:spTgt>
+                                        </p:tgtEl>
+                                      </p:cBhvr>
+                                    </p:animEffect>
+                                  </p:childTnLst>
+                                </p:cTn>
+                              </p:par>
+                            </p:childTnLst>
+                          </p:cTn>
+                        </p:par>
+                      </p:childTnLst>
+                    </p:cTn>
+                  </p:par>
+                </p:childTnLst>
+              </p:cTn>
+              <p:prevCondLst>
+                <p:cond evt="onPrev" delay="0">
+                  <p:tgtEl>
+                    <p:sldTgt/>
+                  </p:tgtEl>
+                </p:cond>
+              </p:prevCondLst>
+              <p:nextCondLst>
+                <p:cond evt="onNext" delay="0">
+                  <p:tgtEl>
+                    <p:sldTgt/>
+                  </p:tgtEl>
+                </p:cond>
+              </p:nextCondLst>
+            </p:seq>
+          </p:childTnLst>
+        </p:cTn>
+      </p:par>
+    </p:tnLst>
+  </p:timing>
+</p:sld>
+</file>
+
+<file path=ppt/slides/slide4.xml><?xml version="1.0" encoding="utf-8"?>
 <p:sld xmlns:a="http://schemas.openxmlformats.org/drawingml/2006/main" xmlns:r="http://schemas.openxmlformats.org/officeDocument/2006/relationships" xmlns:p="http://schemas.openxmlformats.org/presentationml/2006/main">
   <p:cSld>
     <p:spTree>
@@ -3431,378 +4281,1022 @@
             <p:ph type="title"/>
           </p:nvPr>
         </p:nvSpPr>
+        <p:spPr>
+          <a:xfrm>
+            <a:off x="838200" y="365125"/>
+            <a:ext cx="5181599" cy="1325563"/>
+          </a:xfrm>
+        </p:spPr>
+        <p:txBody>
+          <a:bodyPr/>
+          <a:lstStyle/>
+          <a:p>
+            <a:r>
+              <a:rPr lang="en-US" dirty="0"/>
+              <a:t>Example 1</a:t>
+            </a:r>
+          </a:p>
+        </p:txBody>
+      </p:sp>
+      <mc:AlternateContent xmlns:mc="http://schemas.openxmlformats.org/markup-compatibility/2006">
+        <mc:Choice xmlns:a14="http://schemas.microsoft.com/office/drawing/2010/main" Requires="a14">
+          <p:graphicFrame>
+            <p:nvGraphicFramePr>
+              <p:cNvPr id="4" name="Content Placeholder 3">
+                <a:extLst>
+                  <a:ext uri="{FF2B5EF4-FFF2-40B4-BE49-F238E27FC236}">
+                    <a16:creationId xmlns:a16="http://schemas.microsoft.com/office/drawing/2014/main" id="{BADCF710-0B6F-E01A-E4BC-40AFF7358A41}"/>
+                  </a:ext>
+                </a:extLst>
+              </p:cNvPr>
+              <p:cNvGraphicFramePr>
+                <a:graphicFrameLocks noGrp="1"/>
+              </p:cNvGraphicFramePr>
+              <p:nvPr>
+                <p:ph sz="half" idx="1"/>
+                <p:extLst>
+                  <p:ext uri="{D42A27DB-BD31-4B8C-83A1-F6EECF244321}">
+                    <p14:modId xmlns:p14="http://schemas.microsoft.com/office/powerpoint/2010/main" val="1707297221"/>
+                  </p:ext>
+                </p:extLst>
+              </p:nvPr>
+            </p:nvGraphicFramePr>
+            <p:xfrm>
+              <a:off x="838199" y="1588129"/>
+              <a:ext cx="5181599" cy="4588834"/>
+            </p:xfrm>
+            <a:graphic>
+              <a:graphicData uri="http://schemas.openxmlformats.org/drawingml/2006/table">
+                <a:tbl>
+                  <a:tblPr>
+                    <a:tableStyleId>{775DCB02-9BB8-47FD-8907-85C794F793BA}</a:tableStyleId>
+                  </a:tblPr>
+                  <a:tblGrid>
+                    <a:gridCol w="1528098">
+                      <a:extLst>
+                        <a:ext uri="{9D8B030D-6E8A-4147-A177-3AD203B41FA5}">
+                          <a16:colId xmlns:a16="http://schemas.microsoft.com/office/drawing/2014/main" val="1014581518"/>
+                        </a:ext>
+                      </a:extLst>
+                    </a:gridCol>
+                    <a:gridCol w="3653501">
+                      <a:extLst>
+                        <a:ext uri="{9D8B030D-6E8A-4147-A177-3AD203B41FA5}">
+                          <a16:colId xmlns:a16="http://schemas.microsoft.com/office/drawing/2014/main" val="1854541138"/>
+                        </a:ext>
+                      </a:extLst>
+                    </a:gridCol>
+                  </a:tblGrid>
+                  <a:tr h="509922">
+                    <a:tc>
+                      <a:txBody>
+                        <a:bodyPr/>
+                        <a:lstStyle/>
+                        <a:p>
+                          <a:pPr algn="ctr"/>
+                          <a14:m>
+                            <m:oMath xmlns:m="http://schemas.openxmlformats.org/officeDocument/2006/math">
+                              <m:r>
+                                <a:rPr lang="en-US" sz="3200" b="0" i="1" smtClean="0">
+                                  <a:effectLst/>
+                                  <a:latin typeface="Cambria Math" panose="02040503050406030204" pitchFamily="18" charset="0"/>
+                                </a:rPr>
+                                <m:t>𝑡</m:t>
+                              </m:r>
+                              <m:r>
+                                <a:rPr lang="en-US" sz="3200" b="0" i="1" smtClean="0">
+                                  <a:effectLst/>
+                                  <a:latin typeface="Cambria Math" panose="02040503050406030204" pitchFamily="18" charset="0"/>
+                                </a:rPr>
+                                <m:t>=</m:t>
+                              </m:r>
+                            </m:oMath>
+                          </a14:m>
+                          <a:r>
+                            <a:rPr lang="en-US" sz="3200" dirty="0">
+                              <a:effectLst/>
+                            </a:rPr>
+                            <a:t>Days</a:t>
+                          </a:r>
+                        </a:p>
+                      </a:txBody>
+                      <a:tcPr marL="50992" marR="50992" marT="25496" marB="25496" anchor="ctr"/>
+                    </a:tc>
+                    <a:tc>
+                      <a:txBody>
+                        <a:bodyPr/>
+                        <a:lstStyle/>
+                        <a:p>
+                          <a:pPr algn="ctr"/>
+                          <a14:m>
+                            <m:oMath xmlns:m="http://schemas.openxmlformats.org/officeDocument/2006/math">
+                              <m:r>
+                                <a:rPr lang="en-US" sz="3200" b="0" i="1" smtClean="0">
+                                  <a:effectLst/>
+                                  <a:latin typeface="Cambria Math" panose="02040503050406030204" pitchFamily="18" charset="0"/>
+                                </a:rPr>
+                                <m:t>𝐵</m:t>
+                              </m:r>
+                              <m:d>
+                                <m:dPr>
+                                  <m:ctrlPr>
+                                    <a:rPr lang="en-US" sz="3200" b="0" i="1" smtClean="0">
+                                      <a:effectLst/>
+                                      <a:latin typeface="Cambria Math" panose="02040503050406030204" pitchFamily="18" charset="0"/>
+                                    </a:rPr>
+                                  </m:ctrlPr>
+                                </m:dPr>
+                                <m:e>
+                                  <m:r>
+                                    <a:rPr lang="en-US" sz="3200" b="0" i="1" smtClean="0">
+                                      <a:effectLst/>
+                                      <a:latin typeface="Cambria Math" panose="02040503050406030204" pitchFamily="18" charset="0"/>
+                                    </a:rPr>
+                                    <m:t>𝑡</m:t>
+                                  </m:r>
+                                </m:e>
+                              </m:d>
+                              <m:r>
+                                <a:rPr lang="en-US" sz="3200" b="0" i="1" smtClean="0">
+                                  <a:effectLst/>
+                                  <a:latin typeface="Cambria Math" panose="02040503050406030204" pitchFamily="18" charset="0"/>
+                                </a:rPr>
+                                <m:t>=</m:t>
+                              </m:r>
+                            </m:oMath>
+                          </a14:m>
+                          <a:r>
+                            <a:rPr lang="en-US" sz="3200" dirty="0">
+                              <a:effectLst/>
+                            </a:rPr>
+                            <a:t>Total Gross in Million</a:t>
+                          </a:r>
+                          <a:r>
+                            <a:rPr lang="en-US" sz="3200" baseline="0" dirty="0">
+                              <a:effectLst/>
+                            </a:rPr>
+                            <a:t> of Dollars</a:t>
+                          </a:r>
+                          <a:endParaRPr lang="en-US" sz="3200" dirty="0">
+                            <a:effectLst/>
+                          </a:endParaRPr>
+                        </a:p>
+                      </a:txBody>
+                      <a:tcPr marL="50992" marR="50992" marT="25496" marB="25496" anchor="ctr"/>
+                    </a:tc>
+                    <a:extLst>
+                      <a:ext uri="{0D108BD9-81ED-4DB2-BD59-A6C34878D82A}">
+                        <a16:rowId xmlns:a16="http://schemas.microsoft.com/office/drawing/2014/main" val="1265996384"/>
+                      </a:ext>
+                    </a:extLst>
+                  </a:tr>
+                  <a:tr h="480177">
+                    <a:tc>
+                      <a:txBody>
+                        <a:bodyPr/>
+                        <a:lstStyle/>
+                        <a:p>
+                          <a:pPr algn="ctr" fontAlgn="t"/>
+                          <a:r>
+                            <a:rPr lang="en-US" sz="3200" dirty="0">
+                              <a:effectLst/>
+                            </a:rPr>
+                            <a:t>1</a:t>
+                          </a:r>
+                        </a:p>
+                      </a:txBody>
+                      <a:tcPr marL="10623" marR="10623" marT="10623" marB="10623" anchor="ctr"/>
+                    </a:tc>
+                    <a:tc>
+                      <a:txBody>
+                        <a:bodyPr/>
+                        <a:lstStyle/>
+                        <a:p>
+                          <a:pPr algn="ctr" fontAlgn="t"/>
+                          <a:r>
+                            <a:rPr lang="en-US" sz="3200" dirty="0">
+                              <a:effectLst/>
+                            </a:rPr>
+                            <a:t> 32.1</a:t>
+                          </a:r>
+                        </a:p>
+                      </a:txBody>
+                      <a:tcPr marL="10623" marR="10623" marT="10623" marB="10623" anchor="ctr"/>
+                    </a:tc>
+                    <a:extLst>
+                      <a:ext uri="{0D108BD9-81ED-4DB2-BD59-A6C34878D82A}">
+                        <a16:rowId xmlns:a16="http://schemas.microsoft.com/office/drawing/2014/main" val="1065836597"/>
+                      </a:ext>
+                    </a:extLst>
+                  </a:tr>
+                  <a:tr h="480177">
+                    <a:tc>
+                      <a:txBody>
+                        <a:bodyPr/>
+                        <a:lstStyle/>
+                        <a:p>
+                          <a:pPr algn="ctr" fontAlgn="t"/>
+                          <a:r>
+                            <a:rPr lang="en-US" sz="3200" dirty="0">
+                              <a:effectLst/>
+                            </a:rPr>
+                            <a:t>2</a:t>
+                          </a:r>
+                        </a:p>
+                      </a:txBody>
+                      <a:tcPr marL="10623" marR="10623" marT="10623" marB="10623" anchor="ctr"/>
+                    </a:tc>
+                    <a:tc>
+                      <a:txBody>
+                        <a:bodyPr/>
+                        <a:lstStyle/>
+                        <a:p>
+                          <a:pPr algn="ctr" fontAlgn="t"/>
+                          <a:r>
+                            <a:rPr lang="en-US" sz="3200" dirty="0">
+                              <a:effectLst/>
+                            </a:rPr>
+                            <a:t>59.7</a:t>
+                          </a:r>
+                        </a:p>
+                      </a:txBody>
+                      <a:tcPr marL="10623" marR="10623" marT="10623" marB="10623" anchor="ctr"/>
+                    </a:tc>
+                    <a:extLst>
+                      <a:ext uri="{0D108BD9-81ED-4DB2-BD59-A6C34878D82A}">
+                        <a16:rowId xmlns:a16="http://schemas.microsoft.com/office/drawing/2014/main" val="1562601935"/>
+                      </a:ext>
+                    </a:extLst>
+                  </a:tr>
+                  <a:tr h="480177">
+                    <a:tc>
+                      <a:txBody>
+                        <a:bodyPr/>
+                        <a:lstStyle/>
+                        <a:p>
+                          <a:pPr algn="ctr" fontAlgn="t"/>
+                          <a:r>
+                            <a:rPr lang="en-US" sz="3200" dirty="0">
+                              <a:effectLst/>
+                            </a:rPr>
+                            <a:t>3</a:t>
+                          </a:r>
+                        </a:p>
+                      </a:txBody>
+                      <a:tcPr marL="10623" marR="10623" marT="10623" marB="10623" anchor="ctr"/>
+                    </a:tc>
+                    <a:tc>
+                      <a:txBody>
+                        <a:bodyPr/>
+                        <a:lstStyle/>
+                        <a:p>
+                          <a:pPr algn="ctr" fontAlgn="t"/>
+                          <a:r>
+                            <a:rPr lang="en-US" sz="3200" dirty="0">
+                              <a:effectLst/>
+                            </a:rPr>
+                            <a:t>81.3</a:t>
+                          </a:r>
+                        </a:p>
+                      </a:txBody>
+                      <a:tcPr marL="10623" marR="10623" marT="10623" marB="10623" anchor="ctr"/>
+                    </a:tc>
+                    <a:extLst>
+                      <a:ext uri="{0D108BD9-81ED-4DB2-BD59-A6C34878D82A}">
+                        <a16:rowId xmlns:a16="http://schemas.microsoft.com/office/drawing/2014/main" val="1760171092"/>
+                      </a:ext>
+                    </a:extLst>
+                  </a:tr>
+                  <a:tr h="480177">
+                    <a:tc>
+                      <a:txBody>
+                        <a:bodyPr/>
+                        <a:lstStyle/>
+                        <a:p>
+                          <a:pPr algn="ctr" fontAlgn="t"/>
+                          <a:r>
+                            <a:rPr lang="en-US" sz="3200" dirty="0">
+                              <a:effectLst/>
+                            </a:rPr>
+                            <a:t>4</a:t>
+                          </a:r>
+                        </a:p>
+                      </a:txBody>
+                      <a:tcPr marL="10623" marR="10623" marT="10623" marB="10623" anchor="ctr"/>
+                    </a:tc>
+                    <a:tc>
+                      <a:txBody>
+                        <a:bodyPr/>
+                        <a:lstStyle/>
+                        <a:p>
+                          <a:pPr algn="ctr" fontAlgn="t"/>
+                          <a:r>
+                            <a:rPr lang="en-US" sz="3200" dirty="0">
+                              <a:effectLst/>
+                            </a:rPr>
+                            <a:t>90.5</a:t>
+                          </a:r>
+                        </a:p>
+                      </a:txBody>
+                      <a:tcPr marL="10623" marR="10623" marT="10623" marB="10623" anchor="ctr"/>
+                    </a:tc>
+                    <a:extLst>
+                      <a:ext uri="{0D108BD9-81ED-4DB2-BD59-A6C34878D82A}">
+                        <a16:rowId xmlns:a16="http://schemas.microsoft.com/office/drawing/2014/main" val="604471061"/>
+                      </a:ext>
+                    </a:extLst>
+                  </a:tr>
+                  <a:tr h="480177">
+                    <a:tc>
+                      <a:txBody>
+                        <a:bodyPr/>
+                        <a:lstStyle/>
+                        <a:p>
+                          <a:pPr algn="ctr" fontAlgn="t"/>
+                          <a:r>
+                            <a:rPr lang="en-US" sz="3200" dirty="0">
+                              <a:effectLst/>
+                            </a:rPr>
+                            <a:t>5</a:t>
+                          </a:r>
+                        </a:p>
+                      </a:txBody>
+                      <a:tcPr marL="10623" marR="10623" marT="10623" marB="10623" anchor="ctr"/>
+                    </a:tc>
+                    <a:tc>
+                      <a:txBody>
+                        <a:bodyPr/>
+                        <a:lstStyle/>
+                        <a:p>
+                          <a:pPr algn="ctr" fontAlgn="t"/>
+                          <a:r>
+                            <a:rPr lang="en-US" sz="3200" dirty="0">
+                              <a:effectLst/>
+                            </a:rPr>
+                            <a:t>103.1</a:t>
+                          </a:r>
+                        </a:p>
+                      </a:txBody>
+                      <a:tcPr marL="10623" marR="10623" marT="10623" marB="10623" anchor="ctr"/>
+                    </a:tc>
+                    <a:extLst>
+                      <a:ext uri="{0D108BD9-81ED-4DB2-BD59-A6C34878D82A}">
+                        <a16:rowId xmlns:a16="http://schemas.microsoft.com/office/drawing/2014/main" val="1628038105"/>
+                      </a:ext>
+                    </a:extLst>
+                  </a:tr>
+                  <a:tr h="480177">
+                    <a:tc>
+                      <a:txBody>
+                        <a:bodyPr/>
+                        <a:lstStyle/>
+                        <a:p>
+                          <a:pPr algn="ctr" fontAlgn="t"/>
+                          <a:r>
+                            <a:rPr lang="en-US" sz="3200" dirty="0">
+                              <a:effectLst/>
+                            </a:rPr>
+                            <a:t>6</a:t>
+                          </a:r>
+                        </a:p>
+                      </a:txBody>
+                      <a:tcPr marL="10623" marR="10623" marT="10623" marB="10623" anchor="ctr"/>
+                    </a:tc>
+                    <a:tc>
+                      <a:txBody>
+                        <a:bodyPr/>
+                        <a:lstStyle/>
+                        <a:p>
+                          <a:pPr algn="ctr" fontAlgn="t"/>
+                          <a:r>
+                            <a:rPr lang="en-US" sz="3200" dirty="0">
+                              <a:effectLst/>
+                            </a:rPr>
+                            <a:t>113.1</a:t>
+                          </a:r>
+                        </a:p>
+                      </a:txBody>
+                      <a:tcPr marL="10623" marR="10623" marT="10623" marB="10623" anchor="ctr"/>
+                    </a:tc>
+                    <a:extLst>
+                      <a:ext uri="{0D108BD9-81ED-4DB2-BD59-A6C34878D82A}">
+                        <a16:rowId xmlns:a16="http://schemas.microsoft.com/office/drawing/2014/main" val="2050604385"/>
+                      </a:ext>
+                    </a:extLst>
+                  </a:tr>
+                  <a:tr h="480177">
+                    <a:tc>
+                      <a:txBody>
+                        <a:bodyPr/>
+                        <a:lstStyle/>
+                        <a:p>
+                          <a:pPr algn="ctr" fontAlgn="t"/>
+                          <a:r>
+                            <a:rPr lang="en-US" sz="3200" dirty="0">
+                              <a:effectLst/>
+                            </a:rPr>
+                            <a:t>7</a:t>
+                          </a:r>
+                        </a:p>
+                      </a:txBody>
+                      <a:tcPr marL="10623" marR="10623" marT="10623" marB="10623" anchor="ctr"/>
+                    </a:tc>
+                    <a:tc>
+                      <a:txBody>
+                        <a:bodyPr/>
+                        <a:lstStyle/>
+                        <a:p>
+                          <a:pPr algn="ctr" fontAlgn="t"/>
+                          <a:r>
+                            <a:rPr lang="en-US" sz="3200" dirty="0">
+                              <a:effectLst/>
+                            </a:rPr>
+                            <a:t>119.6</a:t>
+                          </a:r>
+                        </a:p>
+                      </a:txBody>
+                      <a:tcPr marL="10623" marR="10623" marT="10623" marB="10623" anchor="ctr"/>
+                    </a:tc>
+                    <a:extLst>
+                      <a:ext uri="{0D108BD9-81ED-4DB2-BD59-A6C34878D82A}">
+                        <a16:rowId xmlns:a16="http://schemas.microsoft.com/office/drawing/2014/main" val="3812560499"/>
+                      </a:ext>
+                    </a:extLst>
+                  </a:tr>
+                </a:tbl>
+              </a:graphicData>
+            </a:graphic>
+          </p:graphicFrame>
+        </mc:Choice>
+        <mc:Fallback>
+          <p:graphicFrame>
+            <p:nvGraphicFramePr>
+              <p:cNvPr id="4" name="Content Placeholder 3">
+                <a:extLst>
+                  <a:ext uri="{FF2B5EF4-FFF2-40B4-BE49-F238E27FC236}">
+                    <a16:creationId xmlns:a16="http://schemas.microsoft.com/office/drawing/2014/main" id="{BADCF710-0B6F-E01A-E4BC-40AFF7358A41}"/>
+                  </a:ext>
+                </a:extLst>
+              </p:cNvPr>
+              <p:cNvGraphicFramePr>
+                <a:graphicFrameLocks noGrp="1"/>
+              </p:cNvGraphicFramePr>
+              <p:nvPr>
+                <p:ph sz="half" idx="1"/>
+                <p:extLst>
+                  <p:ext uri="{D42A27DB-BD31-4B8C-83A1-F6EECF244321}">
+                    <p14:modId xmlns:p14="http://schemas.microsoft.com/office/powerpoint/2010/main" val="1707297221"/>
+                  </p:ext>
+                </p:extLst>
+              </p:nvPr>
+            </p:nvGraphicFramePr>
+            <p:xfrm>
+              <a:off x="838199" y="1588129"/>
+              <a:ext cx="5181599" cy="4588834"/>
+            </p:xfrm>
+            <a:graphic>
+              <a:graphicData uri="http://schemas.openxmlformats.org/drawingml/2006/table">
+                <a:tbl>
+                  <a:tblPr>
+                    <a:tableStyleId>{775DCB02-9BB8-47FD-8907-85C794F793BA}</a:tableStyleId>
+                  </a:tblPr>
+                  <a:tblGrid>
+                    <a:gridCol w="1528098">
+                      <a:extLst>
+                        <a:ext uri="{9D8B030D-6E8A-4147-A177-3AD203B41FA5}">
+                          <a16:colId xmlns:a16="http://schemas.microsoft.com/office/drawing/2014/main" val="1014581518"/>
+                        </a:ext>
+                      </a:extLst>
+                    </a:gridCol>
+                    <a:gridCol w="3653501">
+                      <a:extLst>
+                        <a:ext uri="{9D8B030D-6E8A-4147-A177-3AD203B41FA5}">
+                          <a16:colId xmlns:a16="http://schemas.microsoft.com/office/drawing/2014/main" val="1854541138"/>
+                        </a:ext>
+                      </a:extLst>
+                    </a:gridCol>
+                  </a:tblGrid>
+                  <a:tr h="1026352">
+                    <a:tc>
+                      <a:txBody>
+                        <a:bodyPr/>
+                        <a:lstStyle/>
+                        <a:p>
+                          <a:endParaRPr lang="en-US"/>
+                        </a:p>
+                      </a:txBody>
+                      <a:tcPr marL="50992" marR="50992" marT="25496" marB="25496" anchor="ctr">
+                        <a:blipFill>
+                          <a:blip r:embed="rId2"/>
+                          <a:stretch>
+                            <a:fillRect l="-398" t="-8876" r="-239841" b="-368639"/>
+                          </a:stretch>
+                        </a:blipFill>
+                      </a:tcPr>
+                    </a:tc>
+                    <a:tc>
+                      <a:txBody>
+                        <a:bodyPr/>
+                        <a:lstStyle/>
+                        <a:p>
+                          <a:endParaRPr lang="en-US"/>
+                        </a:p>
+                      </a:txBody>
+                      <a:tcPr marL="50992" marR="50992" marT="25496" marB="25496" anchor="ctr">
+                        <a:blipFill>
+                          <a:blip r:embed="rId2"/>
+                          <a:stretch>
+                            <a:fillRect l="-42000" t="-8876" r="-333" b="-368639"/>
+                          </a:stretch>
+                        </a:blipFill>
+                      </a:tcPr>
+                    </a:tc>
+                    <a:extLst>
+                      <a:ext uri="{0D108BD9-81ED-4DB2-BD59-A6C34878D82A}">
+                        <a16:rowId xmlns:a16="http://schemas.microsoft.com/office/drawing/2014/main" val="1265996384"/>
+                      </a:ext>
+                    </a:extLst>
+                  </a:tr>
+                  <a:tr h="508926">
+                    <a:tc>
+                      <a:txBody>
+                        <a:bodyPr/>
+                        <a:lstStyle/>
+                        <a:p>
+                          <a:pPr algn="ctr" fontAlgn="t"/>
+                          <a:r>
+                            <a:rPr lang="en-US" sz="3200" dirty="0">
+                              <a:effectLst/>
+                            </a:rPr>
+                            <a:t>1</a:t>
+                          </a:r>
+                        </a:p>
+                      </a:txBody>
+                      <a:tcPr marL="10623" marR="10623" marT="10623" marB="10623" anchor="ctr"/>
+                    </a:tc>
+                    <a:tc>
+                      <a:txBody>
+                        <a:bodyPr/>
+                        <a:lstStyle/>
+                        <a:p>
+                          <a:pPr algn="ctr" fontAlgn="t"/>
+                          <a:r>
+                            <a:rPr lang="en-US" sz="3200" dirty="0">
+                              <a:effectLst/>
+                            </a:rPr>
+                            <a:t> 32.1</a:t>
+                          </a:r>
+                        </a:p>
+                      </a:txBody>
+                      <a:tcPr marL="10623" marR="10623" marT="10623" marB="10623" anchor="ctr"/>
+                    </a:tc>
+                    <a:extLst>
+                      <a:ext uri="{0D108BD9-81ED-4DB2-BD59-A6C34878D82A}">
+                        <a16:rowId xmlns:a16="http://schemas.microsoft.com/office/drawing/2014/main" val="1065836597"/>
+                      </a:ext>
+                    </a:extLst>
+                  </a:tr>
+                  <a:tr h="508926">
+                    <a:tc>
+                      <a:txBody>
+                        <a:bodyPr/>
+                        <a:lstStyle/>
+                        <a:p>
+                          <a:pPr algn="ctr" fontAlgn="t"/>
+                          <a:r>
+                            <a:rPr lang="en-US" sz="3200" dirty="0">
+                              <a:effectLst/>
+                            </a:rPr>
+                            <a:t>2</a:t>
+                          </a:r>
+                        </a:p>
+                      </a:txBody>
+                      <a:tcPr marL="10623" marR="10623" marT="10623" marB="10623" anchor="ctr"/>
+                    </a:tc>
+                    <a:tc>
+                      <a:txBody>
+                        <a:bodyPr/>
+                        <a:lstStyle/>
+                        <a:p>
+                          <a:pPr algn="ctr" fontAlgn="t"/>
+                          <a:r>
+                            <a:rPr lang="en-US" sz="3200" dirty="0">
+                              <a:effectLst/>
+                            </a:rPr>
+                            <a:t>59.7</a:t>
+                          </a:r>
+                        </a:p>
+                      </a:txBody>
+                      <a:tcPr marL="10623" marR="10623" marT="10623" marB="10623" anchor="ctr"/>
+                    </a:tc>
+                    <a:extLst>
+                      <a:ext uri="{0D108BD9-81ED-4DB2-BD59-A6C34878D82A}">
+                        <a16:rowId xmlns:a16="http://schemas.microsoft.com/office/drawing/2014/main" val="1562601935"/>
+                      </a:ext>
+                    </a:extLst>
+                  </a:tr>
+                  <a:tr h="508926">
+                    <a:tc>
+                      <a:txBody>
+                        <a:bodyPr/>
+                        <a:lstStyle/>
+                        <a:p>
+                          <a:pPr algn="ctr" fontAlgn="t"/>
+                          <a:r>
+                            <a:rPr lang="en-US" sz="3200" dirty="0">
+                              <a:effectLst/>
+                            </a:rPr>
+                            <a:t>3</a:t>
+                          </a:r>
+                        </a:p>
+                      </a:txBody>
+                      <a:tcPr marL="10623" marR="10623" marT="10623" marB="10623" anchor="ctr"/>
+                    </a:tc>
+                    <a:tc>
+                      <a:txBody>
+                        <a:bodyPr/>
+                        <a:lstStyle/>
+                        <a:p>
+                          <a:pPr algn="ctr" fontAlgn="t"/>
+                          <a:r>
+                            <a:rPr lang="en-US" sz="3200" dirty="0">
+                              <a:effectLst/>
+                            </a:rPr>
+                            <a:t>81.3</a:t>
+                          </a:r>
+                        </a:p>
+                      </a:txBody>
+                      <a:tcPr marL="10623" marR="10623" marT="10623" marB="10623" anchor="ctr"/>
+                    </a:tc>
+                    <a:extLst>
+                      <a:ext uri="{0D108BD9-81ED-4DB2-BD59-A6C34878D82A}">
+                        <a16:rowId xmlns:a16="http://schemas.microsoft.com/office/drawing/2014/main" val="1760171092"/>
+                      </a:ext>
+                    </a:extLst>
+                  </a:tr>
+                  <a:tr h="508926">
+                    <a:tc>
+                      <a:txBody>
+                        <a:bodyPr/>
+                        <a:lstStyle/>
+                        <a:p>
+                          <a:pPr algn="ctr" fontAlgn="t"/>
+                          <a:r>
+                            <a:rPr lang="en-US" sz="3200" dirty="0">
+                              <a:effectLst/>
+                            </a:rPr>
+                            <a:t>4</a:t>
+                          </a:r>
+                        </a:p>
+                      </a:txBody>
+                      <a:tcPr marL="10623" marR="10623" marT="10623" marB="10623" anchor="ctr"/>
+                    </a:tc>
+                    <a:tc>
+                      <a:txBody>
+                        <a:bodyPr/>
+                        <a:lstStyle/>
+                        <a:p>
+                          <a:pPr algn="ctr" fontAlgn="t"/>
+                          <a:r>
+                            <a:rPr lang="en-US" sz="3200" dirty="0">
+                              <a:effectLst/>
+                            </a:rPr>
+                            <a:t>90.5</a:t>
+                          </a:r>
+                        </a:p>
+                      </a:txBody>
+                      <a:tcPr marL="10623" marR="10623" marT="10623" marB="10623" anchor="ctr"/>
+                    </a:tc>
+                    <a:extLst>
+                      <a:ext uri="{0D108BD9-81ED-4DB2-BD59-A6C34878D82A}">
+                        <a16:rowId xmlns:a16="http://schemas.microsoft.com/office/drawing/2014/main" val="604471061"/>
+                      </a:ext>
+                    </a:extLst>
+                  </a:tr>
+                  <a:tr h="508926">
+                    <a:tc>
+                      <a:txBody>
+                        <a:bodyPr/>
+                        <a:lstStyle/>
+                        <a:p>
+                          <a:pPr algn="ctr" fontAlgn="t"/>
+                          <a:r>
+                            <a:rPr lang="en-US" sz="3200" dirty="0">
+                              <a:effectLst/>
+                            </a:rPr>
+                            <a:t>5</a:t>
+                          </a:r>
+                        </a:p>
+                      </a:txBody>
+                      <a:tcPr marL="10623" marR="10623" marT="10623" marB="10623" anchor="ctr"/>
+                    </a:tc>
+                    <a:tc>
+                      <a:txBody>
+                        <a:bodyPr/>
+                        <a:lstStyle/>
+                        <a:p>
+                          <a:pPr algn="ctr" fontAlgn="t"/>
+                          <a:r>
+                            <a:rPr lang="en-US" sz="3200" dirty="0">
+                              <a:effectLst/>
+                            </a:rPr>
+                            <a:t>103.1</a:t>
+                          </a:r>
+                        </a:p>
+                      </a:txBody>
+                      <a:tcPr marL="10623" marR="10623" marT="10623" marB="10623" anchor="ctr"/>
+                    </a:tc>
+                    <a:extLst>
+                      <a:ext uri="{0D108BD9-81ED-4DB2-BD59-A6C34878D82A}">
+                        <a16:rowId xmlns:a16="http://schemas.microsoft.com/office/drawing/2014/main" val="1628038105"/>
+                      </a:ext>
+                    </a:extLst>
+                  </a:tr>
+                  <a:tr h="508926">
+                    <a:tc>
+                      <a:txBody>
+                        <a:bodyPr/>
+                        <a:lstStyle/>
+                        <a:p>
+                          <a:pPr algn="ctr" fontAlgn="t"/>
+                          <a:r>
+                            <a:rPr lang="en-US" sz="3200" dirty="0">
+                              <a:effectLst/>
+                            </a:rPr>
+                            <a:t>6</a:t>
+                          </a:r>
+                        </a:p>
+                      </a:txBody>
+                      <a:tcPr marL="10623" marR="10623" marT="10623" marB="10623" anchor="ctr"/>
+                    </a:tc>
+                    <a:tc>
+                      <a:txBody>
+                        <a:bodyPr/>
+                        <a:lstStyle/>
+                        <a:p>
+                          <a:pPr algn="ctr" fontAlgn="t"/>
+                          <a:r>
+                            <a:rPr lang="en-US" sz="3200" dirty="0">
+                              <a:effectLst/>
+                            </a:rPr>
+                            <a:t>113.1</a:t>
+                          </a:r>
+                        </a:p>
+                      </a:txBody>
+                      <a:tcPr marL="10623" marR="10623" marT="10623" marB="10623" anchor="ctr"/>
+                    </a:tc>
+                    <a:extLst>
+                      <a:ext uri="{0D108BD9-81ED-4DB2-BD59-A6C34878D82A}">
+                        <a16:rowId xmlns:a16="http://schemas.microsoft.com/office/drawing/2014/main" val="2050604385"/>
+                      </a:ext>
+                    </a:extLst>
+                  </a:tr>
+                  <a:tr h="508926">
+                    <a:tc>
+                      <a:txBody>
+                        <a:bodyPr/>
+                        <a:lstStyle/>
+                        <a:p>
+                          <a:pPr algn="ctr" fontAlgn="t"/>
+                          <a:r>
+                            <a:rPr lang="en-US" sz="3200" dirty="0">
+                              <a:effectLst/>
+                            </a:rPr>
+                            <a:t>7</a:t>
+                          </a:r>
+                        </a:p>
+                      </a:txBody>
+                      <a:tcPr marL="10623" marR="10623" marT="10623" marB="10623" anchor="ctr"/>
+                    </a:tc>
+                    <a:tc>
+                      <a:txBody>
+                        <a:bodyPr/>
+                        <a:lstStyle/>
+                        <a:p>
+                          <a:pPr algn="ctr" fontAlgn="t"/>
+                          <a:r>
+                            <a:rPr lang="en-US" sz="3200" dirty="0">
+                              <a:effectLst/>
+                            </a:rPr>
+                            <a:t>119.6</a:t>
+                          </a:r>
+                        </a:p>
+                      </a:txBody>
+                      <a:tcPr marL="10623" marR="10623" marT="10623" marB="10623" anchor="ctr"/>
+                    </a:tc>
+                    <a:extLst>
+                      <a:ext uri="{0D108BD9-81ED-4DB2-BD59-A6C34878D82A}">
+                        <a16:rowId xmlns:a16="http://schemas.microsoft.com/office/drawing/2014/main" val="3812560499"/>
+                      </a:ext>
+                    </a:extLst>
+                  </a:tr>
+                </a:tbl>
+              </a:graphicData>
+            </a:graphic>
+          </p:graphicFrame>
+        </mc:Fallback>
+      </mc:AlternateContent>
+      <mc:AlternateContent xmlns:mc="http://schemas.openxmlformats.org/markup-compatibility/2006">
+        <mc:Choice xmlns:a14="http://schemas.microsoft.com/office/drawing/2010/main" Requires="a14">
+          <p:sp>
+            <p:nvSpPr>
+              <p:cNvPr id="3" name="Content Placeholder 2">
+                <a:extLst>
+                  <a:ext uri="{FF2B5EF4-FFF2-40B4-BE49-F238E27FC236}">
+                    <a16:creationId xmlns:a16="http://schemas.microsoft.com/office/drawing/2014/main" id="{2DDF5451-A501-A3CF-FC37-F07F2FD952FB}"/>
+                  </a:ext>
+                </a:extLst>
+              </p:cNvPr>
+              <p:cNvSpPr>
+                <a:spLocks noGrp="1"/>
+              </p:cNvSpPr>
+              <p:nvPr>
+                <p:ph sz="half" idx="2"/>
+              </p:nvPr>
+            </p:nvSpPr>
+            <p:spPr>
+              <a:xfrm>
+                <a:off x="6172200" y="365125"/>
+                <a:ext cx="5181600" cy="5811838"/>
+              </a:xfrm>
+            </p:spPr>
+            <p:txBody>
+              <a:bodyPr>
+                <a:noAutofit/>
+              </a:bodyPr>
+              <a:lstStyle/>
+              <a:p>
+                <a:pPr>
+                  <a:lnSpc>
+                    <a:spcPct val="110000"/>
+                  </a:lnSpc>
+                </a:pPr>
+                <a:r>
+                  <a:rPr lang="en-US" dirty="0"/>
+                  <a:t>Find average rate of change from t=1 to t=3.</a:t>
+                </a:r>
+              </a:p>
+              <a:p>
+                <a:pPr>
+                  <a:lnSpc>
+                    <a:spcPct val="110000"/>
+                  </a:lnSpc>
+                </a:pPr>
+                <a:r>
+                  <a:rPr lang="en-US" dirty="0"/>
+                  <a:t>Change in outputs:</a:t>
+                </a:r>
+                <a:br>
+                  <a:rPr lang="en-US" dirty="0"/>
+                </a:br>
+                <a14:m>
+                  <m:oMath xmlns:m="http://schemas.openxmlformats.org/officeDocument/2006/math">
+                    <m:r>
+                      <a:rPr lang="en-US" b="0" i="1" smtClean="0">
+                        <a:latin typeface="Cambria Math" panose="02040503050406030204" pitchFamily="18" charset="0"/>
+                      </a:rPr>
+                      <m:t>81.3−32.1=49.2</m:t>
+                    </m:r>
+                  </m:oMath>
+                </a14:m>
+                <a:endParaRPr lang="en-US" dirty="0"/>
+              </a:p>
+              <a:p>
+                <a:pPr>
+                  <a:lnSpc>
+                    <a:spcPct val="110000"/>
+                  </a:lnSpc>
+                </a:pPr>
+                <a:r>
+                  <a:rPr lang="en-US" dirty="0"/>
+                  <a:t>Change in inputs:</a:t>
+                </a:r>
+                <a:br>
+                  <a:rPr lang="en-US" dirty="0"/>
+                </a:br>
+                <a14:m>
+                  <m:oMath xmlns:m="http://schemas.openxmlformats.org/officeDocument/2006/math">
+                    <m:r>
+                      <a:rPr lang="en-US" b="0" i="1" smtClean="0">
+                        <a:latin typeface="Cambria Math" panose="02040503050406030204" pitchFamily="18" charset="0"/>
+                      </a:rPr>
+                      <m:t>3 −1=2</m:t>
+                    </m:r>
+                  </m:oMath>
+                </a14:m>
+                <a:endParaRPr lang="en-US" dirty="0"/>
+              </a:p>
+              <a:p>
+                <a:pPr>
+                  <a:lnSpc>
+                    <a:spcPct val="110000"/>
+                  </a:lnSpc>
+                </a:pPr>
+                <a:r>
+                  <a:rPr lang="en-US" dirty="0"/>
+                  <a:t>Average rate of change</a:t>
+                </a:r>
+                <a:br>
+                  <a:rPr lang="en-US" dirty="0"/>
+                </a:br>
+                <a14:m>
+                  <m:oMath xmlns:m="http://schemas.openxmlformats.org/officeDocument/2006/math">
+                    <m:r>
+                      <a:rPr lang="en-US" b="0" i="1" smtClean="0">
+                        <a:latin typeface="Cambria Math" panose="02040503050406030204" pitchFamily="18" charset="0"/>
+                      </a:rPr>
+                      <m:t>49.2÷2=24.6</m:t>
+                    </m:r>
+                  </m:oMath>
+                </a14:m>
+                <a:endParaRPr lang="en-US" dirty="0"/>
+              </a:p>
+              <a:p>
+                <a:pPr>
+                  <a:lnSpc>
+                    <a:spcPct val="110000"/>
+                  </a:lnSpc>
+                </a:pPr>
+                <a:r>
+                  <a:rPr lang="en-US" dirty="0"/>
+                  <a:t>Total gross increase by 24.6 million dollars per day</a:t>
+                </a:r>
+              </a:p>
+            </p:txBody>
+          </p:sp>
+        </mc:Choice>
+        <mc:Fallback>
+          <p:sp>
+            <p:nvSpPr>
+              <p:cNvPr id="3" name="Content Placeholder 2">
+                <a:extLst>
+                  <a:ext uri="{FF2B5EF4-FFF2-40B4-BE49-F238E27FC236}">
+                    <a16:creationId xmlns:a16="http://schemas.microsoft.com/office/drawing/2014/main" id="{2DDF5451-A501-A3CF-FC37-F07F2FD952FB}"/>
+                  </a:ext>
+                </a:extLst>
+              </p:cNvPr>
+              <p:cNvSpPr>
+                <a:spLocks noGrp="1" noRot="1" noChangeAspect="1" noMove="1" noResize="1" noEditPoints="1" noAdjustHandles="1" noChangeArrowheads="1" noChangeShapeType="1" noTextEdit="1"/>
+              </p:cNvSpPr>
+              <p:nvPr>
+                <p:ph sz="half" idx="2"/>
+              </p:nvPr>
+            </p:nvSpPr>
+            <p:spPr>
+              <a:xfrm>
+                <a:off x="6172200" y="365125"/>
+                <a:ext cx="5181600" cy="5811838"/>
+              </a:xfrm>
+              <a:blipFill>
+                <a:blip r:embed="rId3"/>
+                <a:stretch>
+                  <a:fillRect l="-2118" t="-735"/>
+                </a:stretch>
+              </a:blipFill>
+            </p:spPr>
+            <p:txBody>
+              <a:bodyPr/>
+              <a:lstStyle/>
+              <a:p>
+                <a:r>
+                  <a:rPr lang="en-US">
+                    <a:noFill/>
+                  </a:rPr>
+                  <a:t> </a:t>
+                </a:r>
+              </a:p>
+            </p:txBody>
+          </p:sp>
+        </mc:Fallback>
+      </mc:AlternateContent>
+      <p:sp>
+        <p:nvSpPr>
+          <p:cNvPr id="6" name="Footer Placeholder 5">
+            <a:extLst>
+              <a:ext uri="{FF2B5EF4-FFF2-40B4-BE49-F238E27FC236}">
+                <a16:creationId xmlns:a16="http://schemas.microsoft.com/office/drawing/2014/main" id="{EBC824C2-773A-462D-670D-43947DF1EA3C}"/>
+              </a:ext>
+            </a:extLst>
+          </p:cNvPr>
+          <p:cNvSpPr>
+            <a:spLocks noGrp="1"/>
+          </p:cNvSpPr>
+          <p:nvPr>
+            <p:ph type="ftr" sz="quarter" idx="11"/>
+          </p:nvPr>
+        </p:nvSpPr>
         <p:spPr/>
         <p:txBody>
           <a:bodyPr/>
           <a:lstStyle/>
           <a:p>
-            <a:endParaRPr lang="en-US"/>
+            <a:r>
+              <a:rPr lang="en-US"/>
+              <a:t>Data from the-numbers.com</a:t>
+            </a:r>
           </a:p>
         </p:txBody>
       </p:sp>
-      <p:graphicFrame>
-        <p:nvGraphicFramePr>
-          <p:cNvPr id="4" name="Content Placeholder 3">
-            <a:extLst>
-              <a:ext uri="{FF2B5EF4-FFF2-40B4-BE49-F238E27FC236}">
-                <a16:creationId xmlns:a16="http://schemas.microsoft.com/office/drawing/2014/main" id="{BADCF710-0B6F-E01A-E4BC-40AFF7358A41}"/>
-              </a:ext>
-            </a:extLst>
-          </p:cNvPr>
-          <p:cNvGraphicFramePr>
-            <a:graphicFrameLocks noGrp="1"/>
-          </p:cNvGraphicFramePr>
-          <p:nvPr>
-            <p:ph idx="1"/>
-            <p:extLst>
-              <p:ext uri="{D42A27DB-BD31-4B8C-83A1-F6EECF244321}">
-                <p14:modId xmlns:p14="http://schemas.microsoft.com/office/powerpoint/2010/main" val="4249655051"/>
-              </p:ext>
-            </p:extLst>
-          </p:nvPr>
-        </p:nvGraphicFramePr>
-        <p:xfrm>
-          <a:off x="838199" y="1825625"/>
-          <a:ext cx="2373925" cy="3871161"/>
-        </p:xfrm>
-        <a:graphic>
-          <a:graphicData uri="http://schemas.openxmlformats.org/drawingml/2006/table">
-            <a:tbl>
-              <a:tblPr>
-                <a:tableStyleId>{775DCB02-9BB8-47FD-8907-85C794F793BA}</a:tableStyleId>
-              </a:tblPr>
-              <a:tblGrid>
-                <a:gridCol w="700091">
-                  <a:extLst>
-                    <a:ext uri="{9D8B030D-6E8A-4147-A177-3AD203B41FA5}">
-                      <a16:colId xmlns:a16="http://schemas.microsoft.com/office/drawing/2014/main" val="1014581518"/>
-                    </a:ext>
-                  </a:extLst>
-                </a:gridCol>
-                <a:gridCol w="1673834">
-                  <a:extLst>
-                    <a:ext uri="{9D8B030D-6E8A-4147-A177-3AD203B41FA5}">
-                      <a16:colId xmlns:a16="http://schemas.microsoft.com/office/drawing/2014/main" val="1854541138"/>
-                    </a:ext>
-                  </a:extLst>
-                </a:gridCol>
-              </a:tblGrid>
-              <a:tr h="509922">
-                <a:tc>
-                  <a:txBody>
-                    <a:bodyPr/>
-                    <a:lstStyle/>
-                    <a:p>
-                      <a:pPr algn="ctr"/>
-                      <a:r>
-                        <a:rPr lang="en-US" sz="2000" dirty="0">
-                          <a:effectLst/>
-                        </a:rPr>
-                        <a:t>Days</a:t>
-                      </a:r>
-                    </a:p>
-                  </a:txBody>
-                  <a:tcPr marL="50992" marR="50992" marT="25496" marB="25496" anchor="ctr"/>
-                </a:tc>
-                <a:tc>
-                  <a:txBody>
-                    <a:bodyPr/>
-                    <a:lstStyle/>
-                    <a:p>
-                      <a:pPr algn="ctr"/>
-                      <a:r>
-                        <a:rPr lang="en-US" sz="2000" dirty="0">
-                          <a:effectLst/>
-                        </a:rPr>
-                        <a:t>Total Gross</a:t>
-                      </a:r>
-                    </a:p>
-                  </a:txBody>
-                  <a:tcPr marL="50992" marR="50992" marT="25496" marB="25496" anchor="ctr"/>
-                </a:tc>
-                <a:extLst>
-                  <a:ext uri="{0D108BD9-81ED-4DB2-BD59-A6C34878D82A}">
-                    <a16:rowId xmlns:a16="http://schemas.microsoft.com/office/drawing/2014/main" val="1265996384"/>
-                  </a:ext>
-                </a:extLst>
-              </a:tr>
-              <a:tr h="480177">
-                <a:tc>
-                  <a:txBody>
-                    <a:bodyPr/>
-                    <a:lstStyle/>
-                    <a:p>
-                      <a:pPr algn="ctr" fontAlgn="t"/>
-                      <a:r>
-                        <a:rPr lang="en-US" sz="2000" dirty="0">
-                          <a:effectLst/>
-                        </a:rPr>
-                        <a:t>1</a:t>
-                      </a:r>
-                    </a:p>
-                  </a:txBody>
-                  <a:tcPr marL="10623" marR="10623" marT="10623" marB="10623" anchor="ctr"/>
-                </a:tc>
-                <a:tc>
-                  <a:txBody>
-                    <a:bodyPr/>
-                    <a:lstStyle/>
-                    <a:p>
-                      <a:pPr algn="ctr" fontAlgn="t"/>
-                      <a:r>
-                        <a:rPr lang="en-US" sz="2000" dirty="0">
-                          <a:effectLst/>
-                        </a:rPr>
-                        <a:t>  $32,139,880</a:t>
-                      </a:r>
-                    </a:p>
-                  </a:txBody>
-                  <a:tcPr marL="10623" marR="10623" marT="10623" marB="10623" anchor="ctr"/>
-                </a:tc>
-                <a:extLst>
-                  <a:ext uri="{0D108BD9-81ED-4DB2-BD59-A6C34878D82A}">
-                    <a16:rowId xmlns:a16="http://schemas.microsoft.com/office/drawing/2014/main" val="1065836597"/>
-                  </a:ext>
-                </a:extLst>
-              </a:tr>
-              <a:tr h="480177">
-                <a:tc>
-                  <a:txBody>
-                    <a:bodyPr/>
-                    <a:lstStyle/>
-                    <a:p>
-                      <a:pPr algn="ctr" fontAlgn="t"/>
-                      <a:r>
-                        <a:rPr lang="en-US" sz="2000" dirty="0">
-                          <a:effectLst/>
-                        </a:rPr>
-                        <a:t>2</a:t>
-                      </a:r>
-                    </a:p>
-                  </a:txBody>
-                  <a:tcPr marL="10623" marR="10623" marT="10623" marB="10623" anchor="ctr"/>
-                </a:tc>
-                <a:tc>
-                  <a:txBody>
-                    <a:bodyPr/>
-                    <a:lstStyle/>
-                    <a:p>
-                      <a:pPr algn="ctr" fontAlgn="t"/>
-                      <a:r>
-                        <a:rPr lang="en-US" sz="2000" dirty="0">
-                          <a:effectLst/>
-                        </a:rPr>
-                        <a:t>  $59,656,800</a:t>
-                      </a:r>
-                    </a:p>
-                  </a:txBody>
-                  <a:tcPr marL="10623" marR="10623" marT="10623" marB="10623" anchor="ctr"/>
-                </a:tc>
-                <a:extLst>
-                  <a:ext uri="{0D108BD9-81ED-4DB2-BD59-A6C34878D82A}">
-                    <a16:rowId xmlns:a16="http://schemas.microsoft.com/office/drawing/2014/main" val="1562601935"/>
-                  </a:ext>
-                </a:extLst>
-              </a:tr>
-              <a:tr h="480177">
-                <a:tc>
-                  <a:txBody>
-                    <a:bodyPr/>
-                    <a:lstStyle/>
-                    <a:p>
-                      <a:pPr algn="ctr" fontAlgn="t"/>
-                      <a:r>
-                        <a:rPr lang="en-US" sz="2000" dirty="0">
-                          <a:effectLst/>
-                        </a:rPr>
-                        <a:t>3</a:t>
-                      </a:r>
-                    </a:p>
-                  </a:txBody>
-                  <a:tcPr marL="10623" marR="10623" marT="10623" marB="10623" anchor="ctr"/>
-                </a:tc>
-                <a:tc>
-                  <a:txBody>
-                    <a:bodyPr/>
-                    <a:lstStyle/>
-                    <a:p>
-                      <a:pPr algn="ctr" fontAlgn="t"/>
-                      <a:r>
-                        <a:rPr lang="en-US" sz="2000" dirty="0">
-                          <a:effectLst/>
-                        </a:rPr>
-                        <a:t>  $81,251,415</a:t>
-                      </a:r>
-                    </a:p>
-                  </a:txBody>
-                  <a:tcPr marL="10623" marR="10623" marT="10623" marB="10623" anchor="ctr"/>
-                </a:tc>
-                <a:extLst>
-                  <a:ext uri="{0D108BD9-81ED-4DB2-BD59-A6C34878D82A}">
-                    <a16:rowId xmlns:a16="http://schemas.microsoft.com/office/drawing/2014/main" val="1760171092"/>
-                  </a:ext>
-                </a:extLst>
-              </a:tr>
-              <a:tr h="480177">
-                <a:tc>
-                  <a:txBody>
-                    <a:bodyPr/>
-                    <a:lstStyle/>
-                    <a:p>
-                      <a:pPr algn="ctr" fontAlgn="t"/>
-                      <a:r>
-                        <a:rPr lang="en-US" sz="2000" dirty="0">
-                          <a:effectLst/>
-                        </a:rPr>
-                        <a:t>4</a:t>
-                      </a:r>
-                    </a:p>
-                  </a:txBody>
-                  <a:tcPr marL="10623" marR="10623" marT="10623" marB="10623" anchor="ctr"/>
-                </a:tc>
-                <a:tc>
-                  <a:txBody>
-                    <a:bodyPr/>
-                    <a:lstStyle/>
-                    <a:p>
-                      <a:pPr algn="ctr" fontAlgn="t"/>
-                      <a:r>
-                        <a:rPr lang="en-US" sz="2000" dirty="0">
-                          <a:effectLst/>
-                        </a:rPr>
-                        <a:t>  $90,450,275</a:t>
-                      </a:r>
-                    </a:p>
-                  </a:txBody>
-                  <a:tcPr marL="10623" marR="10623" marT="10623" marB="10623" anchor="ctr"/>
-                </a:tc>
-                <a:extLst>
-                  <a:ext uri="{0D108BD9-81ED-4DB2-BD59-A6C34878D82A}">
-                    <a16:rowId xmlns:a16="http://schemas.microsoft.com/office/drawing/2014/main" val="604471061"/>
-                  </a:ext>
-                </a:extLst>
-              </a:tr>
-              <a:tr h="480177">
-                <a:tc>
-                  <a:txBody>
-                    <a:bodyPr/>
-                    <a:lstStyle/>
-                    <a:p>
-                      <a:pPr algn="ctr" fontAlgn="t"/>
-                      <a:r>
-                        <a:rPr lang="en-US" sz="2000" dirty="0">
-                          <a:effectLst/>
-                        </a:rPr>
-                        <a:t>5</a:t>
-                      </a:r>
-                    </a:p>
-                  </a:txBody>
-                  <a:tcPr marL="10623" marR="10623" marT="10623" marB="10623" anchor="ctr"/>
-                </a:tc>
-                <a:tc>
-                  <a:txBody>
-                    <a:bodyPr/>
-                    <a:lstStyle/>
-                    <a:p>
-                      <a:pPr algn="ctr" fontAlgn="t"/>
-                      <a:r>
-                        <a:rPr lang="en-US" sz="2000" dirty="0">
-                          <a:effectLst/>
-                        </a:rPr>
-                        <a:t>  $103,054,855</a:t>
-                      </a:r>
-                    </a:p>
-                  </a:txBody>
-                  <a:tcPr marL="10623" marR="10623" marT="10623" marB="10623" anchor="ctr"/>
-                </a:tc>
-                <a:extLst>
-                  <a:ext uri="{0D108BD9-81ED-4DB2-BD59-A6C34878D82A}">
-                    <a16:rowId xmlns:a16="http://schemas.microsoft.com/office/drawing/2014/main" val="1628038105"/>
-                  </a:ext>
-                </a:extLst>
-              </a:tr>
-              <a:tr h="480177">
-                <a:tc>
-                  <a:txBody>
-                    <a:bodyPr/>
-                    <a:lstStyle/>
-                    <a:p>
-                      <a:pPr algn="ctr" fontAlgn="t"/>
-                      <a:r>
-                        <a:rPr lang="en-US" sz="2000" dirty="0">
-                          <a:effectLst/>
-                        </a:rPr>
-                        <a:t>6</a:t>
-                      </a:r>
-                    </a:p>
-                  </a:txBody>
-                  <a:tcPr marL="10623" marR="10623" marT="10623" marB="10623" anchor="ctr"/>
-                </a:tc>
-                <a:tc>
-                  <a:txBody>
-                    <a:bodyPr/>
-                    <a:lstStyle/>
-                    <a:p>
-                      <a:pPr algn="ctr" fontAlgn="t"/>
-                      <a:r>
-                        <a:rPr lang="en-US" sz="2000" dirty="0">
-                          <a:effectLst/>
-                        </a:rPr>
-                        <a:t>  $113,070,270</a:t>
-                      </a:r>
-                    </a:p>
-                  </a:txBody>
-                  <a:tcPr marL="10623" marR="10623" marT="10623" marB="10623" anchor="ctr"/>
-                </a:tc>
-                <a:extLst>
-                  <a:ext uri="{0D108BD9-81ED-4DB2-BD59-A6C34878D82A}">
-                    <a16:rowId xmlns:a16="http://schemas.microsoft.com/office/drawing/2014/main" val="2050604385"/>
-                  </a:ext>
-                </a:extLst>
-              </a:tr>
-              <a:tr h="480177">
-                <a:tc>
-                  <a:txBody>
-                    <a:bodyPr/>
-                    <a:lstStyle/>
-                    <a:p>
-                      <a:pPr algn="ctr" fontAlgn="t"/>
-                      <a:r>
-                        <a:rPr lang="en-US" sz="2000" dirty="0">
-                          <a:effectLst/>
-                        </a:rPr>
-                        <a:t>7</a:t>
-                      </a:r>
-                    </a:p>
-                  </a:txBody>
-                  <a:tcPr marL="10623" marR="10623" marT="10623" marB="10623" anchor="ctr"/>
-                </a:tc>
-                <a:tc>
-                  <a:txBody>
-                    <a:bodyPr/>
-                    <a:lstStyle/>
-                    <a:p>
-                      <a:pPr algn="ctr" fontAlgn="t"/>
-                      <a:r>
-                        <a:rPr lang="en-US" sz="2000" dirty="0">
-                          <a:effectLst/>
-                        </a:rPr>
-                        <a:t>  $119,631,140</a:t>
-                      </a:r>
-                    </a:p>
-                  </a:txBody>
-                  <a:tcPr marL="10623" marR="10623" marT="10623" marB="10623" anchor="ctr"/>
-                </a:tc>
-                <a:extLst>
-                  <a:ext uri="{0D108BD9-81ED-4DB2-BD59-A6C34878D82A}">
-                    <a16:rowId xmlns:a16="http://schemas.microsoft.com/office/drawing/2014/main" val="3812560499"/>
-                  </a:ext>
-                </a:extLst>
-              </a:tr>
-            </a:tbl>
-          </a:graphicData>
-        </a:graphic>
-      </p:graphicFrame>
     </p:spTree>
     <p:extLst>
       <p:ext uri="{BB962C8B-B14F-4D97-AF65-F5344CB8AC3E}">
@@ -3813,6 +5307,2999 @@
   <p:clrMapOvr>
     <a:masterClrMapping/>
   </p:clrMapOvr>
+  <mc:AlternateContent xmlns:mc="http://schemas.openxmlformats.org/markup-compatibility/2006">
+    <mc:Choice xmlns:p14="http://schemas.microsoft.com/office/powerpoint/2010/main" Requires="p14">
+      <p:transition spd="slow" p14:dur="2000" advClick="0" advTm="30000"/>
+    </mc:Choice>
+    <mc:Fallback>
+      <p:transition spd="slow" advClick="0" advTm="30000"/>
+    </mc:Fallback>
+  </mc:AlternateContent>
+  <p:timing>
+    <p:tnLst>
+      <p:par>
+        <p:cTn id="1" dur="indefinite" restart="never" nodeType="tmRoot">
+          <p:childTnLst>
+            <p:seq concurrent="1" nextAc="seek">
+              <p:cTn id="2" dur="indefinite" nodeType="mainSeq">
+                <p:childTnLst>
+                  <p:par>
+                    <p:cTn id="3" fill="hold">
+                      <p:stCondLst>
+                        <p:cond delay="indefinite"/>
+                        <p:cond evt="onBegin" delay="0">
+                          <p:tn val="2"/>
+                        </p:cond>
+                      </p:stCondLst>
+                      <p:childTnLst>
+                        <p:par>
+                          <p:cTn id="4" fill="hold">
+                            <p:stCondLst>
+                              <p:cond delay="0"/>
+                            </p:stCondLst>
+                            <p:childTnLst>
+                              <p:par>
+                                <p:cTn id="5" presetID="1" presetClass="entr" presetSubtype="0" fill="hold" nodeType="afterEffect">
+                                  <p:stCondLst>
+                                    <p:cond delay="5000"/>
+                                  </p:stCondLst>
+                                  <p:childTnLst>
+                                    <p:set>
+                                      <p:cBhvr>
+                                        <p:cTn id="6" dur="1" fill="hold">
+                                          <p:stCondLst>
+                                            <p:cond delay="0"/>
+                                          </p:stCondLst>
+                                        </p:cTn>
+                                        <p:tgtEl>
+                                          <p:spTgt spid="3">
+                                            <p:txEl>
+                                              <p:pRg st="0" end="0"/>
+                                            </p:txEl>
+                                          </p:spTgt>
+                                        </p:tgtEl>
+                                        <p:attrNameLst>
+                                          <p:attrName>style.visibility</p:attrName>
+                                        </p:attrNameLst>
+                                      </p:cBhvr>
+                                      <p:to>
+                                        <p:strVal val="visible"/>
+                                      </p:to>
+                                    </p:set>
+                                  </p:childTnLst>
+                                </p:cTn>
+                              </p:par>
+                            </p:childTnLst>
+                          </p:cTn>
+                        </p:par>
+                        <p:par>
+                          <p:cTn id="7" fill="hold">
+                            <p:stCondLst>
+                              <p:cond delay="5000"/>
+                            </p:stCondLst>
+                            <p:childTnLst>
+                              <p:par>
+                                <p:cTn id="8" presetID="1" presetClass="entr" presetSubtype="0" fill="hold" nodeType="afterEffect">
+                                  <p:stCondLst>
+                                    <p:cond delay="5000"/>
+                                  </p:stCondLst>
+                                  <p:childTnLst>
+                                    <p:set>
+                                      <p:cBhvr>
+                                        <p:cTn id="9" dur="1" fill="hold">
+                                          <p:stCondLst>
+                                            <p:cond delay="0"/>
+                                          </p:stCondLst>
+                                        </p:cTn>
+                                        <p:tgtEl>
+                                          <p:spTgt spid="3">
+                                            <p:txEl>
+                                              <p:pRg st="1" end="1"/>
+                                            </p:txEl>
+                                          </p:spTgt>
+                                        </p:tgtEl>
+                                        <p:attrNameLst>
+                                          <p:attrName>style.visibility</p:attrName>
+                                        </p:attrNameLst>
+                                      </p:cBhvr>
+                                      <p:to>
+                                        <p:strVal val="visible"/>
+                                      </p:to>
+                                    </p:set>
+                                  </p:childTnLst>
+                                </p:cTn>
+                              </p:par>
+                            </p:childTnLst>
+                          </p:cTn>
+                        </p:par>
+                        <p:par>
+                          <p:cTn id="10" fill="hold">
+                            <p:stCondLst>
+                              <p:cond delay="10000"/>
+                            </p:stCondLst>
+                            <p:childTnLst>
+                              <p:par>
+                                <p:cTn id="11" presetID="1" presetClass="entr" presetSubtype="0" fill="hold" nodeType="afterEffect">
+                                  <p:stCondLst>
+                                    <p:cond delay="5000"/>
+                                  </p:stCondLst>
+                                  <p:childTnLst>
+                                    <p:set>
+                                      <p:cBhvr>
+                                        <p:cTn id="12" dur="1" fill="hold">
+                                          <p:stCondLst>
+                                            <p:cond delay="0"/>
+                                          </p:stCondLst>
+                                        </p:cTn>
+                                        <p:tgtEl>
+                                          <p:spTgt spid="3">
+                                            <p:txEl>
+                                              <p:pRg st="2" end="2"/>
+                                            </p:txEl>
+                                          </p:spTgt>
+                                        </p:tgtEl>
+                                        <p:attrNameLst>
+                                          <p:attrName>style.visibility</p:attrName>
+                                        </p:attrNameLst>
+                                      </p:cBhvr>
+                                      <p:to>
+                                        <p:strVal val="visible"/>
+                                      </p:to>
+                                    </p:set>
+                                  </p:childTnLst>
+                                </p:cTn>
+                              </p:par>
+                            </p:childTnLst>
+                          </p:cTn>
+                        </p:par>
+                        <p:par>
+                          <p:cTn id="13" fill="hold">
+                            <p:stCondLst>
+                              <p:cond delay="15000"/>
+                            </p:stCondLst>
+                            <p:childTnLst>
+                              <p:par>
+                                <p:cTn id="14" presetID="1" presetClass="entr" presetSubtype="0" fill="hold" nodeType="afterEffect">
+                                  <p:stCondLst>
+                                    <p:cond delay="5000"/>
+                                  </p:stCondLst>
+                                  <p:childTnLst>
+                                    <p:set>
+                                      <p:cBhvr>
+                                        <p:cTn id="15" dur="1" fill="hold">
+                                          <p:stCondLst>
+                                            <p:cond delay="0"/>
+                                          </p:stCondLst>
+                                        </p:cTn>
+                                        <p:tgtEl>
+                                          <p:spTgt spid="3">
+                                            <p:txEl>
+                                              <p:pRg st="3" end="3"/>
+                                            </p:txEl>
+                                          </p:spTgt>
+                                        </p:tgtEl>
+                                        <p:attrNameLst>
+                                          <p:attrName>style.visibility</p:attrName>
+                                        </p:attrNameLst>
+                                      </p:cBhvr>
+                                      <p:to>
+                                        <p:strVal val="visible"/>
+                                      </p:to>
+                                    </p:set>
+                                  </p:childTnLst>
+                                </p:cTn>
+                              </p:par>
+                            </p:childTnLst>
+                          </p:cTn>
+                        </p:par>
+                        <p:par>
+                          <p:cTn id="16" fill="hold">
+                            <p:stCondLst>
+                              <p:cond delay="20000"/>
+                            </p:stCondLst>
+                            <p:childTnLst>
+                              <p:par>
+                                <p:cTn id="17" presetID="1" presetClass="entr" presetSubtype="0" fill="hold" nodeType="afterEffect">
+                                  <p:stCondLst>
+                                    <p:cond delay="5000"/>
+                                  </p:stCondLst>
+                                  <p:childTnLst>
+                                    <p:set>
+                                      <p:cBhvr>
+                                        <p:cTn id="18" dur="1" fill="hold">
+                                          <p:stCondLst>
+                                            <p:cond delay="0"/>
+                                          </p:stCondLst>
+                                        </p:cTn>
+                                        <p:tgtEl>
+                                          <p:spTgt spid="3">
+                                            <p:txEl>
+                                              <p:pRg st="4" end="4"/>
+                                            </p:txEl>
+                                          </p:spTgt>
+                                        </p:tgtEl>
+                                        <p:attrNameLst>
+                                          <p:attrName>style.visibility</p:attrName>
+                                        </p:attrNameLst>
+                                      </p:cBhvr>
+                                      <p:to>
+                                        <p:strVal val="visible"/>
+                                      </p:to>
+                                    </p:set>
+                                  </p:childTnLst>
+                                </p:cTn>
+                              </p:par>
+                            </p:childTnLst>
+                          </p:cTn>
+                        </p:par>
+                      </p:childTnLst>
+                    </p:cTn>
+                  </p:par>
+                </p:childTnLst>
+              </p:cTn>
+              <p:prevCondLst>
+                <p:cond evt="onPrev" delay="0">
+                  <p:tgtEl>
+                    <p:sldTgt/>
+                  </p:tgtEl>
+                </p:cond>
+              </p:prevCondLst>
+              <p:nextCondLst>
+                <p:cond evt="onNext" delay="0">
+                  <p:tgtEl>
+                    <p:sldTgt/>
+                  </p:tgtEl>
+                </p:cond>
+              </p:nextCondLst>
+            </p:seq>
+          </p:childTnLst>
+        </p:cTn>
+      </p:par>
+    </p:tnLst>
+  </p:timing>
+</p:sld>
+</file>
+
+<file path=ppt/slides/slide5.xml><?xml version="1.0" encoding="utf-8"?>
+<p:sld xmlns:a="http://schemas.openxmlformats.org/drawingml/2006/main" xmlns:r="http://schemas.openxmlformats.org/officeDocument/2006/relationships" xmlns:p="http://schemas.openxmlformats.org/presentationml/2006/main">
+  <p:cSld>
+    <p:spTree>
+      <p:nvGrpSpPr>
+        <p:cNvPr id="1" name=""/>
+        <p:cNvGrpSpPr/>
+        <p:nvPr/>
+      </p:nvGrpSpPr>
+      <p:grpSpPr>
+        <a:xfrm>
+          <a:off x="0" y="0"/>
+          <a:ext cx="0" cy="0"/>
+          <a:chOff x="0" y="0"/>
+          <a:chExt cx="0" cy="0"/>
+        </a:xfrm>
+      </p:grpSpPr>
+      <p:sp>
+        <p:nvSpPr>
+          <p:cNvPr id="5" name="Title 4">
+            <a:extLst>
+              <a:ext uri="{FF2B5EF4-FFF2-40B4-BE49-F238E27FC236}">
+                <a16:creationId xmlns:a16="http://schemas.microsoft.com/office/drawing/2014/main" id="{5E7442D2-F912-D839-0CF2-278BB5F922EE}"/>
+              </a:ext>
+            </a:extLst>
+          </p:cNvPr>
+          <p:cNvSpPr>
+            <a:spLocks noGrp="1"/>
+          </p:cNvSpPr>
+          <p:nvPr>
+            <p:ph type="title"/>
+          </p:nvPr>
+        </p:nvSpPr>
+        <p:spPr/>
+        <p:txBody>
+          <a:bodyPr/>
+          <a:lstStyle/>
+          <a:p>
+            <a:r>
+              <a:rPr lang="en-US" dirty="0"/>
+              <a:t>Units for Average Rate of Change</a:t>
+            </a:r>
+          </a:p>
+        </p:txBody>
+      </p:sp>
+      <p:sp>
+        <p:nvSpPr>
+          <p:cNvPr id="6" name="Content Placeholder 5">
+            <a:extLst>
+              <a:ext uri="{FF2B5EF4-FFF2-40B4-BE49-F238E27FC236}">
+                <a16:creationId xmlns:a16="http://schemas.microsoft.com/office/drawing/2014/main" id="{06B63626-D307-B239-FE54-8FCB121612E6}"/>
+              </a:ext>
+            </a:extLst>
+          </p:cNvPr>
+          <p:cNvSpPr>
+            <a:spLocks noGrp="1"/>
+          </p:cNvSpPr>
+          <p:nvPr>
+            <p:ph idx="1"/>
+          </p:nvPr>
+        </p:nvSpPr>
+        <p:spPr/>
+        <p:txBody>
+          <a:bodyPr>
+            <a:normAutofit/>
+          </a:bodyPr>
+          <a:lstStyle/>
+          <a:p>
+            <a:pPr marL="0" indent="0">
+              <a:buNone/>
+            </a:pPr>
+            <a:r>
+              <a:rPr lang="en-US" sz="8000" dirty="0"/>
+              <a:t>Units of average rate of change have the word “per”</a:t>
+            </a:r>
+          </a:p>
+        </p:txBody>
+      </p:sp>
+    </p:spTree>
+    <p:extLst>
+      <p:ext uri="{BB962C8B-B14F-4D97-AF65-F5344CB8AC3E}">
+        <p14:creationId xmlns:p14="http://schemas.microsoft.com/office/powerpoint/2010/main" val="3225968155"/>
+      </p:ext>
+    </p:extLst>
+  </p:cSld>
+  <p:clrMapOvr>
+    <a:masterClrMapping/>
+  </p:clrMapOvr>
+  <mc:AlternateContent xmlns:mc="http://schemas.openxmlformats.org/markup-compatibility/2006">
+    <mc:Choice xmlns:p14="http://schemas.microsoft.com/office/powerpoint/2010/main" Requires="p14">
+      <p:transition spd="slow" p14:dur="2000" advClick="0" advTm="10000"/>
+    </mc:Choice>
+    <mc:Fallback>
+      <p:transition spd="slow" advClick="0" advTm="10000"/>
+    </mc:Fallback>
+  </mc:AlternateContent>
+  <p:timing>
+    <p:tnLst>
+      <p:par>
+        <p:cTn id="1" dur="indefinite" restart="never" nodeType="tmRoot">
+          <p:childTnLst>
+            <p:seq concurrent="1" nextAc="seek">
+              <p:cTn id="2" dur="indefinite" nodeType="mainSeq">
+                <p:childTnLst>
+                  <p:par>
+                    <p:cTn id="3" fill="hold">
+                      <p:stCondLst>
+                        <p:cond delay="indefinite"/>
+                        <p:cond evt="onBegin" delay="0">
+                          <p:tn val="2"/>
+                        </p:cond>
+                      </p:stCondLst>
+                      <p:childTnLst>
+                        <p:par>
+                          <p:cTn id="4" fill="hold">
+                            <p:stCondLst>
+                              <p:cond delay="0"/>
+                            </p:stCondLst>
+                            <p:childTnLst>
+                              <p:par>
+                                <p:cTn id="5" presetID="1" presetClass="entr" presetSubtype="0" fill="hold" nodeType="afterEffect">
+                                  <p:stCondLst>
+                                    <p:cond delay="5000"/>
+                                  </p:stCondLst>
+                                  <p:childTnLst>
+                                    <p:set>
+                                      <p:cBhvr>
+                                        <p:cTn id="6" dur="1" fill="hold">
+                                          <p:stCondLst>
+                                            <p:cond delay="0"/>
+                                          </p:stCondLst>
+                                        </p:cTn>
+                                        <p:tgtEl>
+                                          <p:spTgt spid="6">
+                                            <p:txEl>
+                                              <p:pRg st="0" end="0"/>
+                                            </p:txEl>
+                                          </p:spTgt>
+                                        </p:tgtEl>
+                                        <p:attrNameLst>
+                                          <p:attrName>style.visibility</p:attrName>
+                                        </p:attrNameLst>
+                                      </p:cBhvr>
+                                      <p:to>
+                                        <p:strVal val="visible"/>
+                                      </p:to>
+                                    </p:set>
+                                  </p:childTnLst>
+                                </p:cTn>
+                              </p:par>
+                            </p:childTnLst>
+                          </p:cTn>
+                        </p:par>
+                      </p:childTnLst>
+                    </p:cTn>
+                  </p:par>
+                </p:childTnLst>
+              </p:cTn>
+              <p:prevCondLst>
+                <p:cond evt="onPrev" delay="0">
+                  <p:tgtEl>
+                    <p:sldTgt/>
+                  </p:tgtEl>
+                </p:cond>
+              </p:prevCondLst>
+              <p:nextCondLst>
+                <p:cond evt="onNext" delay="0">
+                  <p:tgtEl>
+                    <p:sldTgt/>
+                  </p:tgtEl>
+                </p:cond>
+              </p:nextCondLst>
+            </p:seq>
+          </p:childTnLst>
+        </p:cTn>
+      </p:par>
+    </p:tnLst>
+  </p:timing>
+</p:sld>
+</file>
+
+<file path=ppt/slides/slide6.xml><?xml version="1.0" encoding="utf-8"?>
+<p:sld xmlns:a="http://schemas.openxmlformats.org/drawingml/2006/main" xmlns:r="http://schemas.openxmlformats.org/officeDocument/2006/relationships" xmlns:p="http://schemas.openxmlformats.org/presentationml/2006/main">
+  <p:cSld>
+    <p:spTree>
+      <p:nvGrpSpPr>
+        <p:cNvPr id="1" name=""/>
+        <p:cNvGrpSpPr/>
+        <p:nvPr/>
+      </p:nvGrpSpPr>
+      <p:grpSpPr>
+        <a:xfrm>
+          <a:off x="0" y="0"/>
+          <a:ext cx="0" cy="0"/>
+          <a:chOff x="0" y="0"/>
+          <a:chExt cx="0" cy="0"/>
+        </a:xfrm>
+      </p:grpSpPr>
+      <p:sp>
+        <p:nvSpPr>
+          <p:cNvPr id="2" name="Title 1">
+            <a:extLst>
+              <a:ext uri="{FF2B5EF4-FFF2-40B4-BE49-F238E27FC236}">
+                <a16:creationId xmlns:a16="http://schemas.microsoft.com/office/drawing/2014/main" id="{70FF38F0-5F3B-0398-EDB8-0245A86E0D5A}"/>
+              </a:ext>
+            </a:extLst>
+          </p:cNvPr>
+          <p:cNvSpPr>
+            <a:spLocks noGrp="1"/>
+          </p:cNvSpPr>
+          <p:nvPr>
+            <p:ph type="title"/>
+          </p:nvPr>
+        </p:nvSpPr>
+        <p:spPr/>
+        <p:txBody>
+          <a:bodyPr/>
+          <a:lstStyle/>
+          <a:p>
+            <a:r>
+              <a:rPr lang="en-US" dirty="0"/>
+              <a:t>Average Rate of Change Formula</a:t>
+            </a:r>
+          </a:p>
+        </p:txBody>
+      </p:sp>
+      <mc:AlternateContent xmlns:mc="http://schemas.openxmlformats.org/markup-compatibility/2006">
+        <mc:Choice xmlns:a14="http://schemas.microsoft.com/office/drawing/2010/main" Requires="a14">
+          <p:sp>
+            <p:nvSpPr>
+              <p:cNvPr id="3" name="Content Placeholder 2">
+                <a:extLst>
+                  <a:ext uri="{FF2B5EF4-FFF2-40B4-BE49-F238E27FC236}">
+                    <a16:creationId xmlns:a16="http://schemas.microsoft.com/office/drawing/2014/main" id="{DBB27216-1CB9-141E-33F2-D85E03FE2C93}"/>
+                  </a:ext>
+                </a:extLst>
+              </p:cNvPr>
+              <p:cNvSpPr>
+                <a:spLocks noGrp="1"/>
+              </p:cNvSpPr>
+              <p:nvPr>
+                <p:ph idx="1"/>
+              </p:nvPr>
+            </p:nvSpPr>
+            <p:spPr/>
+            <p:txBody>
+              <a:bodyPr>
+                <a:normAutofit/>
+              </a:bodyPr>
+              <a:lstStyle/>
+              <a:p>
+                <a:pPr marL="0" indent="0">
+                  <a:lnSpc>
+                    <a:spcPct val="100000"/>
+                  </a:lnSpc>
+                  <a:buNone/>
+                </a:pPr>
+                <a:r>
+                  <a:rPr lang="en-US" sz="5400" dirty="0"/>
+                  <a:t>The average rate of change of the function </a:t>
+                </a:r>
+                <a14:m>
+                  <m:oMath xmlns:m="http://schemas.openxmlformats.org/officeDocument/2006/math">
+                    <m:r>
+                      <a:rPr lang="en-US" sz="5400" b="0" i="1" smtClean="0">
+                        <a:latin typeface="Cambria Math" panose="02040503050406030204" pitchFamily="18" charset="0"/>
+                      </a:rPr>
+                      <m:t>𝑓</m:t>
+                    </m:r>
+                  </m:oMath>
+                </a14:m>
+                <a:r>
+                  <a:rPr lang="en-US" sz="5400" dirty="0"/>
+                  <a:t> between </a:t>
+                </a:r>
+                <a14:m>
+                  <m:oMath xmlns:m="http://schemas.openxmlformats.org/officeDocument/2006/math">
+                    <m:sSub>
+                      <m:sSubPr>
+                        <m:ctrlPr>
+                          <a:rPr lang="en-US" sz="5400" b="0" i="1" smtClean="0">
+                            <a:latin typeface="Cambria Math" panose="02040503050406030204" pitchFamily="18" charset="0"/>
+                          </a:rPr>
+                        </m:ctrlPr>
+                      </m:sSubPr>
+                      <m:e>
+                        <m:r>
+                          <a:rPr lang="en-US" sz="5400" b="0" i="1" smtClean="0">
+                            <a:latin typeface="Cambria Math" panose="02040503050406030204" pitchFamily="18" charset="0"/>
+                          </a:rPr>
+                          <m:t>𝑥</m:t>
+                        </m:r>
+                      </m:e>
+                      <m:sub>
+                        <m:r>
+                          <a:rPr lang="en-US" sz="5400" b="0" i="1" smtClean="0">
+                            <a:latin typeface="Cambria Math" panose="02040503050406030204" pitchFamily="18" charset="0"/>
+                          </a:rPr>
+                          <m:t>1</m:t>
+                        </m:r>
+                      </m:sub>
+                    </m:sSub>
+                  </m:oMath>
+                </a14:m>
+                <a:r>
+                  <a:rPr lang="en-US" sz="5400" dirty="0"/>
+                  <a:t> and </a:t>
+                </a:r>
+                <a14:m>
+                  <m:oMath xmlns:m="http://schemas.openxmlformats.org/officeDocument/2006/math">
+                    <m:sSub>
+                      <m:sSubPr>
+                        <m:ctrlPr>
+                          <a:rPr lang="en-US" sz="5400" b="0" i="1" smtClean="0">
+                            <a:latin typeface="Cambria Math" panose="02040503050406030204" pitchFamily="18" charset="0"/>
+                          </a:rPr>
+                        </m:ctrlPr>
+                      </m:sSubPr>
+                      <m:e>
+                        <m:r>
+                          <a:rPr lang="en-US" sz="5400" b="0" i="1" smtClean="0">
+                            <a:latin typeface="Cambria Math" panose="02040503050406030204" pitchFamily="18" charset="0"/>
+                          </a:rPr>
+                          <m:t>𝑥</m:t>
+                        </m:r>
+                      </m:e>
+                      <m:sub>
+                        <m:r>
+                          <a:rPr lang="en-US" sz="5400" b="0" i="1" smtClean="0">
+                            <a:latin typeface="Cambria Math" panose="02040503050406030204" pitchFamily="18" charset="0"/>
+                          </a:rPr>
+                          <m:t>2</m:t>
+                        </m:r>
+                      </m:sub>
+                    </m:sSub>
+                  </m:oMath>
+                </a14:m>
+                <a:r>
+                  <a:rPr lang="en-US" sz="5400" dirty="0"/>
+                  <a:t> is</a:t>
+                </a:r>
+                <a:br>
+                  <a:rPr lang="en-US" sz="5400" dirty="0"/>
+                </a:br>
+                <a14:m>
+                  <m:oMathPara xmlns:m="http://schemas.openxmlformats.org/officeDocument/2006/math">
+                    <m:oMathParaPr>
+                      <m:jc m:val="centerGroup"/>
+                    </m:oMathParaPr>
+                    <m:oMath xmlns:m="http://schemas.openxmlformats.org/officeDocument/2006/math">
+                      <m:f>
+                        <m:fPr>
+                          <m:ctrlPr>
+                            <a:rPr lang="en-US" sz="5400" b="0" i="1" smtClean="0">
+                              <a:latin typeface="Cambria Math" panose="02040503050406030204" pitchFamily="18" charset="0"/>
+                            </a:rPr>
+                          </m:ctrlPr>
+                        </m:fPr>
+                        <m:num>
+                          <m:r>
+                            <a:rPr lang="en-US" sz="5400" b="0" i="1" smtClean="0">
+                              <a:latin typeface="Cambria Math" panose="02040503050406030204" pitchFamily="18" charset="0"/>
+                            </a:rPr>
+                            <m:t>𝑓</m:t>
+                          </m:r>
+                          <m:d>
+                            <m:dPr>
+                              <m:ctrlPr>
+                                <a:rPr lang="en-US" sz="5400" b="0" i="1" smtClean="0">
+                                  <a:latin typeface="Cambria Math" panose="02040503050406030204" pitchFamily="18" charset="0"/>
+                                </a:rPr>
+                              </m:ctrlPr>
+                            </m:dPr>
+                            <m:e>
+                              <m:sSub>
+                                <m:sSubPr>
+                                  <m:ctrlPr>
+                                    <a:rPr lang="en-US" sz="5400" b="0" i="1" smtClean="0">
+                                      <a:latin typeface="Cambria Math" panose="02040503050406030204" pitchFamily="18" charset="0"/>
+                                    </a:rPr>
+                                  </m:ctrlPr>
+                                </m:sSubPr>
+                                <m:e>
+                                  <m:r>
+                                    <a:rPr lang="en-US" sz="5400" b="0" i="1" smtClean="0">
+                                      <a:latin typeface="Cambria Math" panose="02040503050406030204" pitchFamily="18" charset="0"/>
+                                    </a:rPr>
+                                    <m:t>𝑥</m:t>
+                                  </m:r>
+                                </m:e>
+                                <m:sub>
+                                  <m:r>
+                                    <a:rPr lang="en-US" sz="5400" b="0" i="1" smtClean="0">
+                                      <a:latin typeface="Cambria Math" panose="02040503050406030204" pitchFamily="18" charset="0"/>
+                                    </a:rPr>
+                                    <m:t>1</m:t>
+                                  </m:r>
+                                </m:sub>
+                              </m:sSub>
+                            </m:e>
+                          </m:d>
+                          <m:r>
+                            <a:rPr lang="en-US" sz="5400" b="0" i="1" smtClean="0">
+                              <a:latin typeface="Cambria Math" panose="02040503050406030204" pitchFamily="18" charset="0"/>
+                            </a:rPr>
+                            <m:t>−</m:t>
+                          </m:r>
+                          <m:r>
+                            <a:rPr lang="en-US" sz="5400" b="0" i="1" smtClean="0">
+                              <a:latin typeface="Cambria Math" panose="02040503050406030204" pitchFamily="18" charset="0"/>
+                            </a:rPr>
+                            <m:t>𝑓</m:t>
+                          </m:r>
+                          <m:d>
+                            <m:dPr>
+                              <m:ctrlPr>
+                                <a:rPr lang="en-US" sz="5400" b="0" i="1" smtClean="0">
+                                  <a:latin typeface="Cambria Math" panose="02040503050406030204" pitchFamily="18" charset="0"/>
+                                </a:rPr>
+                              </m:ctrlPr>
+                            </m:dPr>
+                            <m:e>
+                              <m:sSub>
+                                <m:sSubPr>
+                                  <m:ctrlPr>
+                                    <a:rPr lang="en-US" sz="5400" b="0" i="1" smtClean="0">
+                                      <a:latin typeface="Cambria Math" panose="02040503050406030204" pitchFamily="18" charset="0"/>
+                                    </a:rPr>
+                                  </m:ctrlPr>
+                                </m:sSubPr>
+                                <m:e>
+                                  <m:r>
+                                    <a:rPr lang="en-US" sz="5400" b="0" i="1" smtClean="0">
+                                      <a:latin typeface="Cambria Math" panose="02040503050406030204" pitchFamily="18" charset="0"/>
+                                    </a:rPr>
+                                    <m:t>𝑥</m:t>
+                                  </m:r>
+                                </m:e>
+                                <m:sub>
+                                  <m:r>
+                                    <a:rPr lang="en-US" sz="5400" b="0" i="1" smtClean="0">
+                                      <a:latin typeface="Cambria Math" panose="02040503050406030204" pitchFamily="18" charset="0"/>
+                                    </a:rPr>
+                                    <m:t>2</m:t>
+                                  </m:r>
+                                </m:sub>
+                              </m:sSub>
+                            </m:e>
+                          </m:d>
+                        </m:num>
+                        <m:den>
+                          <m:sSub>
+                            <m:sSubPr>
+                              <m:ctrlPr>
+                                <a:rPr lang="en-US" sz="5400" b="0" i="1" smtClean="0">
+                                  <a:latin typeface="Cambria Math" panose="02040503050406030204" pitchFamily="18" charset="0"/>
+                                </a:rPr>
+                              </m:ctrlPr>
+                            </m:sSubPr>
+                            <m:e>
+                              <m:r>
+                                <a:rPr lang="en-US" sz="5400" b="0" i="1" smtClean="0">
+                                  <a:latin typeface="Cambria Math" panose="02040503050406030204" pitchFamily="18" charset="0"/>
+                                </a:rPr>
+                                <m:t>𝑥</m:t>
+                              </m:r>
+                            </m:e>
+                            <m:sub>
+                              <m:r>
+                                <a:rPr lang="en-US" sz="5400" b="0" i="1" smtClean="0">
+                                  <a:latin typeface="Cambria Math" panose="02040503050406030204" pitchFamily="18" charset="0"/>
+                                </a:rPr>
+                                <m:t>1</m:t>
+                              </m:r>
+                            </m:sub>
+                          </m:sSub>
+                          <m:r>
+                            <a:rPr lang="en-US" sz="5400" b="0" i="1" smtClean="0">
+                              <a:latin typeface="Cambria Math" panose="02040503050406030204" pitchFamily="18" charset="0"/>
+                            </a:rPr>
+                            <m:t>−</m:t>
+                          </m:r>
+                          <m:sSub>
+                            <m:sSubPr>
+                              <m:ctrlPr>
+                                <a:rPr lang="en-US" sz="5400" b="0" i="1" smtClean="0">
+                                  <a:latin typeface="Cambria Math" panose="02040503050406030204" pitchFamily="18" charset="0"/>
+                                </a:rPr>
+                              </m:ctrlPr>
+                            </m:sSubPr>
+                            <m:e>
+                              <m:r>
+                                <a:rPr lang="en-US" sz="5400" b="0" i="1" smtClean="0">
+                                  <a:latin typeface="Cambria Math" panose="02040503050406030204" pitchFamily="18" charset="0"/>
+                                </a:rPr>
+                                <m:t>𝑥</m:t>
+                              </m:r>
+                            </m:e>
+                            <m:sub>
+                              <m:r>
+                                <a:rPr lang="en-US" sz="5400" b="0" i="1" smtClean="0">
+                                  <a:latin typeface="Cambria Math" panose="02040503050406030204" pitchFamily="18" charset="0"/>
+                                </a:rPr>
+                                <m:t>2</m:t>
+                              </m:r>
+                            </m:sub>
+                          </m:sSub>
+                        </m:den>
+                      </m:f>
+                      <m:r>
+                        <a:rPr lang="en-US" sz="5400" b="0" i="1" smtClean="0">
+                          <a:latin typeface="Cambria Math" panose="02040503050406030204" pitchFamily="18" charset="0"/>
+                        </a:rPr>
+                        <m:t>.</m:t>
+                      </m:r>
+                    </m:oMath>
+                  </m:oMathPara>
+                </a14:m>
+                <a:endParaRPr lang="en-US" sz="5400" dirty="0"/>
+              </a:p>
+            </p:txBody>
+          </p:sp>
+        </mc:Choice>
+        <mc:Fallback>
+          <p:sp>
+            <p:nvSpPr>
+              <p:cNvPr id="3" name="Content Placeholder 2">
+                <a:extLst>
+                  <a:ext uri="{FF2B5EF4-FFF2-40B4-BE49-F238E27FC236}">
+                    <a16:creationId xmlns:a16="http://schemas.microsoft.com/office/drawing/2014/main" id="{DBB27216-1CB9-141E-33F2-D85E03FE2C93}"/>
+                  </a:ext>
+                </a:extLst>
+              </p:cNvPr>
+              <p:cNvSpPr>
+                <a:spLocks noGrp="1" noRot="1" noChangeAspect="1" noMove="1" noResize="1" noEditPoints="1" noAdjustHandles="1" noChangeArrowheads="1" noChangeShapeType="1" noTextEdit="1"/>
+              </p:cNvSpPr>
+              <p:nvPr>
+                <p:ph idx="1"/>
+              </p:nvPr>
+            </p:nvSpPr>
+            <p:spPr>
+              <a:blipFill>
+                <a:blip r:embed="rId2"/>
+                <a:stretch>
+                  <a:fillRect l="-3130" t="-3782"/>
+                </a:stretch>
+              </a:blipFill>
+            </p:spPr>
+            <p:txBody>
+              <a:bodyPr/>
+              <a:lstStyle/>
+              <a:p>
+                <a:r>
+                  <a:rPr lang="en-US">
+                    <a:noFill/>
+                  </a:rPr>
+                  <a:t> </a:t>
+                </a:r>
+              </a:p>
+            </p:txBody>
+          </p:sp>
+        </mc:Fallback>
+      </mc:AlternateContent>
+    </p:spTree>
+    <p:extLst>
+      <p:ext uri="{BB962C8B-B14F-4D97-AF65-F5344CB8AC3E}">
+        <p14:creationId xmlns:p14="http://schemas.microsoft.com/office/powerpoint/2010/main" val="2850855613"/>
+      </p:ext>
+    </p:extLst>
+  </p:cSld>
+  <p:clrMapOvr>
+    <a:masterClrMapping/>
+  </p:clrMapOvr>
+  <mc:AlternateContent xmlns:mc="http://schemas.openxmlformats.org/markup-compatibility/2006">
+    <mc:Choice xmlns:p14="http://schemas.microsoft.com/office/powerpoint/2010/main" Requires="p14">
+      <p:transition spd="slow" p14:dur="2000" advClick="0" advTm="5000"/>
+    </mc:Choice>
+    <mc:Fallback>
+      <p:transition spd="slow" advClick="0" advTm="5000"/>
+    </mc:Fallback>
+  </mc:AlternateContent>
+</p:sld>
+</file>
+
+<file path=ppt/slides/slide7.xml><?xml version="1.0" encoding="utf-8"?>
+<p:sld xmlns:a="http://schemas.openxmlformats.org/drawingml/2006/main" xmlns:r="http://schemas.openxmlformats.org/officeDocument/2006/relationships" xmlns:p="http://schemas.openxmlformats.org/presentationml/2006/main">
+  <p:cSld>
+    <p:spTree>
+      <p:nvGrpSpPr>
+        <p:cNvPr id="1" name=""/>
+        <p:cNvGrpSpPr/>
+        <p:nvPr/>
+      </p:nvGrpSpPr>
+      <p:grpSpPr>
+        <a:xfrm>
+          <a:off x="0" y="0"/>
+          <a:ext cx="0" cy="0"/>
+          <a:chOff x="0" y="0"/>
+          <a:chExt cx="0" cy="0"/>
+        </a:xfrm>
+      </p:grpSpPr>
+      <p:sp>
+        <p:nvSpPr>
+          <p:cNvPr id="2" name="Title 1">
+            <a:extLst>
+              <a:ext uri="{FF2B5EF4-FFF2-40B4-BE49-F238E27FC236}">
+                <a16:creationId xmlns:a16="http://schemas.microsoft.com/office/drawing/2014/main" id="{90FAE6F7-8BB4-E2C9-44FD-89A8C33CED47}"/>
+              </a:ext>
+            </a:extLst>
+          </p:cNvPr>
+          <p:cNvSpPr>
+            <a:spLocks noGrp="1"/>
+          </p:cNvSpPr>
+          <p:nvPr>
+            <p:ph type="title"/>
+          </p:nvPr>
+        </p:nvSpPr>
+        <p:spPr>
+          <a:xfrm>
+            <a:off x="838200" y="365125"/>
+            <a:ext cx="5181599" cy="1325563"/>
+          </a:xfrm>
+        </p:spPr>
+        <p:txBody>
+          <a:bodyPr/>
+          <a:lstStyle/>
+          <a:p>
+            <a:r>
+              <a:rPr lang="en-US" dirty="0"/>
+              <a:t>Example 2</a:t>
+            </a:r>
+          </a:p>
+        </p:txBody>
+      </p:sp>
+      <mc:AlternateContent xmlns:mc="http://schemas.openxmlformats.org/markup-compatibility/2006">
+        <mc:Choice xmlns:a14="http://schemas.microsoft.com/office/drawing/2010/main" Requires="a14">
+          <p:graphicFrame>
+            <p:nvGraphicFramePr>
+              <p:cNvPr id="4" name="Content Placeholder 3">
+                <a:extLst>
+                  <a:ext uri="{FF2B5EF4-FFF2-40B4-BE49-F238E27FC236}">
+                    <a16:creationId xmlns:a16="http://schemas.microsoft.com/office/drawing/2014/main" id="{BADCF710-0B6F-E01A-E4BC-40AFF7358A41}"/>
+                  </a:ext>
+                </a:extLst>
+              </p:cNvPr>
+              <p:cNvGraphicFramePr>
+                <a:graphicFrameLocks noGrp="1"/>
+              </p:cNvGraphicFramePr>
+              <p:nvPr>
+                <p:ph sz="half" idx="1"/>
+              </p:nvPr>
+            </p:nvGraphicFramePr>
+            <p:xfrm>
+              <a:off x="838199" y="1588129"/>
+              <a:ext cx="5181599" cy="4588834"/>
+            </p:xfrm>
+            <a:graphic>
+              <a:graphicData uri="http://schemas.openxmlformats.org/drawingml/2006/table">
+                <a:tbl>
+                  <a:tblPr>
+                    <a:tableStyleId>{775DCB02-9BB8-47FD-8907-85C794F793BA}</a:tableStyleId>
+                  </a:tblPr>
+                  <a:tblGrid>
+                    <a:gridCol w="1528098">
+                      <a:extLst>
+                        <a:ext uri="{9D8B030D-6E8A-4147-A177-3AD203B41FA5}">
+                          <a16:colId xmlns:a16="http://schemas.microsoft.com/office/drawing/2014/main" val="1014581518"/>
+                        </a:ext>
+                      </a:extLst>
+                    </a:gridCol>
+                    <a:gridCol w="3653501">
+                      <a:extLst>
+                        <a:ext uri="{9D8B030D-6E8A-4147-A177-3AD203B41FA5}">
+                          <a16:colId xmlns:a16="http://schemas.microsoft.com/office/drawing/2014/main" val="1854541138"/>
+                        </a:ext>
+                      </a:extLst>
+                    </a:gridCol>
+                  </a:tblGrid>
+                  <a:tr h="509922">
+                    <a:tc>
+                      <a:txBody>
+                        <a:bodyPr/>
+                        <a:lstStyle/>
+                        <a:p>
+                          <a:pPr algn="ctr"/>
+                          <a14:m>
+                            <m:oMath xmlns:m="http://schemas.openxmlformats.org/officeDocument/2006/math">
+                              <m:r>
+                                <a:rPr lang="en-US" sz="3200" b="0" i="1" smtClean="0">
+                                  <a:effectLst/>
+                                  <a:latin typeface="Cambria Math" panose="02040503050406030204" pitchFamily="18" charset="0"/>
+                                </a:rPr>
+                                <m:t>𝑡</m:t>
+                              </m:r>
+                              <m:r>
+                                <a:rPr lang="en-US" sz="3200" b="0" i="1" smtClean="0">
+                                  <a:effectLst/>
+                                  <a:latin typeface="Cambria Math" panose="02040503050406030204" pitchFamily="18" charset="0"/>
+                                </a:rPr>
+                                <m:t>=</m:t>
+                              </m:r>
+                            </m:oMath>
+                          </a14:m>
+                          <a:r>
+                            <a:rPr lang="en-US" sz="3200" dirty="0">
+                              <a:effectLst/>
+                            </a:rPr>
+                            <a:t>Days</a:t>
+                          </a:r>
+                        </a:p>
+                      </a:txBody>
+                      <a:tcPr marL="50992" marR="50992" marT="25496" marB="25496" anchor="ctr"/>
+                    </a:tc>
+                    <a:tc>
+                      <a:txBody>
+                        <a:bodyPr/>
+                        <a:lstStyle/>
+                        <a:p>
+                          <a:pPr algn="ctr"/>
+                          <a14:m>
+                            <m:oMath xmlns:m="http://schemas.openxmlformats.org/officeDocument/2006/math">
+                              <m:r>
+                                <a:rPr lang="en-US" sz="3200" b="0" i="1" smtClean="0">
+                                  <a:effectLst/>
+                                  <a:latin typeface="Cambria Math" panose="02040503050406030204" pitchFamily="18" charset="0"/>
+                                </a:rPr>
+                                <m:t>𝐵</m:t>
+                              </m:r>
+                              <m:d>
+                                <m:dPr>
+                                  <m:ctrlPr>
+                                    <a:rPr lang="en-US" sz="3200" b="0" i="1" smtClean="0">
+                                      <a:effectLst/>
+                                      <a:latin typeface="Cambria Math" panose="02040503050406030204" pitchFamily="18" charset="0"/>
+                                    </a:rPr>
+                                  </m:ctrlPr>
+                                </m:dPr>
+                                <m:e>
+                                  <m:r>
+                                    <a:rPr lang="en-US" sz="3200" b="0" i="1" smtClean="0">
+                                      <a:effectLst/>
+                                      <a:latin typeface="Cambria Math" panose="02040503050406030204" pitchFamily="18" charset="0"/>
+                                    </a:rPr>
+                                    <m:t>𝑡</m:t>
+                                  </m:r>
+                                </m:e>
+                              </m:d>
+                              <m:r>
+                                <a:rPr lang="en-US" sz="3200" b="0" i="1" smtClean="0">
+                                  <a:effectLst/>
+                                  <a:latin typeface="Cambria Math" panose="02040503050406030204" pitchFamily="18" charset="0"/>
+                                </a:rPr>
+                                <m:t>=</m:t>
+                              </m:r>
+                            </m:oMath>
+                          </a14:m>
+                          <a:r>
+                            <a:rPr lang="en-US" sz="3200" dirty="0">
+                              <a:effectLst/>
+                            </a:rPr>
+                            <a:t>Total Gross in Million</a:t>
+                          </a:r>
+                          <a:r>
+                            <a:rPr lang="en-US" sz="3200" baseline="0" dirty="0">
+                              <a:effectLst/>
+                            </a:rPr>
+                            <a:t> of Dollars</a:t>
+                          </a:r>
+                          <a:endParaRPr lang="en-US" sz="3200" dirty="0">
+                            <a:effectLst/>
+                          </a:endParaRPr>
+                        </a:p>
+                      </a:txBody>
+                      <a:tcPr marL="50992" marR="50992" marT="25496" marB="25496" anchor="ctr"/>
+                    </a:tc>
+                    <a:extLst>
+                      <a:ext uri="{0D108BD9-81ED-4DB2-BD59-A6C34878D82A}">
+                        <a16:rowId xmlns:a16="http://schemas.microsoft.com/office/drawing/2014/main" val="1265996384"/>
+                      </a:ext>
+                    </a:extLst>
+                  </a:tr>
+                  <a:tr h="480177">
+                    <a:tc>
+                      <a:txBody>
+                        <a:bodyPr/>
+                        <a:lstStyle/>
+                        <a:p>
+                          <a:pPr algn="ctr" fontAlgn="t"/>
+                          <a:r>
+                            <a:rPr lang="en-US" sz="3200" dirty="0">
+                              <a:effectLst/>
+                            </a:rPr>
+                            <a:t>1</a:t>
+                          </a:r>
+                        </a:p>
+                      </a:txBody>
+                      <a:tcPr marL="10623" marR="10623" marT="10623" marB="10623" anchor="ctr"/>
+                    </a:tc>
+                    <a:tc>
+                      <a:txBody>
+                        <a:bodyPr/>
+                        <a:lstStyle/>
+                        <a:p>
+                          <a:pPr algn="ctr" fontAlgn="t"/>
+                          <a:r>
+                            <a:rPr lang="en-US" sz="3200" dirty="0">
+                              <a:effectLst/>
+                            </a:rPr>
+                            <a:t> 32.1</a:t>
+                          </a:r>
+                        </a:p>
+                      </a:txBody>
+                      <a:tcPr marL="10623" marR="10623" marT="10623" marB="10623" anchor="ctr"/>
+                    </a:tc>
+                    <a:extLst>
+                      <a:ext uri="{0D108BD9-81ED-4DB2-BD59-A6C34878D82A}">
+                        <a16:rowId xmlns:a16="http://schemas.microsoft.com/office/drawing/2014/main" val="1065836597"/>
+                      </a:ext>
+                    </a:extLst>
+                  </a:tr>
+                  <a:tr h="480177">
+                    <a:tc>
+                      <a:txBody>
+                        <a:bodyPr/>
+                        <a:lstStyle/>
+                        <a:p>
+                          <a:pPr algn="ctr" fontAlgn="t"/>
+                          <a:r>
+                            <a:rPr lang="en-US" sz="3200" dirty="0">
+                              <a:effectLst/>
+                            </a:rPr>
+                            <a:t>2</a:t>
+                          </a:r>
+                        </a:p>
+                      </a:txBody>
+                      <a:tcPr marL="10623" marR="10623" marT="10623" marB="10623" anchor="ctr"/>
+                    </a:tc>
+                    <a:tc>
+                      <a:txBody>
+                        <a:bodyPr/>
+                        <a:lstStyle/>
+                        <a:p>
+                          <a:pPr algn="ctr" fontAlgn="t"/>
+                          <a:r>
+                            <a:rPr lang="en-US" sz="3200" dirty="0">
+                              <a:effectLst/>
+                            </a:rPr>
+                            <a:t>59.7</a:t>
+                          </a:r>
+                        </a:p>
+                      </a:txBody>
+                      <a:tcPr marL="10623" marR="10623" marT="10623" marB="10623" anchor="ctr"/>
+                    </a:tc>
+                    <a:extLst>
+                      <a:ext uri="{0D108BD9-81ED-4DB2-BD59-A6C34878D82A}">
+                        <a16:rowId xmlns:a16="http://schemas.microsoft.com/office/drawing/2014/main" val="1562601935"/>
+                      </a:ext>
+                    </a:extLst>
+                  </a:tr>
+                  <a:tr h="480177">
+                    <a:tc>
+                      <a:txBody>
+                        <a:bodyPr/>
+                        <a:lstStyle/>
+                        <a:p>
+                          <a:pPr algn="ctr" fontAlgn="t"/>
+                          <a:r>
+                            <a:rPr lang="en-US" sz="3200" dirty="0">
+                              <a:effectLst/>
+                            </a:rPr>
+                            <a:t>3</a:t>
+                          </a:r>
+                        </a:p>
+                      </a:txBody>
+                      <a:tcPr marL="10623" marR="10623" marT="10623" marB="10623" anchor="ctr"/>
+                    </a:tc>
+                    <a:tc>
+                      <a:txBody>
+                        <a:bodyPr/>
+                        <a:lstStyle/>
+                        <a:p>
+                          <a:pPr algn="ctr" fontAlgn="t"/>
+                          <a:r>
+                            <a:rPr lang="en-US" sz="3200" dirty="0">
+                              <a:effectLst/>
+                            </a:rPr>
+                            <a:t>81.3</a:t>
+                          </a:r>
+                        </a:p>
+                      </a:txBody>
+                      <a:tcPr marL="10623" marR="10623" marT="10623" marB="10623" anchor="ctr"/>
+                    </a:tc>
+                    <a:extLst>
+                      <a:ext uri="{0D108BD9-81ED-4DB2-BD59-A6C34878D82A}">
+                        <a16:rowId xmlns:a16="http://schemas.microsoft.com/office/drawing/2014/main" val="1760171092"/>
+                      </a:ext>
+                    </a:extLst>
+                  </a:tr>
+                  <a:tr h="480177">
+                    <a:tc>
+                      <a:txBody>
+                        <a:bodyPr/>
+                        <a:lstStyle/>
+                        <a:p>
+                          <a:pPr algn="ctr" fontAlgn="t"/>
+                          <a:r>
+                            <a:rPr lang="en-US" sz="3200" dirty="0">
+                              <a:effectLst/>
+                            </a:rPr>
+                            <a:t>4</a:t>
+                          </a:r>
+                        </a:p>
+                      </a:txBody>
+                      <a:tcPr marL="10623" marR="10623" marT="10623" marB="10623" anchor="ctr"/>
+                    </a:tc>
+                    <a:tc>
+                      <a:txBody>
+                        <a:bodyPr/>
+                        <a:lstStyle/>
+                        <a:p>
+                          <a:pPr algn="ctr" fontAlgn="t"/>
+                          <a:r>
+                            <a:rPr lang="en-US" sz="3200" dirty="0">
+                              <a:effectLst/>
+                            </a:rPr>
+                            <a:t>90.5</a:t>
+                          </a:r>
+                        </a:p>
+                      </a:txBody>
+                      <a:tcPr marL="10623" marR="10623" marT="10623" marB="10623" anchor="ctr"/>
+                    </a:tc>
+                    <a:extLst>
+                      <a:ext uri="{0D108BD9-81ED-4DB2-BD59-A6C34878D82A}">
+                        <a16:rowId xmlns:a16="http://schemas.microsoft.com/office/drawing/2014/main" val="604471061"/>
+                      </a:ext>
+                    </a:extLst>
+                  </a:tr>
+                  <a:tr h="480177">
+                    <a:tc>
+                      <a:txBody>
+                        <a:bodyPr/>
+                        <a:lstStyle/>
+                        <a:p>
+                          <a:pPr algn="ctr" fontAlgn="t"/>
+                          <a:r>
+                            <a:rPr lang="en-US" sz="3200" dirty="0">
+                              <a:effectLst/>
+                            </a:rPr>
+                            <a:t>5</a:t>
+                          </a:r>
+                        </a:p>
+                      </a:txBody>
+                      <a:tcPr marL="10623" marR="10623" marT="10623" marB="10623" anchor="ctr"/>
+                    </a:tc>
+                    <a:tc>
+                      <a:txBody>
+                        <a:bodyPr/>
+                        <a:lstStyle/>
+                        <a:p>
+                          <a:pPr algn="ctr" fontAlgn="t"/>
+                          <a:r>
+                            <a:rPr lang="en-US" sz="3200" dirty="0">
+                              <a:effectLst/>
+                            </a:rPr>
+                            <a:t>103.1</a:t>
+                          </a:r>
+                        </a:p>
+                      </a:txBody>
+                      <a:tcPr marL="10623" marR="10623" marT="10623" marB="10623" anchor="ctr"/>
+                    </a:tc>
+                    <a:extLst>
+                      <a:ext uri="{0D108BD9-81ED-4DB2-BD59-A6C34878D82A}">
+                        <a16:rowId xmlns:a16="http://schemas.microsoft.com/office/drawing/2014/main" val="1628038105"/>
+                      </a:ext>
+                    </a:extLst>
+                  </a:tr>
+                  <a:tr h="480177">
+                    <a:tc>
+                      <a:txBody>
+                        <a:bodyPr/>
+                        <a:lstStyle/>
+                        <a:p>
+                          <a:pPr algn="ctr" fontAlgn="t"/>
+                          <a:r>
+                            <a:rPr lang="en-US" sz="3200" dirty="0">
+                              <a:effectLst/>
+                            </a:rPr>
+                            <a:t>6</a:t>
+                          </a:r>
+                        </a:p>
+                      </a:txBody>
+                      <a:tcPr marL="10623" marR="10623" marT="10623" marB="10623" anchor="ctr"/>
+                    </a:tc>
+                    <a:tc>
+                      <a:txBody>
+                        <a:bodyPr/>
+                        <a:lstStyle/>
+                        <a:p>
+                          <a:pPr algn="ctr" fontAlgn="t"/>
+                          <a:r>
+                            <a:rPr lang="en-US" sz="3200" dirty="0">
+                              <a:effectLst/>
+                            </a:rPr>
+                            <a:t>113.1</a:t>
+                          </a:r>
+                        </a:p>
+                      </a:txBody>
+                      <a:tcPr marL="10623" marR="10623" marT="10623" marB="10623" anchor="ctr"/>
+                    </a:tc>
+                    <a:extLst>
+                      <a:ext uri="{0D108BD9-81ED-4DB2-BD59-A6C34878D82A}">
+                        <a16:rowId xmlns:a16="http://schemas.microsoft.com/office/drawing/2014/main" val="2050604385"/>
+                      </a:ext>
+                    </a:extLst>
+                  </a:tr>
+                  <a:tr h="480177">
+                    <a:tc>
+                      <a:txBody>
+                        <a:bodyPr/>
+                        <a:lstStyle/>
+                        <a:p>
+                          <a:pPr algn="ctr" fontAlgn="t"/>
+                          <a:r>
+                            <a:rPr lang="en-US" sz="3200" dirty="0">
+                              <a:effectLst/>
+                            </a:rPr>
+                            <a:t>7</a:t>
+                          </a:r>
+                        </a:p>
+                      </a:txBody>
+                      <a:tcPr marL="10623" marR="10623" marT="10623" marB="10623" anchor="ctr"/>
+                    </a:tc>
+                    <a:tc>
+                      <a:txBody>
+                        <a:bodyPr/>
+                        <a:lstStyle/>
+                        <a:p>
+                          <a:pPr algn="ctr" fontAlgn="t"/>
+                          <a:r>
+                            <a:rPr lang="en-US" sz="3200" dirty="0">
+                              <a:effectLst/>
+                            </a:rPr>
+                            <a:t>119.6</a:t>
+                          </a:r>
+                        </a:p>
+                      </a:txBody>
+                      <a:tcPr marL="10623" marR="10623" marT="10623" marB="10623" anchor="ctr"/>
+                    </a:tc>
+                    <a:extLst>
+                      <a:ext uri="{0D108BD9-81ED-4DB2-BD59-A6C34878D82A}">
+                        <a16:rowId xmlns:a16="http://schemas.microsoft.com/office/drawing/2014/main" val="3812560499"/>
+                      </a:ext>
+                    </a:extLst>
+                  </a:tr>
+                </a:tbl>
+              </a:graphicData>
+            </a:graphic>
+          </p:graphicFrame>
+        </mc:Choice>
+        <mc:Fallback>
+          <p:graphicFrame>
+            <p:nvGraphicFramePr>
+              <p:cNvPr id="4" name="Content Placeholder 3">
+                <a:extLst>
+                  <a:ext uri="{FF2B5EF4-FFF2-40B4-BE49-F238E27FC236}">
+                    <a16:creationId xmlns:a16="http://schemas.microsoft.com/office/drawing/2014/main" id="{BADCF710-0B6F-E01A-E4BC-40AFF7358A41}"/>
+                  </a:ext>
+                </a:extLst>
+              </p:cNvPr>
+              <p:cNvGraphicFramePr>
+                <a:graphicFrameLocks noGrp="1"/>
+              </p:cNvGraphicFramePr>
+              <p:nvPr>
+                <p:ph sz="half" idx="1"/>
+              </p:nvPr>
+            </p:nvGraphicFramePr>
+            <p:xfrm>
+              <a:off x="838199" y="1588129"/>
+              <a:ext cx="5181599" cy="4588834"/>
+            </p:xfrm>
+            <a:graphic>
+              <a:graphicData uri="http://schemas.openxmlformats.org/drawingml/2006/table">
+                <a:tbl>
+                  <a:tblPr>
+                    <a:tableStyleId>{775DCB02-9BB8-47FD-8907-85C794F793BA}</a:tableStyleId>
+                  </a:tblPr>
+                  <a:tblGrid>
+                    <a:gridCol w="1528098">
+                      <a:extLst>
+                        <a:ext uri="{9D8B030D-6E8A-4147-A177-3AD203B41FA5}">
+                          <a16:colId xmlns:a16="http://schemas.microsoft.com/office/drawing/2014/main" val="1014581518"/>
+                        </a:ext>
+                      </a:extLst>
+                    </a:gridCol>
+                    <a:gridCol w="3653501">
+                      <a:extLst>
+                        <a:ext uri="{9D8B030D-6E8A-4147-A177-3AD203B41FA5}">
+                          <a16:colId xmlns:a16="http://schemas.microsoft.com/office/drawing/2014/main" val="1854541138"/>
+                        </a:ext>
+                      </a:extLst>
+                    </a:gridCol>
+                  </a:tblGrid>
+                  <a:tr h="1026352">
+                    <a:tc>
+                      <a:txBody>
+                        <a:bodyPr/>
+                        <a:lstStyle/>
+                        <a:p>
+                          <a:endParaRPr lang="en-US"/>
+                        </a:p>
+                      </a:txBody>
+                      <a:tcPr marL="50992" marR="50992" marT="25496" marB="25496" anchor="ctr">
+                        <a:blipFill>
+                          <a:blip r:embed="rId2"/>
+                          <a:stretch>
+                            <a:fillRect l="-398" t="-8876" r="-239841" b="-368639"/>
+                          </a:stretch>
+                        </a:blipFill>
+                      </a:tcPr>
+                    </a:tc>
+                    <a:tc>
+                      <a:txBody>
+                        <a:bodyPr/>
+                        <a:lstStyle/>
+                        <a:p>
+                          <a:endParaRPr lang="en-US"/>
+                        </a:p>
+                      </a:txBody>
+                      <a:tcPr marL="50992" marR="50992" marT="25496" marB="25496" anchor="ctr">
+                        <a:blipFill>
+                          <a:blip r:embed="rId2"/>
+                          <a:stretch>
+                            <a:fillRect l="-42000" t="-8876" r="-333" b="-368639"/>
+                          </a:stretch>
+                        </a:blipFill>
+                      </a:tcPr>
+                    </a:tc>
+                    <a:extLst>
+                      <a:ext uri="{0D108BD9-81ED-4DB2-BD59-A6C34878D82A}">
+                        <a16:rowId xmlns:a16="http://schemas.microsoft.com/office/drawing/2014/main" val="1265996384"/>
+                      </a:ext>
+                    </a:extLst>
+                  </a:tr>
+                  <a:tr h="508926">
+                    <a:tc>
+                      <a:txBody>
+                        <a:bodyPr/>
+                        <a:lstStyle/>
+                        <a:p>
+                          <a:pPr algn="ctr" fontAlgn="t"/>
+                          <a:r>
+                            <a:rPr lang="en-US" sz="3200" dirty="0">
+                              <a:effectLst/>
+                            </a:rPr>
+                            <a:t>1</a:t>
+                          </a:r>
+                        </a:p>
+                      </a:txBody>
+                      <a:tcPr marL="10623" marR="10623" marT="10623" marB="10623" anchor="ctr"/>
+                    </a:tc>
+                    <a:tc>
+                      <a:txBody>
+                        <a:bodyPr/>
+                        <a:lstStyle/>
+                        <a:p>
+                          <a:pPr algn="ctr" fontAlgn="t"/>
+                          <a:r>
+                            <a:rPr lang="en-US" sz="3200" dirty="0">
+                              <a:effectLst/>
+                            </a:rPr>
+                            <a:t> 32.1</a:t>
+                          </a:r>
+                        </a:p>
+                      </a:txBody>
+                      <a:tcPr marL="10623" marR="10623" marT="10623" marB="10623" anchor="ctr"/>
+                    </a:tc>
+                    <a:extLst>
+                      <a:ext uri="{0D108BD9-81ED-4DB2-BD59-A6C34878D82A}">
+                        <a16:rowId xmlns:a16="http://schemas.microsoft.com/office/drawing/2014/main" val="1065836597"/>
+                      </a:ext>
+                    </a:extLst>
+                  </a:tr>
+                  <a:tr h="508926">
+                    <a:tc>
+                      <a:txBody>
+                        <a:bodyPr/>
+                        <a:lstStyle/>
+                        <a:p>
+                          <a:pPr algn="ctr" fontAlgn="t"/>
+                          <a:r>
+                            <a:rPr lang="en-US" sz="3200" dirty="0">
+                              <a:effectLst/>
+                            </a:rPr>
+                            <a:t>2</a:t>
+                          </a:r>
+                        </a:p>
+                      </a:txBody>
+                      <a:tcPr marL="10623" marR="10623" marT="10623" marB="10623" anchor="ctr"/>
+                    </a:tc>
+                    <a:tc>
+                      <a:txBody>
+                        <a:bodyPr/>
+                        <a:lstStyle/>
+                        <a:p>
+                          <a:pPr algn="ctr" fontAlgn="t"/>
+                          <a:r>
+                            <a:rPr lang="en-US" sz="3200" dirty="0">
+                              <a:effectLst/>
+                            </a:rPr>
+                            <a:t>59.7</a:t>
+                          </a:r>
+                        </a:p>
+                      </a:txBody>
+                      <a:tcPr marL="10623" marR="10623" marT="10623" marB="10623" anchor="ctr"/>
+                    </a:tc>
+                    <a:extLst>
+                      <a:ext uri="{0D108BD9-81ED-4DB2-BD59-A6C34878D82A}">
+                        <a16:rowId xmlns:a16="http://schemas.microsoft.com/office/drawing/2014/main" val="1562601935"/>
+                      </a:ext>
+                    </a:extLst>
+                  </a:tr>
+                  <a:tr h="508926">
+                    <a:tc>
+                      <a:txBody>
+                        <a:bodyPr/>
+                        <a:lstStyle/>
+                        <a:p>
+                          <a:pPr algn="ctr" fontAlgn="t"/>
+                          <a:r>
+                            <a:rPr lang="en-US" sz="3200" dirty="0">
+                              <a:effectLst/>
+                            </a:rPr>
+                            <a:t>3</a:t>
+                          </a:r>
+                        </a:p>
+                      </a:txBody>
+                      <a:tcPr marL="10623" marR="10623" marT="10623" marB="10623" anchor="ctr"/>
+                    </a:tc>
+                    <a:tc>
+                      <a:txBody>
+                        <a:bodyPr/>
+                        <a:lstStyle/>
+                        <a:p>
+                          <a:pPr algn="ctr" fontAlgn="t"/>
+                          <a:r>
+                            <a:rPr lang="en-US" sz="3200" dirty="0">
+                              <a:effectLst/>
+                            </a:rPr>
+                            <a:t>81.3</a:t>
+                          </a:r>
+                        </a:p>
+                      </a:txBody>
+                      <a:tcPr marL="10623" marR="10623" marT="10623" marB="10623" anchor="ctr"/>
+                    </a:tc>
+                    <a:extLst>
+                      <a:ext uri="{0D108BD9-81ED-4DB2-BD59-A6C34878D82A}">
+                        <a16:rowId xmlns:a16="http://schemas.microsoft.com/office/drawing/2014/main" val="1760171092"/>
+                      </a:ext>
+                    </a:extLst>
+                  </a:tr>
+                  <a:tr h="508926">
+                    <a:tc>
+                      <a:txBody>
+                        <a:bodyPr/>
+                        <a:lstStyle/>
+                        <a:p>
+                          <a:pPr algn="ctr" fontAlgn="t"/>
+                          <a:r>
+                            <a:rPr lang="en-US" sz="3200" dirty="0">
+                              <a:effectLst/>
+                            </a:rPr>
+                            <a:t>4</a:t>
+                          </a:r>
+                        </a:p>
+                      </a:txBody>
+                      <a:tcPr marL="10623" marR="10623" marT="10623" marB="10623" anchor="ctr"/>
+                    </a:tc>
+                    <a:tc>
+                      <a:txBody>
+                        <a:bodyPr/>
+                        <a:lstStyle/>
+                        <a:p>
+                          <a:pPr algn="ctr" fontAlgn="t"/>
+                          <a:r>
+                            <a:rPr lang="en-US" sz="3200" dirty="0">
+                              <a:effectLst/>
+                            </a:rPr>
+                            <a:t>90.5</a:t>
+                          </a:r>
+                        </a:p>
+                      </a:txBody>
+                      <a:tcPr marL="10623" marR="10623" marT="10623" marB="10623" anchor="ctr"/>
+                    </a:tc>
+                    <a:extLst>
+                      <a:ext uri="{0D108BD9-81ED-4DB2-BD59-A6C34878D82A}">
+                        <a16:rowId xmlns:a16="http://schemas.microsoft.com/office/drawing/2014/main" val="604471061"/>
+                      </a:ext>
+                    </a:extLst>
+                  </a:tr>
+                  <a:tr h="508926">
+                    <a:tc>
+                      <a:txBody>
+                        <a:bodyPr/>
+                        <a:lstStyle/>
+                        <a:p>
+                          <a:pPr algn="ctr" fontAlgn="t"/>
+                          <a:r>
+                            <a:rPr lang="en-US" sz="3200" dirty="0">
+                              <a:effectLst/>
+                            </a:rPr>
+                            <a:t>5</a:t>
+                          </a:r>
+                        </a:p>
+                      </a:txBody>
+                      <a:tcPr marL="10623" marR="10623" marT="10623" marB="10623" anchor="ctr"/>
+                    </a:tc>
+                    <a:tc>
+                      <a:txBody>
+                        <a:bodyPr/>
+                        <a:lstStyle/>
+                        <a:p>
+                          <a:pPr algn="ctr" fontAlgn="t"/>
+                          <a:r>
+                            <a:rPr lang="en-US" sz="3200" dirty="0">
+                              <a:effectLst/>
+                            </a:rPr>
+                            <a:t>103.1</a:t>
+                          </a:r>
+                        </a:p>
+                      </a:txBody>
+                      <a:tcPr marL="10623" marR="10623" marT="10623" marB="10623" anchor="ctr"/>
+                    </a:tc>
+                    <a:extLst>
+                      <a:ext uri="{0D108BD9-81ED-4DB2-BD59-A6C34878D82A}">
+                        <a16:rowId xmlns:a16="http://schemas.microsoft.com/office/drawing/2014/main" val="1628038105"/>
+                      </a:ext>
+                    </a:extLst>
+                  </a:tr>
+                  <a:tr h="508926">
+                    <a:tc>
+                      <a:txBody>
+                        <a:bodyPr/>
+                        <a:lstStyle/>
+                        <a:p>
+                          <a:pPr algn="ctr" fontAlgn="t"/>
+                          <a:r>
+                            <a:rPr lang="en-US" sz="3200" dirty="0">
+                              <a:effectLst/>
+                            </a:rPr>
+                            <a:t>6</a:t>
+                          </a:r>
+                        </a:p>
+                      </a:txBody>
+                      <a:tcPr marL="10623" marR="10623" marT="10623" marB="10623" anchor="ctr"/>
+                    </a:tc>
+                    <a:tc>
+                      <a:txBody>
+                        <a:bodyPr/>
+                        <a:lstStyle/>
+                        <a:p>
+                          <a:pPr algn="ctr" fontAlgn="t"/>
+                          <a:r>
+                            <a:rPr lang="en-US" sz="3200" dirty="0">
+                              <a:effectLst/>
+                            </a:rPr>
+                            <a:t>113.1</a:t>
+                          </a:r>
+                        </a:p>
+                      </a:txBody>
+                      <a:tcPr marL="10623" marR="10623" marT="10623" marB="10623" anchor="ctr"/>
+                    </a:tc>
+                    <a:extLst>
+                      <a:ext uri="{0D108BD9-81ED-4DB2-BD59-A6C34878D82A}">
+                        <a16:rowId xmlns:a16="http://schemas.microsoft.com/office/drawing/2014/main" val="2050604385"/>
+                      </a:ext>
+                    </a:extLst>
+                  </a:tr>
+                  <a:tr h="508926">
+                    <a:tc>
+                      <a:txBody>
+                        <a:bodyPr/>
+                        <a:lstStyle/>
+                        <a:p>
+                          <a:pPr algn="ctr" fontAlgn="t"/>
+                          <a:r>
+                            <a:rPr lang="en-US" sz="3200" dirty="0">
+                              <a:effectLst/>
+                            </a:rPr>
+                            <a:t>7</a:t>
+                          </a:r>
+                        </a:p>
+                      </a:txBody>
+                      <a:tcPr marL="10623" marR="10623" marT="10623" marB="10623" anchor="ctr"/>
+                    </a:tc>
+                    <a:tc>
+                      <a:txBody>
+                        <a:bodyPr/>
+                        <a:lstStyle/>
+                        <a:p>
+                          <a:pPr algn="ctr" fontAlgn="t"/>
+                          <a:r>
+                            <a:rPr lang="en-US" sz="3200" dirty="0">
+                              <a:effectLst/>
+                            </a:rPr>
+                            <a:t>119.6</a:t>
+                          </a:r>
+                        </a:p>
+                      </a:txBody>
+                      <a:tcPr marL="10623" marR="10623" marT="10623" marB="10623" anchor="ctr"/>
+                    </a:tc>
+                    <a:extLst>
+                      <a:ext uri="{0D108BD9-81ED-4DB2-BD59-A6C34878D82A}">
+                        <a16:rowId xmlns:a16="http://schemas.microsoft.com/office/drawing/2014/main" val="3812560499"/>
+                      </a:ext>
+                    </a:extLst>
+                  </a:tr>
+                </a:tbl>
+              </a:graphicData>
+            </a:graphic>
+          </p:graphicFrame>
+        </mc:Fallback>
+      </mc:AlternateContent>
+      <mc:AlternateContent xmlns:mc="http://schemas.openxmlformats.org/markup-compatibility/2006">
+        <mc:Choice xmlns:a14="http://schemas.microsoft.com/office/drawing/2010/main" Requires="a14">
+          <p:sp>
+            <p:nvSpPr>
+              <p:cNvPr id="3" name="Content Placeholder 2">
+                <a:extLst>
+                  <a:ext uri="{FF2B5EF4-FFF2-40B4-BE49-F238E27FC236}">
+                    <a16:creationId xmlns:a16="http://schemas.microsoft.com/office/drawing/2014/main" id="{2DDF5451-A501-A3CF-FC37-F07F2FD952FB}"/>
+                  </a:ext>
+                </a:extLst>
+              </p:cNvPr>
+              <p:cNvSpPr>
+                <a:spLocks noGrp="1"/>
+              </p:cNvSpPr>
+              <p:nvPr>
+                <p:ph sz="half" idx="2"/>
+              </p:nvPr>
+            </p:nvSpPr>
+            <p:spPr>
+              <a:xfrm>
+                <a:off x="6172200" y="365125"/>
+                <a:ext cx="5181600" cy="5811838"/>
+              </a:xfrm>
+            </p:spPr>
+            <p:txBody>
+              <a:bodyPr>
+                <a:noAutofit/>
+              </a:bodyPr>
+              <a:lstStyle/>
+              <a:p>
+                <a:pPr>
+                  <a:lnSpc>
+                    <a:spcPct val="110000"/>
+                  </a:lnSpc>
+                </a:pPr>
+                <a:r>
+                  <a:rPr lang="en-US" sz="3200" dirty="0"/>
+                  <a:t>Find average rate of change from t=4 to t=7.</a:t>
+                </a:r>
+              </a:p>
+              <a:p>
+                <a:pPr>
+                  <a:lnSpc>
+                    <a:spcPct val="110000"/>
+                  </a:lnSpc>
+                </a:pPr>
+                <a14:m>
+                  <m:oMath xmlns:m="http://schemas.openxmlformats.org/officeDocument/2006/math">
+                    <m:f>
+                      <m:fPr>
+                        <m:ctrlPr>
+                          <a:rPr lang="en-US" sz="3200" b="0" i="1" smtClean="0">
+                            <a:latin typeface="Cambria Math" panose="02040503050406030204" pitchFamily="18" charset="0"/>
+                          </a:rPr>
+                        </m:ctrlPr>
+                      </m:fPr>
+                      <m:num>
+                        <m:r>
+                          <a:rPr lang="en-US" sz="3200" b="0" i="1" smtClean="0">
+                            <a:latin typeface="Cambria Math" panose="02040503050406030204" pitchFamily="18" charset="0"/>
+                          </a:rPr>
+                          <m:t>𝐵</m:t>
+                        </m:r>
+                        <m:d>
+                          <m:dPr>
+                            <m:ctrlPr>
+                              <a:rPr lang="en-US" sz="3200" b="0" i="1" smtClean="0">
+                                <a:latin typeface="Cambria Math" panose="02040503050406030204" pitchFamily="18" charset="0"/>
+                              </a:rPr>
+                            </m:ctrlPr>
+                          </m:dPr>
+                          <m:e>
+                            <m:r>
+                              <a:rPr lang="en-US" sz="3200" b="0" i="1" smtClean="0">
+                                <a:latin typeface="Cambria Math" panose="02040503050406030204" pitchFamily="18" charset="0"/>
+                              </a:rPr>
+                              <m:t>7</m:t>
+                            </m:r>
+                          </m:e>
+                        </m:d>
+                        <m:r>
+                          <a:rPr lang="en-US" sz="3200" b="0" i="1" smtClean="0">
+                            <a:latin typeface="Cambria Math" panose="02040503050406030204" pitchFamily="18" charset="0"/>
+                          </a:rPr>
+                          <m:t>−</m:t>
+                        </m:r>
+                        <m:r>
+                          <a:rPr lang="en-US" sz="3200" b="0" i="1" smtClean="0">
+                            <a:latin typeface="Cambria Math" panose="02040503050406030204" pitchFamily="18" charset="0"/>
+                          </a:rPr>
+                          <m:t>𝐵</m:t>
+                        </m:r>
+                        <m:r>
+                          <a:rPr lang="en-US" sz="3200" b="0" i="1" smtClean="0">
+                            <a:latin typeface="Cambria Math" panose="02040503050406030204" pitchFamily="18" charset="0"/>
+                          </a:rPr>
+                          <m:t>(4)</m:t>
+                        </m:r>
+                      </m:num>
+                      <m:den>
+                        <m:r>
+                          <a:rPr lang="en-US" sz="3200" b="0" i="1" smtClean="0">
+                            <a:latin typeface="Cambria Math" panose="02040503050406030204" pitchFamily="18" charset="0"/>
+                          </a:rPr>
+                          <m:t>7−4</m:t>
+                        </m:r>
+                      </m:den>
+                    </m:f>
+                  </m:oMath>
+                </a14:m>
+                <a:endParaRPr lang="en-US" sz="3200" dirty="0"/>
+              </a:p>
+              <a:p>
+                <a:pPr>
+                  <a:lnSpc>
+                    <a:spcPct val="110000"/>
+                  </a:lnSpc>
+                </a:pPr>
+                <a14:m>
+                  <m:oMath xmlns:m="http://schemas.openxmlformats.org/officeDocument/2006/math">
+                    <m:f>
+                      <m:fPr>
+                        <m:ctrlPr>
+                          <a:rPr lang="en-US" sz="3200" b="0" i="1" smtClean="0">
+                            <a:latin typeface="Cambria Math" panose="02040503050406030204" pitchFamily="18" charset="0"/>
+                          </a:rPr>
+                        </m:ctrlPr>
+                      </m:fPr>
+                      <m:num>
+                        <m:r>
+                          <a:rPr lang="en-US" sz="3200" b="0" i="1" smtClean="0">
+                            <a:latin typeface="Cambria Math" panose="02040503050406030204" pitchFamily="18" charset="0"/>
+                          </a:rPr>
+                          <m:t>119.6−90.5</m:t>
+                        </m:r>
+                      </m:num>
+                      <m:den>
+                        <m:r>
+                          <a:rPr lang="en-US" sz="3200" b="0" i="1" smtClean="0">
+                            <a:latin typeface="Cambria Math" panose="02040503050406030204" pitchFamily="18" charset="0"/>
+                          </a:rPr>
+                          <m:t>3</m:t>
+                        </m:r>
+                      </m:den>
+                    </m:f>
+                  </m:oMath>
+                </a14:m>
+                <a:endParaRPr lang="en-US" sz="3200" b="0" dirty="0"/>
+              </a:p>
+              <a:p>
+                <a:pPr>
+                  <a:lnSpc>
+                    <a:spcPct val="110000"/>
+                  </a:lnSpc>
+                </a:pPr>
+                <a14:m>
+                  <m:oMath xmlns:m="http://schemas.openxmlformats.org/officeDocument/2006/math">
+                    <m:f>
+                      <m:fPr>
+                        <m:ctrlPr>
+                          <a:rPr lang="en-US" sz="3200" b="0" i="1" smtClean="0">
+                            <a:latin typeface="Cambria Math" panose="02040503050406030204" pitchFamily="18" charset="0"/>
+                          </a:rPr>
+                        </m:ctrlPr>
+                      </m:fPr>
+                      <m:num>
+                        <m:r>
+                          <a:rPr lang="en-US" sz="3200" b="0" i="1" smtClean="0">
+                            <a:latin typeface="Cambria Math" panose="02040503050406030204" pitchFamily="18" charset="0"/>
+                          </a:rPr>
+                          <m:t>29.1</m:t>
+                        </m:r>
+                      </m:num>
+                      <m:den>
+                        <m:r>
+                          <a:rPr lang="en-US" sz="3200" b="0" i="1" smtClean="0">
+                            <a:latin typeface="Cambria Math" panose="02040503050406030204" pitchFamily="18" charset="0"/>
+                          </a:rPr>
+                          <m:t>3</m:t>
+                        </m:r>
+                      </m:den>
+                    </m:f>
+                    <m:r>
+                      <a:rPr lang="en-US" sz="3200" b="0" i="1" smtClean="0">
+                        <a:latin typeface="Cambria Math" panose="02040503050406030204" pitchFamily="18" charset="0"/>
+                      </a:rPr>
+                      <m:t>=9.7</m:t>
+                    </m:r>
+                  </m:oMath>
+                </a14:m>
+                <a:endParaRPr lang="en-US" sz="3200" dirty="0"/>
+              </a:p>
+              <a:p>
+                <a:pPr>
+                  <a:lnSpc>
+                    <a:spcPct val="110000"/>
+                  </a:lnSpc>
+                </a:pPr>
+                <a:r>
+                  <a:rPr lang="en-US" sz="3200" dirty="0"/>
+                  <a:t>Total gross increase by 9.7 million dollars per day on days 5, 6, and 7</a:t>
+                </a:r>
+              </a:p>
+            </p:txBody>
+          </p:sp>
+        </mc:Choice>
+        <mc:Fallback>
+          <p:sp>
+            <p:nvSpPr>
+              <p:cNvPr id="3" name="Content Placeholder 2">
+                <a:extLst>
+                  <a:ext uri="{FF2B5EF4-FFF2-40B4-BE49-F238E27FC236}">
+                    <a16:creationId xmlns:a16="http://schemas.microsoft.com/office/drawing/2014/main" id="{2DDF5451-A501-A3CF-FC37-F07F2FD952FB}"/>
+                  </a:ext>
+                </a:extLst>
+              </p:cNvPr>
+              <p:cNvSpPr>
+                <a:spLocks noGrp="1" noRot="1" noChangeAspect="1" noMove="1" noResize="1" noEditPoints="1" noAdjustHandles="1" noChangeArrowheads="1" noChangeShapeType="1" noTextEdit="1"/>
+              </p:cNvSpPr>
+              <p:nvPr>
+                <p:ph sz="half" idx="2"/>
+              </p:nvPr>
+            </p:nvSpPr>
+            <p:spPr>
+              <a:xfrm>
+                <a:off x="6172200" y="365125"/>
+                <a:ext cx="5181600" cy="5811838"/>
+              </a:xfrm>
+              <a:blipFill>
+                <a:blip r:embed="rId3"/>
+                <a:stretch>
+                  <a:fillRect l="-2706" t="-839" r="-4353"/>
+                </a:stretch>
+              </a:blipFill>
+            </p:spPr>
+            <p:txBody>
+              <a:bodyPr/>
+              <a:lstStyle/>
+              <a:p>
+                <a:r>
+                  <a:rPr lang="en-US">
+                    <a:noFill/>
+                  </a:rPr>
+                  <a:t> </a:t>
+                </a:r>
+              </a:p>
+            </p:txBody>
+          </p:sp>
+        </mc:Fallback>
+      </mc:AlternateContent>
+      <p:sp>
+        <p:nvSpPr>
+          <p:cNvPr id="6" name="Footer Placeholder 5">
+            <a:extLst>
+              <a:ext uri="{FF2B5EF4-FFF2-40B4-BE49-F238E27FC236}">
+                <a16:creationId xmlns:a16="http://schemas.microsoft.com/office/drawing/2014/main" id="{EBC824C2-773A-462D-670D-43947DF1EA3C}"/>
+              </a:ext>
+            </a:extLst>
+          </p:cNvPr>
+          <p:cNvSpPr>
+            <a:spLocks noGrp="1"/>
+          </p:cNvSpPr>
+          <p:nvPr>
+            <p:ph type="ftr" sz="quarter" idx="11"/>
+          </p:nvPr>
+        </p:nvSpPr>
+        <p:spPr/>
+        <p:txBody>
+          <a:bodyPr/>
+          <a:lstStyle/>
+          <a:p>
+            <a:r>
+              <a:rPr lang="en-US"/>
+              <a:t>Data from the-numbers.com</a:t>
+            </a:r>
+          </a:p>
+        </p:txBody>
+      </p:sp>
+    </p:spTree>
+    <p:extLst>
+      <p:ext uri="{BB962C8B-B14F-4D97-AF65-F5344CB8AC3E}">
+        <p14:creationId xmlns:p14="http://schemas.microsoft.com/office/powerpoint/2010/main" val="803403110"/>
+      </p:ext>
+    </p:extLst>
+  </p:cSld>
+  <p:clrMapOvr>
+    <a:masterClrMapping/>
+  </p:clrMapOvr>
+  <mc:AlternateContent xmlns:mc="http://schemas.openxmlformats.org/markup-compatibility/2006">
+    <mc:Choice xmlns:p14="http://schemas.microsoft.com/office/powerpoint/2010/main" Requires="p14">
+      <p:transition spd="slow" p14:dur="2000" advClick="0" advTm="30000"/>
+    </mc:Choice>
+    <mc:Fallback>
+      <p:transition spd="slow" advClick="0" advTm="30000"/>
+    </mc:Fallback>
+  </mc:AlternateContent>
+  <p:timing>
+    <p:tnLst>
+      <p:par>
+        <p:cTn id="1" dur="indefinite" restart="never" nodeType="tmRoot">
+          <p:childTnLst>
+            <p:seq concurrent="1" nextAc="seek">
+              <p:cTn id="2" dur="indefinite" nodeType="mainSeq">
+                <p:childTnLst>
+                  <p:par>
+                    <p:cTn id="3" fill="hold">
+                      <p:stCondLst>
+                        <p:cond delay="indefinite"/>
+                        <p:cond evt="onBegin" delay="0">
+                          <p:tn val="2"/>
+                        </p:cond>
+                      </p:stCondLst>
+                      <p:childTnLst>
+                        <p:par>
+                          <p:cTn id="4" fill="hold">
+                            <p:stCondLst>
+                              <p:cond delay="0"/>
+                            </p:stCondLst>
+                            <p:childTnLst>
+                              <p:par>
+                                <p:cTn id="5" presetID="1" presetClass="entr" presetSubtype="0" fill="hold" nodeType="afterEffect">
+                                  <p:stCondLst>
+                                    <p:cond delay="5000"/>
+                                  </p:stCondLst>
+                                  <p:childTnLst>
+                                    <p:set>
+                                      <p:cBhvr>
+                                        <p:cTn id="6" dur="1" fill="hold">
+                                          <p:stCondLst>
+                                            <p:cond delay="0"/>
+                                          </p:stCondLst>
+                                        </p:cTn>
+                                        <p:tgtEl>
+                                          <p:spTgt spid="3">
+                                            <p:txEl>
+                                              <p:pRg st="0" end="0"/>
+                                            </p:txEl>
+                                          </p:spTgt>
+                                        </p:tgtEl>
+                                        <p:attrNameLst>
+                                          <p:attrName>style.visibility</p:attrName>
+                                        </p:attrNameLst>
+                                      </p:cBhvr>
+                                      <p:to>
+                                        <p:strVal val="visible"/>
+                                      </p:to>
+                                    </p:set>
+                                  </p:childTnLst>
+                                </p:cTn>
+                              </p:par>
+                            </p:childTnLst>
+                          </p:cTn>
+                        </p:par>
+                        <p:par>
+                          <p:cTn id="7" fill="hold">
+                            <p:stCondLst>
+                              <p:cond delay="5000"/>
+                            </p:stCondLst>
+                            <p:childTnLst>
+                              <p:par>
+                                <p:cTn id="8" presetID="1" presetClass="entr" presetSubtype="0" fill="hold" nodeType="afterEffect">
+                                  <p:stCondLst>
+                                    <p:cond delay="5000"/>
+                                  </p:stCondLst>
+                                  <p:childTnLst>
+                                    <p:set>
+                                      <p:cBhvr>
+                                        <p:cTn id="9" dur="1" fill="hold">
+                                          <p:stCondLst>
+                                            <p:cond delay="0"/>
+                                          </p:stCondLst>
+                                        </p:cTn>
+                                        <p:tgtEl>
+                                          <p:spTgt spid="3">
+                                            <p:txEl>
+                                              <p:pRg st="1" end="1"/>
+                                            </p:txEl>
+                                          </p:spTgt>
+                                        </p:tgtEl>
+                                        <p:attrNameLst>
+                                          <p:attrName>style.visibility</p:attrName>
+                                        </p:attrNameLst>
+                                      </p:cBhvr>
+                                      <p:to>
+                                        <p:strVal val="visible"/>
+                                      </p:to>
+                                    </p:set>
+                                  </p:childTnLst>
+                                </p:cTn>
+                              </p:par>
+                            </p:childTnLst>
+                          </p:cTn>
+                        </p:par>
+                        <p:par>
+                          <p:cTn id="10" fill="hold">
+                            <p:stCondLst>
+                              <p:cond delay="10000"/>
+                            </p:stCondLst>
+                            <p:childTnLst>
+                              <p:par>
+                                <p:cTn id="11" presetID="1" presetClass="entr" presetSubtype="0" fill="hold" nodeType="afterEffect">
+                                  <p:stCondLst>
+                                    <p:cond delay="5000"/>
+                                  </p:stCondLst>
+                                  <p:childTnLst>
+                                    <p:set>
+                                      <p:cBhvr>
+                                        <p:cTn id="12" dur="1" fill="hold">
+                                          <p:stCondLst>
+                                            <p:cond delay="0"/>
+                                          </p:stCondLst>
+                                        </p:cTn>
+                                        <p:tgtEl>
+                                          <p:spTgt spid="3">
+                                            <p:txEl>
+                                              <p:pRg st="2" end="2"/>
+                                            </p:txEl>
+                                          </p:spTgt>
+                                        </p:tgtEl>
+                                        <p:attrNameLst>
+                                          <p:attrName>style.visibility</p:attrName>
+                                        </p:attrNameLst>
+                                      </p:cBhvr>
+                                      <p:to>
+                                        <p:strVal val="visible"/>
+                                      </p:to>
+                                    </p:set>
+                                  </p:childTnLst>
+                                </p:cTn>
+                              </p:par>
+                            </p:childTnLst>
+                          </p:cTn>
+                        </p:par>
+                        <p:par>
+                          <p:cTn id="13" fill="hold">
+                            <p:stCondLst>
+                              <p:cond delay="15000"/>
+                            </p:stCondLst>
+                            <p:childTnLst>
+                              <p:par>
+                                <p:cTn id="14" presetID="1" presetClass="entr" presetSubtype="0" fill="hold" nodeType="afterEffect">
+                                  <p:stCondLst>
+                                    <p:cond delay="5000"/>
+                                  </p:stCondLst>
+                                  <p:childTnLst>
+                                    <p:set>
+                                      <p:cBhvr>
+                                        <p:cTn id="15" dur="1" fill="hold">
+                                          <p:stCondLst>
+                                            <p:cond delay="0"/>
+                                          </p:stCondLst>
+                                        </p:cTn>
+                                        <p:tgtEl>
+                                          <p:spTgt spid="3">
+                                            <p:txEl>
+                                              <p:pRg st="3" end="3"/>
+                                            </p:txEl>
+                                          </p:spTgt>
+                                        </p:tgtEl>
+                                        <p:attrNameLst>
+                                          <p:attrName>style.visibility</p:attrName>
+                                        </p:attrNameLst>
+                                      </p:cBhvr>
+                                      <p:to>
+                                        <p:strVal val="visible"/>
+                                      </p:to>
+                                    </p:set>
+                                  </p:childTnLst>
+                                </p:cTn>
+                              </p:par>
+                            </p:childTnLst>
+                          </p:cTn>
+                        </p:par>
+                        <p:par>
+                          <p:cTn id="16" fill="hold">
+                            <p:stCondLst>
+                              <p:cond delay="20000"/>
+                            </p:stCondLst>
+                            <p:childTnLst>
+                              <p:par>
+                                <p:cTn id="17" presetID="1" presetClass="entr" presetSubtype="0" fill="hold" nodeType="afterEffect">
+                                  <p:stCondLst>
+                                    <p:cond delay="5000"/>
+                                  </p:stCondLst>
+                                  <p:childTnLst>
+                                    <p:set>
+                                      <p:cBhvr>
+                                        <p:cTn id="18" dur="1" fill="hold">
+                                          <p:stCondLst>
+                                            <p:cond delay="0"/>
+                                          </p:stCondLst>
+                                        </p:cTn>
+                                        <p:tgtEl>
+                                          <p:spTgt spid="3">
+                                            <p:txEl>
+                                              <p:pRg st="4" end="4"/>
+                                            </p:txEl>
+                                          </p:spTgt>
+                                        </p:tgtEl>
+                                        <p:attrNameLst>
+                                          <p:attrName>style.visibility</p:attrName>
+                                        </p:attrNameLst>
+                                      </p:cBhvr>
+                                      <p:to>
+                                        <p:strVal val="visible"/>
+                                      </p:to>
+                                    </p:set>
+                                  </p:childTnLst>
+                                </p:cTn>
+                              </p:par>
+                            </p:childTnLst>
+                          </p:cTn>
+                        </p:par>
+                      </p:childTnLst>
+                    </p:cTn>
+                  </p:par>
+                </p:childTnLst>
+              </p:cTn>
+              <p:prevCondLst>
+                <p:cond evt="onPrev" delay="0">
+                  <p:tgtEl>
+                    <p:sldTgt/>
+                  </p:tgtEl>
+                </p:cond>
+              </p:prevCondLst>
+              <p:nextCondLst>
+                <p:cond evt="onNext" delay="0">
+                  <p:tgtEl>
+                    <p:sldTgt/>
+                  </p:tgtEl>
+                </p:cond>
+              </p:nextCondLst>
+            </p:seq>
+          </p:childTnLst>
+        </p:cTn>
+      </p:par>
+    </p:tnLst>
+  </p:timing>
+</p:sld>
+</file>
+
+<file path=ppt/slides/slide8.xml><?xml version="1.0" encoding="utf-8"?>
+<p:sld xmlns:a="http://schemas.openxmlformats.org/drawingml/2006/main" xmlns:r="http://schemas.openxmlformats.org/officeDocument/2006/relationships" xmlns:p="http://schemas.openxmlformats.org/presentationml/2006/main">
+  <p:cSld>
+    <p:spTree>
+      <p:nvGrpSpPr>
+        <p:cNvPr id="1" name=""/>
+        <p:cNvGrpSpPr/>
+        <p:nvPr/>
+      </p:nvGrpSpPr>
+      <p:grpSpPr>
+        <a:xfrm>
+          <a:off x="0" y="0"/>
+          <a:ext cx="0" cy="0"/>
+          <a:chOff x="0" y="0"/>
+          <a:chExt cx="0" cy="0"/>
+        </a:xfrm>
+      </p:grpSpPr>
+      <p:sp>
+        <p:nvSpPr>
+          <p:cNvPr id="2" name="Title 1">
+            <a:extLst>
+              <a:ext uri="{FF2B5EF4-FFF2-40B4-BE49-F238E27FC236}">
+                <a16:creationId xmlns:a16="http://schemas.microsoft.com/office/drawing/2014/main" id="{90FAE6F7-8BB4-E2C9-44FD-89A8C33CED47}"/>
+              </a:ext>
+            </a:extLst>
+          </p:cNvPr>
+          <p:cNvSpPr>
+            <a:spLocks noGrp="1"/>
+          </p:cNvSpPr>
+          <p:nvPr>
+            <p:ph type="title"/>
+          </p:nvPr>
+        </p:nvSpPr>
+        <p:spPr>
+          <a:xfrm>
+            <a:off x="838200" y="365125"/>
+            <a:ext cx="5181599" cy="1325563"/>
+          </a:xfrm>
+        </p:spPr>
+        <p:txBody>
+          <a:bodyPr/>
+          <a:lstStyle/>
+          <a:p>
+            <a:r>
+              <a:rPr lang="en-US" dirty="0"/>
+              <a:t>Example 3</a:t>
+            </a:r>
+          </a:p>
+        </p:txBody>
+      </p:sp>
+      <mc:AlternateContent xmlns:mc="http://schemas.openxmlformats.org/markup-compatibility/2006">
+        <mc:Choice xmlns:a14="http://schemas.microsoft.com/office/drawing/2010/main" Requires="a14">
+          <p:sp>
+            <p:nvSpPr>
+              <p:cNvPr id="3" name="Content Placeholder 2">
+                <a:extLst>
+                  <a:ext uri="{FF2B5EF4-FFF2-40B4-BE49-F238E27FC236}">
+                    <a16:creationId xmlns:a16="http://schemas.microsoft.com/office/drawing/2014/main" id="{2DDF5451-A501-A3CF-FC37-F07F2FD952FB}"/>
+                  </a:ext>
+                </a:extLst>
+              </p:cNvPr>
+              <p:cNvSpPr>
+                <a:spLocks noGrp="1"/>
+              </p:cNvSpPr>
+              <p:nvPr>
+                <p:ph sz="half" idx="2"/>
+              </p:nvPr>
+            </p:nvSpPr>
+            <p:spPr>
+              <a:xfrm>
+                <a:off x="6172200" y="365125"/>
+                <a:ext cx="5181600" cy="5811838"/>
+              </a:xfrm>
+            </p:spPr>
+            <p:txBody>
+              <a:bodyPr>
+                <a:noAutofit/>
+              </a:bodyPr>
+              <a:lstStyle/>
+              <a:p>
+                <a:pPr>
+                  <a:lnSpc>
+                    <a:spcPct val="110000"/>
+                  </a:lnSpc>
+                </a:pPr>
+                <a:r>
+                  <a:rPr lang="en-US" sz="3200" dirty="0"/>
+                  <a:t>Find average rate of change from x=2 to x=7.</a:t>
+                </a:r>
+              </a:p>
+              <a:p>
+                <a:pPr>
+                  <a:lnSpc>
+                    <a:spcPct val="110000"/>
+                  </a:lnSpc>
+                </a:pPr>
+                <a14:m>
+                  <m:oMath xmlns:m="http://schemas.openxmlformats.org/officeDocument/2006/math">
+                    <m:f>
+                      <m:fPr>
+                        <m:ctrlPr>
+                          <a:rPr lang="en-US" sz="3200" b="0" i="1" smtClean="0">
+                            <a:latin typeface="Cambria Math" panose="02040503050406030204" pitchFamily="18" charset="0"/>
+                          </a:rPr>
+                        </m:ctrlPr>
+                      </m:fPr>
+                      <m:num>
+                        <m:r>
+                          <a:rPr lang="en-US" sz="3200" b="0" i="1" smtClean="0">
+                            <a:latin typeface="Cambria Math" panose="02040503050406030204" pitchFamily="18" charset="0"/>
+                          </a:rPr>
+                          <m:t>𝑓</m:t>
+                        </m:r>
+                        <m:d>
+                          <m:dPr>
+                            <m:ctrlPr>
+                              <a:rPr lang="en-US" sz="3200" b="0" i="1" smtClean="0">
+                                <a:latin typeface="Cambria Math" panose="02040503050406030204" pitchFamily="18" charset="0"/>
+                              </a:rPr>
+                            </m:ctrlPr>
+                          </m:dPr>
+                          <m:e>
+                            <m:r>
+                              <a:rPr lang="en-US" sz="3200" b="0" i="1" smtClean="0">
+                                <a:latin typeface="Cambria Math" panose="02040503050406030204" pitchFamily="18" charset="0"/>
+                              </a:rPr>
+                              <m:t>7</m:t>
+                            </m:r>
+                          </m:e>
+                        </m:d>
+                        <m:r>
+                          <a:rPr lang="en-US" sz="3200" b="0" i="1" smtClean="0">
+                            <a:latin typeface="Cambria Math" panose="02040503050406030204" pitchFamily="18" charset="0"/>
+                          </a:rPr>
+                          <m:t>−</m:t>
+                        </m:r>
+                        <m:r>
+                          <a:rPr lang="en-US" sz="3200" b="0" i="1" smtClean="0">
+                            <a:latin typeface="Cambria Math" panose="02040503050406030204" pitchFamily="18" charset="0"/>
+                          </a:rPr>
+                          <m:t>𝑓</m:t>
+                        </m:r>
+                        <m:r>
+                          <a:rPr lang="en-US" sz="3200" b="0" i="1" smtClean="0">
+                            <a:latin typeface="Cambria Math" panose="02040503050406030204" pitchFamily="18" charset="0"/>
+                          </a:rPr>
+                          <m:t>(</m:t>
+                        </m:r>
+                        <m:r>
+                          <a:rPr lang="en-US" sz="3200" b="0" i="1" smtClean="0">
+                            <a:latin typeface="Cambria Math" panose="02040503050406030204" pitchFamily="18" charset="0"/>
+                          </a:rPr>
+                          <m:t>2</m:t>
+                        </m:r>
+                        <m:r>
+                          <a:rPr lang="en-US" sz="3200" b="0" i="1" smtClean="0">
+                            <a:latin typeface="Cambria Math" panose="02040503050406030204" pitchFamily="18" charset="0"/>
+                          </a:rPr>
+                          <m:t>)</m:t>
+                        </m:r>
+                      </m:num>
+                      <m:den>
+                        <m:r>
+                          <a:rPr lang="en-US" sz="3200" b="0" i="1" smtClean="0">
+                            <a:latin typeface="Cambria Math" panose="02040503050406030204" pitchFamily="18" charset="0"/>
+                          </a:rPr>
+                          <m:t>7−</m:t>
+                        </m:r>
+                        <m:r>
+                          <a:rPr lang="en-US" sz="3200" b="0" i="1" smtClean="0">
+                            <a:latin typeface="Cambria Math" panose="02040503050406030204" pitchFamily="18" charset="0"/>
+                          </a:rPr>
+                          <m:t>2</m:t>
+                        </m:r>
+                      </m:den>
+                    </m:f>
+                  </m:oMath>
+                </a14:m>
+                <a:endParaRPr lang="en-US" sz="3200" dirty="0"/>
+              </a:p>
+              <a:p>
+                <a:pPr>
+                  <a:lnSpc>
+                    <a:spcPct val="110000"/>
+                  </a:lnSpc>
+                </a:pPr>
+                <a14:m>
+                  <m:oMath xmlns:m="http://schemas.openxmlformats.org/officeDocument/2006/math">
+                    <m:f>
+                      <m:fPr>
+                        <m:ctrlPr>
+                          <a:rPr lang="en-US" sz="3200" b="0" i="1" smtClean="0">
+                            <a:latin typeface="Cambria Math" panose="02040503050406030204" pitchFamily="18" charset="0"/>
+                          </a:rPr>
+                        </m:ctrlPr>
+                      </m:fPr>
+                      <m:num>
+                        <m:r>
+                          <a:rPr lang="en-US" sz="3200" b="0" i="1" smtClean="0">
+                            <a:latin typeface="Cambria Math" panose="02040503050406030204" pitchFamily="18" charset="0"/>
+                          </a:rPr>
+                          <m:t>−13.86</m:t>
+                        </m:r>
+                        <m:r>
+                          <a:rPr lang="en-US" sz="3200" b="0" i="1" smtClean="0">
+                            <a:latin typeface="Cambria Math" panose="02040503050406030204" pitchFamily="18" charset="0"/>
+                          </a:rPr>
+                          <m:t>−</m:t>
+                        </m:r>
+                        <m:r>
+                          <a:rPr lang="en-US" sz="3200" b="0" i="1" smtClean="0">
+                            <a:latin typeface="Cambria Math" panose="02040503050406030204" pitchFamily="18" charset="0"/>
+                          </a:rPr>
+                          <m:t>(−3.5)</m:t>
+                        </m:r>
+                      </m:num>
+                      <m:den>
+                        <m:r>
+                          <a:rPr lang="en-US" sz="3200" b="0" i="1" smtClean="0">
+                            <a:latin typeface="Cambria Math" panose="02040503050406030204" pitchFamily="18" charset="0"/>
+                          </a:rPr>
+                          <m:t>5</m:t>
+                        </m:r>
+                      </m:den>
+                    </m:f>
+                  </m:oMath>
+                </a14:m>
+                <a:endParaRPr lang="en-US" sz="3200" b="0" dirty="0"/>
+              </a:p>
+              <a:p>
+                <a:pPr>
+                  <a:lnSpc>
+                    <a:spcPct val="110000"/>
+                  </a:lnSpc>
+                </a:pPr>
+                <a14:m>
+                  <m:oMath xmlns:m="http://schemas.openxmlformats.org/officeDocument/2006/math">
+                    <m:f>
+                      <m:fPr>
+                        <m:ctrlPr>
+                          <a:rPr lang="en-US" sz="3200" b="0" i="1" smtClean="0">
+                            <a:latin typeface="Cambria Math" panose="02040503050406030204" pitchFamily="18" charset="0"/>
+                          </a:rPr>
+                        </m:ctrlPr>
+                      </m:fPr>
+                      <m:num>
+                        <m:r>
+                          <a:rPr lang="en-US" sz="3200" b="0" i="1" smtClean="0">
+                            <a:latin typeface="Cambria Math" panose="02040503050406030204" pitchFamily="18" charset="0"/>
+                          </a:rPr>
+                          <m:t>−10.36</m:t>
+                        </m:r>
+                      </m:num>
+                      <m:den>
+                        <m:r>
+                          <a:rPr lang="en-US" sz="3200" b="0" i="1" smtClean="0">
+                            <a:latin typeface="Cambria Math" panose="02040503050406030204" pitchFamily="18" charset="0"/>
+                          </a:rPr>
+                          <m:t>5</m:t>
+                        </m:r>
+                      </m:den>
+                    </m:f>
+                    <m:r>
+                      <a:rPr lang="en-US" sz="3200" b="0" i="1" smtClean="0">
+                        <a:latin typeface="Cambria Math" panose="02040503050406030204" pitchFamily="18" charset="0"/>
+                      </a:rPr>
+                      <m:t>=</m:t>
+                    </m:r>
+                    <m:r>
+                      <a:rPr lang="en-US" sz="3200" b="0" i="1" smtClean="0">
+                        <a:latin typeface="Cambria Math" panose="02040503050406030204" pitchFamily="18" charset="0"/>
+                      </a:rPr>
+                      <m:t>−2.07</m:t>
+                    </m:r>
+                  </m:oMath>
+                </a14:m>
+                <a:endParaRPr lang="en-US" sz="3200" dirty="0"/>
+              </a:p>
+              <a:p>
+                <a:pPr>
+                  <a:lnSpc>
+                    <a:spcPct val="110000"/>
+                  </a:lnSpc>
+                </a:pPr>
+                <a:r>
+                  <a:rPr lang="en-US" sz="3200" dirty="0"/>
+                  <a:t>Negative average rates of </a:t>
+                </a:r>
+                <a:r>
+                  <a:rPr lang="en-US" sz="3200"/>
+                  <a:t>change are OK.</a:t>
+                </a:r>
+                <a:endParaRPr lang="en-US" sz="3200" dirty="0"/>
+              </a:p>
+            </p:txBody>
+          </p:sp>
+        </mc:Choice>
+        <mc:Fallback>
+          <p:sp>
+            <p:nvSpPr>
+              <p:cNvPr id="3" name="Content Placeholder 2">
+                <a:extLst>
+                  <a:ext uri="{FF2B5EF4-FFF2-40B4-BE49-F238E27FC236}">
+                    <a16:creationId xmlns:a16="http://schemas.microsoft.com/office/drawing/2014/main" id="{2DDF5451-A501-A3CF-FC37-F07F2FD952FB}"/>
+                  </a:ext>
+                </a:extLst>
+              </p:cNvPr>
+              <p:cNvSpPr>
+                <a:spLocks noGrp="1" noRot="1" noChangeAspect="1" noMove="1" noResize="1" noEditPoints="1" noAdjustHandles="1" noChangeArrowheads="1" noChangeShapeType="1" noTextEdit="1"/>
+              </p:cNvSpPr>
+              <p:nvPr>
+                <p:ph sz="half" idx="2"/>
+              </p:nvPr>
+            </p:nvSpPr>
+            <p:spPr>
+              <a:xfrm>
+                <a:off x="6172200" y="365125"/>
+                <a:ext cx="5181600" cy="5811838"/>
+              </a:xfrm>
+              <a:blipFill>
+                <a:blip r:embed="rId2"/>
+                <a:stretch>
+                  <a:fillRect l="-2706" t="-839" r="-4353"/>
+                </a:stretch>
+              </a:blipFill>
+            </p:spPr>
+            <p:txBody>
+              <a:bodyPr/>
+              <a:lstStyle/>
+              <a:p>
+                <a:r>
+                  <a:rPr lang="en-US">
+                    <a:noFill/>
+                  </a:rPr>
+                  <a:t> </a:t>
+                </a:r>
+              </a:p>
+            </p:txBody>
+          </p:sp>
+        </mc:Fallback>
+      </mc:AlternateContent>
+      <p:sp>
+        <p:nvSpPr>
+          <p:cNvPr id="6" name="Footer Placeholder 5">
+            <a:extLst>
+              <a:ext uri="{FF2B5EF4-FFF2-40B4-BE49-F238E27FC236}">
+                <a16:creationId xmlns:a16="http://schemas.microsoft.com/office/drawing/2014/main" id="{EBC824C2-773A-462D-670D-43947DF1EA3C}"/>
+              </a:ext>
+            </a:extLst>
+          </p:cNvPr>
+          <p:cNvSpPr>
+            <a:spLocks noGrp="1"/>
+          </p:cNvSpPr>
+          <p:nvPr>
+            <p:ph type="ftr" sz="quarter" idx="11"/>
+          </p:nvPr>
+        </p:nvSpPr>
+        <p:spPr/>
+        <p:txBody>
+          <a:bodyPr/>
+          <a:lstStyle/>
+          <a:p>
+            <a:r>
+              <a:rPr lang="en-US"/>
+              <a:t>Data from the-numbers.com</a:t>
+            </a:r>
+          </a:p>
+        </p:txBody>
+      </p:sp>
+      <mc:AlternateContent xmlns:mc="http://schemas.openxmlformats.org/markup-compatibility/2006">
+        <mc:Choice xmlns:a14="http://schemas.microsoft.com/office/drawing/2010/main" Requires="a14">
+          <p:sp>
+            <p:nvSpPr>
+              <p:cNvPr id="7" name="Content Placeholder 6">
+                <a:extLst>
+                  <a:ext uri="{FF2B5EF4-FFF2-40B4-BE49-F238E27FC236}">
+                    <a16:creationId xmlns:a16="http://schemas.microsoft.com/office/drawing/2014/main" id="{F94D5381-0C4B-57F4-E544-D4899C7FE1F1}"/>
+                  </a:ext>
+                </a:extLst>
+              </p:cNvPr>
+              <p:cNvSpPr>
+                <a:spLocks noGrp="1"/>
+              </p:cNvSpPr>
+              <p:nvPr>
+                <p:ph sz="half" idx="1"/>
+              </p:nvPr>
+            </p:nvSpPr>
+            <p:spPr/>
+            <p:txBody>
+              <a:bodyPr>
+                <a:normAutofit/>
+              </a:bodyPr>
+              <a:lstStyle/>
+              <a:p>
+                <a:pPr marL="0" indent="0">
+                  <a:buNone/>
+                </a:pPr>
+                <a14:m>
+                  <m:oMathPara xmlns:m="http://schemas.openxmlformats.org/officeDocument/2006/math">
+                    <m:oMathParaPr>
+                      <m:jc m:val="centerGroup"/>
+                    </m:oMathParaPr>
+                    <m:oMath xmlns:m="http://schemas.openxmlformats.org/officeDocument/2006/math">
+                      <m:r>
+                        <a:rPr lang="en-US" sz="6000" b="0" i="1" smtClean="0">
+                          <a:latin typeface="Cambria Math" panose="02040503050406030204" pitchFamily="18" charset="0"/>
+                        </a:rPr>
+                        <m:t>𝑓</m:t>
+                      </m:r>
+                      <m:d>
+                        <m:dPr>
+                          <m:ctrlPr>
+                            <a:rPr lang="en-US" sz="6000" b="0" i="1" smtClean="0">
+                              <a:latin typeface="Cambria Math" panose="02040503050406030204" pitchFamily="18" charset="0"/>
+                            </a:rPr>
+                          </m:ctrlPr>
+                        </m:dPr>
+                        <m:e>
+                          <m:r>
+                            <a:rPr lang="en-US" sz="6000" b="0" i="1" smtClean="0">
+                              <a:latin typeface="Cambria Math" panose="02040503050406030204" pitchFamily="18" charset="0"/>
+                            </a:rPr>
+                            <m:t>𝑥</m:t>
+                          </m:r>
+                        </m:e>
+                      </m:d>
+                      <m:r>
+                        <a:rPr lang="en-US" sz="6000" b="0" i="1" smtClean="0">
+                          <a:latin typeface="Cambria Math" panose="02040503050406030204" pitchFamily="18" charset="0"/>
+                        </a:rPr>
+                        <m:t>=</m:t>
+                      </m:r>
+                      <m:f>
+                        <m:fPr>
+                          <m:ctrlPr>
+                            <a:rPr lang="en-US" sz="6000" b="0" i="1" smtClean="0">
+                              <a:latin typeface="Cambria Math" panose="02040503050406030204" pitchFamily="18" charset="0"/>
+                            </a:rPr>
+                          </m:ctrlPr>
+                        </m:fPr>
+                        <m:num>
+                          <m:r>
+                            <a:rPr lang="en-US" sz="6000" b="0" i="1" smtClean="0">
+                              <a:latin typeface="Cambria Math" panose="02040503050406030204" pitchFamily="18" charset="0"/>
+                            </a:rPr>
+                            <m:t>1</m:t>
+                          </m:r>
+                        </m:num>
+                        <m:den>
+                          <m:r>
+                            <a:rPr lang="en-US" sz="6000" b="0" i="1" smtClean="0">
+                              <a:latin typeface="Cambria Math" panose="02040503050406030204" pitchFamily="18" charset="0"/>
+                            </a:rPr>
+                            <m:t>𝑥</m:t>
+                          </m:r>
+                        </m:den>
+                      </m:f>
+                      <m:r>
+                        <a:rPr lang="en-US" sz="6000" b="0" i="1" smtClean="0">
+                          <a:latin typeface="Cambria Math" panose="02040503050406030204" pitchFamily="18" charset="0"/>
+                        </a:rPr>
+                        <m:t>−2</m:t>
+                      </m:r>
+                      <m:r>
+                        <a:rPr lang="en-US" sz="6000" b="0" i="1" smtClean="0">
+                          <a:latin typeface="Cambria Math" panose="02040503050406030204" pitchFamily="18" charset="0"/>
+                        </a:rPr>
+                        <m:t>𝑥</m:t>
+                      </m:r>
+                    </m:oMath>
+                  </m:oMathPara>
+                </a14:m>
+                <a:endParaRPr lang="en-US" sz="6000" dirty="0"/>
+              </a:p>
+            </p:txBody>
+          </p:sp>
+        </mc:Choice>
+        <mc:Fallback>
+          <p:sp>
+            <p:nvSpPr>
+              <p:cNvPr id="7" name="Content Placeholder 6">
+                <a:extLst>
+                  <a:ext uri="{FF2B5EF4-FFF2-40B4-BE49-F238E27FC236}">
+                    <a16:creationId xmlns:a16="http://schemas.microsoft.com/office/drawing/2014/main" id="{F94D5381-0C4B-57F4-E544-D4899C7FE1F1}"/>
+                  </a:ext>
+                </a:extLst>
+              </p:cNvPr>
+              <p:cNvSpPr>
+                <a:spLocks noGrp="1" noRot="1" noChangeAspect="1" noMove="1" noResize="1" noEditPoints="1" noAdjustHandles="1" noChangeArrowheads="1" noChangeShapeType="1" noTextEdit="1"/>
+              </p:cNvSpPr>
+              <p:nvPr>
+                <p:ph sz="half" idx="1"/>
+              </p:nvPr>
+            </p:nvSpPr>
+            <p:spPr>
+              <a:blipFill>
+                <a:blip r:embed="rId3"/>
+                <a:stretch>
+                  <a:fillRect/>
+                </a:stretch>
+              </a:blipFill>
+            </p:spPr>
+            <p:txBody>
+              <a:bodyPr/>
+              <a:lstStyle/>
+              <a:p>
+                <a:r>
+                  <a:rPr lang="en-US">
+                    <a:noFill/>
+                  </a:rPr>
+                  <a:t> </a:t>
+                </a:r>
+              </a:p>
+            </p:txBody>
+          </p:sp>
+        </mc:Fallback>
+      </mc:AlternateContent>
+    </p:spTree>
+    <p:extLst>
+      <p:ext uri="{BB962C8B-B14F-4D97-AF65-F5344CB8AC3E}">
+        <p14:creationId xmlns:p14="http://schemas.microsoft.com/office/powerpoint/2010/main" val="728809109"/>
+      </p:ext>
+    </p:extLst>
+  </p:cSld>
+  <p:clrMapOvr>
+    <a:masterClrMapping/>
+  </p:clrMapOvr>
+  <mc:AlternateContent xmlns:mc="http://schemas.openxmlformats.org/markup-compatibility/2006">
+    <mc:Choice xmlns:p14="http://schemas.microsoft.com/office/powerpoint/2010/main" Requires="p14">
+      <p:transition spd="slow" p14:dur="2000" advClick="0" advTm="30000"/>
+    </mc:Choice>
+    <mc:Fallback>
+      <p:transition spd="slow" advClick="0" advTm="30000"/>
+    </mc:Fallback>
+  </mc:AlternateContent>
+  <p:timing>
+    <p:tnLst>
+      <p:par>
+        <p:cTn id="1" dur="indefinite" restart="never" nodeType="tmRoot">
+          <p:childTnLst>
+            <p:seq concurrent="1" nextAc="seek">
+              <p:cTn id="2" dur="indefinite" nodeType="mainSeq">
+                <p:childTnLst>
+                  <p:par>
+                    <p:cTn id="3" fill="hold">
+                      <p:stCondLst>
+                        <p:cond delay="indefinite"/>
+                        <p:cond evt="onBegin" delay="0">
+                          <p:tn val="2"/>
+                        </p:cond>
+                      </p:stCondLst>
+                      <p:childTnLst>
+                        <p:par>
+                          <p:cTn id="4" fill="hold">
+                            <p:stCondLst>
+                              <p:cond delay="0"/>
+                            </p:stCondLst>
+                            <p:childTnLst>
+                              <p:par>
+                                <p:cTn id="5" presetID="1" presetClass="entr" presetSubtype="0" fill="hold" nodeType="afterEffect">
+                                  <p:stCondLst>
+                                    <p:cond delay="5000"/>
+                                  </p:stCondLst>
+                                  <p:childTnLst>
+                                    <p:set>
+                                      <p:cBhvr>
+                                        <p:cTn id="6" dur="1" fill="hold">
+                                          <p:stCondLst>
+                                            <p:cond delay="0"/>
+                                          </p:stCondLst>
+                                        </p:cTn>
+                                        <p:tgtEl>
+                                          <p:spTgt spid="3">
+                                            <p:txEl>
+                                              <p:pRg st="0" end="0"/>
+                                            </p:txEl>
+                                          </p:spTgt>
+                                        </p:tgtEl>
+                                        <p:attrNameLst>
+                                          <p:attrName>style.visibility</p:attrName>
+                                        </p:attrNameLst>
+                                      </p:cBhvr>
+                                      <p:to>
+                                        <p:strVal val="visible"/>
+                                      </p:to>
+                                    </p:set>
+                                  </p:childTnLst>
+                                </p:cTn>
+                              </p:par>
+                            </p:childTnLst>
+                          </p:cTn>
+                        </p:par>
+                        <p:par>
+                          <p:cTn id="7" fill="hold">
+                            <p:stCondLst>
+                              <p:cond delay="5000"/>
+                            </p:stCondLst>
+                            <p:childTnLst>
+                              <p:par>
+                                <p:cTn id="8" presetID="1" presetClass="entr" presetSubtype="0" fill="hold" nodeType="afterEffect">
+                                  <p:stCondLst>
+                                    <p:cond delay="5000"/>
+                                  </p:stCondLst>
+                                  <p:childTnLst>
+                                    <p:set>
+                                      <p:cBhvr>
+                                        <p:cTn id="9" dur="1" fill="hold">
+                                          <p:stCondLst>
+                                            <p:cond delay="0"/>
+                                          </p:stCondLst>
+                                        </p:cTn>
+                                        <p:tgtEl>
+                                          <p:spTgt spid="3">
+                                            <p:txEl>
+                                              <p:pRg st="1" end="1"/>
+                                            </p:txEl>
+                                          </p:spTgt>
+                                        </p:tgtEl>
+                                        <p:attrNameLst>
+                                          <p:attrName>style.visibility</p:attrName>
+                                        </p:attrNameLst>
+                                      </p:cBhvr>
+                                      <p:to>
+                                        <p:strVal val="visible"/>
+                                      </p:to>
+                                    </p:set>
+                                  </p:childTnLst>
+                                </p:cTn>
+                              </p:par>
+                            </p:childTnLst>
+                          </p:cTn>
+                        </p:par>
+                        <p:par>
+                          <p:cTn id="10" fill="hold">
+                            <p:stCondLst>
+                              <p:cond delay="10000"/>
+                            </p:stCondLst>
+                            <p:childTnLst>
+                              <p:par>
+                                <p:cTn id="11" presetID="1" presetClass="entr" presetSubtype="0" fill="hold" nodeType="afterEffect">
+                                  <p:stCondLst>
+                                    <p:cond delay="5000"/>
+                                  </p:stCondLst>
+                                  <p:childTnLst>
+                                    <p:set>
+                                      <p:cBhvr>
+                                        <p:cTn id="12" dur="1" fill="hold">
+                                          <p:stCondLst>
+                                            <p:cond delay="0"/>
+                                          </p:stCondLst>
+                                        </p:cTn>
+                                        <p:tgtEl>
+                                          <p:spTgt spid="3">
+                                            <p:txEl>
+                                              <p:pRg st="2" end="2"/>
+                                            </p:txEl>
+                                          </p:spTgt>
+                                        </p:tgtEl>
+                                        <p:attrNameLst>
+                                          <p:attrName>style.visibility</p:attrName>
+                                        </p:attrNameLst>
+                                      </p:cBhvr>
+                                      <p:to>
+                                        <p:strVal val="visible"/>
+                                      </p:to>
+                                    </p:set>
+                                  </p:childTnLst>
+                                </p:cTn>
+                              </p:par>
+                            </p:childTnLst>
+                          </p:cTn>
+                        </p:par>
+                        <p:par>
+                          <p:cTn id="13" fill="hold">
+                            <p:stCondLst>
+                              <p:cond delay="15000"/>
+                            </p:stCondLst>
+                            <p:childTnLst>
+                              <p:par>
+                                <p:cTn id="14" presetID="1" presetClass="entr" presetSubtype="0" fill="hold" nodeType="afterEffect">
+                                  <p:stCondLst>
+                                    <p:cond delay="5000"/>
+                                  </p:stCondLst>
+                                  <p:childTnLst>
+                                    <p:set>
+                                      <p:cBhvr>
+                                        <p:cTn id="15" dur="1" fill="hold">
+                                          <p:stCondLst>
+                                            <p:cond delay="0"/>
+                                          </p:stCondLst>
+                                        </p:cTn>
+                                        <p:tgtEl>
+                                          <p:spTgt spid="3">
+                                            <p:txEl>
+                                              <p:pRg st="3" end="3"/>
+                                            </p:txEl>
+                                          </p:spTgt>
+                                        </p:tgtEl>
+                                        <p:attrNameLst>
+                                          <p:attrName>style.visibility</p:attrName>
+                                        </p:attrNameLst>
+                                      </p:cBhvr>
+                                      <p:to>
+                                        <p:strVal val="visible"/>
+                                      </p:to>
+                                    </p:set>
+                                  </p:childTnLst>
+                                </p:cTn>
+                              </p:par>
+                            </p:childTnLst>
+                          </p:cTn>
+                        </p:par>
+                        <p:par>
+                          <p:cTn id="16" fill="hold">
+                            <p:stCondLst>
+                              <p:cond delay="20000"/>
+                            </p:stCondLst>
+                            <p:childTnLst>
+                              <p:par>
+                                <p:cTn id="17" presetID="1" presetClass="entr" presetSubtype="0" fill="hold" nodeType="afterEffect">
+                                  <p:stCondLst>
+                                    <p:cond delay="5000"/>
+                                  </p:stCondLst>
+                                  <p:childTnLst>
+                                    <p:set>
+                                      <p:cBhvr>
+                                        <p:cTn id="18" dur="1" fill="hold">
+                                          <p:stCondLst>
+                                            <p:cond delay="0"/>
+                                          </p:stCondLst>
+                                        </p:cTn>
+                                        <p:tgtEl>
+                                          <p:spTgt spid="3">
+                                            <p:txEl>
+                                              <p:pRg st="4" end="4"/>
+                                            </p:txEl>
+                                          </p:spTgt>
+                                        </p:tgtEl>
+                                        <p:attrNameLst>
+                                          <p:attrName>style.visibility</p:attrName>
+                                        </p:attrNameLst>
+                                      </p:cBhvr>
+                                      <p:to>
+                                        <p:strVal val="visible"/>
+                                      </p:to>
+                                    </p:set>
+                                  </p:childTnLst>
+                                </p:cTn>
+                              </p:par>
+                            </p:childTnLst>
+                          </p:cTn>
+                        </p:par>
+                      </p:childTnLst>
+                    </p:cTn>
+                  </p:par>
+                </p:childTnLst>
+              </p:cTn>
+              <p:prevCondLst>
+                <p:cond evt="onPrev" delay="0">
+                  <p:tgtEl>
+                    <p:sldTgt/>
+                  </p:tgtEl>
+                </p:cond>
+              </p:prevCondLst>
+              <p:nextCondLst>
+                <p:cond evt="onNext" delay="0">
+                  <p:tgtEl>
+                    <p:sldTgt/>
+                  </p:tgtEl>
+                </p:cond>
+              </p:nextCondLst>
+            </p:seq>
+          </p:childTnLst>
+        </p:cTn>
+      </p:par>
+    </p:tnLst>
+  </p:timing>
 </p:sld>
 </file>
 
@@ -4129,4 +8616,319 @@
     </a:ext>
   </a:extLst>
 </a:theme>
+</file>
+
+<file path=ppt/theme/theme2.xml><?xml version="1.0" encoding="utf-8"?>
+<a:theme xmlns:a="http://schemas.openxmlformats.org/drawingml/2006/main" name="Office Theme">
+  <a:themeElements>
+    <a:clrScheme name="Office">
+      <a:dk1>
+        <a:sysClr val="windowText" lastClr="000000"/>
+      </a:dk1>
+      <a:lt1>
+        <a:sysClr val="window" lastClr="FFFFFF"/>
+      </a:lt1>
+      <a:dk2>
+        <a:srgbClr val="0E2841"/>
+      </a:dk2>
+      <a:lt2>
+        <a:srgbClr val="E8E8E8"/>
+      </a:lt2>
+      <a:accent1>
+        <a:srgbClr val="156082"/>
+      </a:accent1>
+      <a:accent2>
+        <a:srgbClr val="E97132"/>
+      </a:accent2>
+      <a:accent3>
+        <a:srgbClr val="196B24"/>
+      </a:accent3>
+      <a:accent4>
+        <a:srgbClr val="0F9ED5"/>
+      </a:accent4>
+      <a:accent5>
+        <a:srgbClr val="A02B93"/>
+      </a:accent5>
+      <a:accent6>
+        <a:srgbClr val="4EA72E"/>
+      </a:accent6>
+      <a:hlink>
+        <a:srgbClr val="467886"/>
+      </a:hlink>
+      <a:folHlink>
+        <a:srgbClr val="96607D"/>
+      </a:folHlink>
+    </a:clrScheme>
+    <a:fontScheme name="Office">
+      <a:majorFont>
+        <a:latin typeface="Aptos Display" panose="02110004020202020204"/>
+        <a:ea typeface=""/>
+        <a:cs typeface=""/>
+        <a:font script="Jpan" typeface="游ゴシック Light"/>
+        <a:font script="Hang" typeface="맑은 고딕"/>
+        <a:font script="Hans" typeface="等线 Light"/>
+        <a:font script="Hant" typeface="新細明體"/>
+        <a:font script="Arab" typeface="Times New Roman"/>
+        <a:font script="Hebr" typeface="Times New Roman"/>
+        <a:font script="Thai" typeface="Angsana New"/>
+        <a:font script="Ethi" typeface="Nyala"/>
+        <a:font script="Beng" typeface="Vrinda"/>
+        <a:font script="Gujr" typeface="Shruti"/>
+        <a:font script="Khmr" typeface="MoolBoran"/>
+        <a:font script="Knda" typeface="Tunga"/>
+        <a:font script="Guru" typeface="Raavi"/>
+        <a:font script="Cans" typeface="Euphemia"/>
+        <a:font script="Cher" typeface="Plantagenet Cherokee"/>
+        <a:font script="Yiii" typeface="Microsoft Yi Baiti"/>
+        <a:font script="Tibt" typeface="Microsoft Himalaya"/>
+        <a:font script="Thaa" typeface="MV Boli"/>
+        <a:font script="Deva" typeface="Mangal"/>
+        <a:font script="Telu" typeface="Gautami"/>
+        <a:font script="Taml" typeface="Latha"/>
+        <a:font script="Syrc" typeface="Estrangelo Edessa"/>
+        <a:font script="Orya" typeface="Kalinga"/>
+        <a:font script="Mlym" typeface="Kartika"/>
+        <a:font script="Laoo" typeface="DokChampa"/>
+        <a:font script="Sinh" typeface="Iskoola Pota"/>
+        <a:font script="Mong" typeface="Mongolian Baiti"/>
+        <a:font script="Viet" typeface="Times New Roman"/>
+        <a:font script="Uigh" typeface="Microsoft Uighur"/>
+        <a:font script="Geor" typeface="Sylfaen"/>
+        <a:font script="Armn" typeface="Arial"/>
+        <a:font script="Bugi" typeface="Leelawadee UI"/>
+        <a:font script="Bopo" typeface="Microsoft JhengHei"/>
+        <a:font script="Java" typeface="Javanese Text"/>
+        <a:font script="Lisu" typeface="Segoe UI"/>
+        <a:font script="Mymr" typeface="Myanmar Text"/>
+        <a:font script="Nkoo" typeface="Ebrima"/>
+        <a:font script="Olck" typeface="Nirmala UI"/>
+        <a:font script="Osma" typeface="Ebrima"/>
+        <a:font script="Phag" typeface="Phagspa"/>
+        <a:font script="Syrn" typeface="Estrangelo Edessa"/>
+        <a:font script="Syrj" typeface="Estrangelo Edessa"/>
+        <a:font script="Syre" typeface="Estrangelo Edessa"/>
+        <a:font script="Sora" typeface="Nirmala UI"/>
+        <a:font script="Tale" typeface="Microsoft Tai Le"/>
+        <a:font script="Talu" typeface="Microsoft New Tai Lue"/>
+        <a:font script="Tfng" typeface="Ebrima"/>
+      </a:majorFont>
+      <a:minorFont>
+        <a:latin typeface="Aptos" panose="02110004020202020204"/>
+        <a:ea typeface=""/>
+        <a:cs typeface=""/>
+        <a:font script="Jpan" typeface="游ゴシック"/>
+        <a:font script="Hang" typeface="맑은 고딕"/>
+        <a:font script="Hans" typeface="等线"/>
+        <a:font script="Hant" typeface="新細明體"/>
+        <a:font script="Arab" typeface="Arial"/>
+        <a:font script="Hebr" typeface="Arial"/>
+        <a:font script="Thai" typeface="Cordia New"/>
+        <a:font script="Ethi" typeface="Nyala"/>
+        <a:font script="Beng" typeface="Vrinda"/>
+        <a:font script="Gujr" typeface="Shruti"/>
+        <a:font script="Khmr" typeface="DaunPenh"/>
+        <a:font script="Knda" typeface="Tunga"/>
+        <a:font script="Guru" typeface="Raavi"/>
+        <a:font script="Cans" typeface="Euphemia"/>
+        <a:font script="Cher" typeface="Plantagenet Cherokee"/>
+        <a:font script="Yiii" typeface="Microsoft Yi Baiti"/>
+        <a:font script="Tibt" typeface="Microsoft Himalaya"/>
+        <a:font script="Thaa" typeface="MV Boli"/>
+        <a:font script="Deva" typeface="Mangal"/>
+        <a:font script="Telu" typeface="Gautami"/>
+        <a:font script="Taml" typeface="Latha"/>
+        <a:font script="Syrc" typeface="Estrangelo Edessa"/>
+        <a:font script="Orya" typeface="Kalinga"/>
+        <a:font script="Mlym" typeface="Kartika"/>
+        <a:font script="Laoo" typeface="DokChampa"/>
+        <a:font script="Sinh" typeface="Iskoola Pota"/>
+        <a:font script="Mong" typeface="Mongolian Baiti"/>
+        <a:font script="Viet" typeface="Arial"/>
+        <a:font script="Uigh" typeface="Microsoft Uighur"/>
+        <a:font script="Geor" typeface="Sylfaen"/>
+        <a:font script="Armn" typeface="Arial"/>
+        <a:font script="Bugi" typeface="Leelawadee UI"/>
+        <a:font script="Bopo" typeface="Microsoft JhengHei"/>
+        <a:font script="Java" typeface="Javanese Text"/>
+        <a:font script="Lisu" typeface="Segoe UI"/>
+        <a:font script="Mymr" typeface="Myanmar Text"/>
+        <a:font script="Nkoo" typeface="Ebrima"/>
+        <a:font script="Olck" typeface="Nirmala UI"/>
+        <a:font script="Osma" typeface="Ebrima"/>
+        <a:font script="Phag" typeface="Phagspa"/>
+        <a:font script="Syrn" typeface="Estrangelo Edessa"/>
+        <a:font script="Syrj" typeface="Estrangelo Edessa"/>
+        <a:font script="Syre" typeface="Estrangelo Edessa"/>
+        <a:font script="Sora" typeface="Nirmala UI"/>
+        <a:font script="Tale" typeface="Microsoft Tai Le"/>
+        <a:font script="Talu" typeface="Microsoft New Tai Lue"/>
+        <a:font script="Tfng" typeface="Ebrima"/>
+      </a:minorFont>
+    </a:fontScheme>
+    <a:fmtScheme name="Office">
+      <a:fillStyleLst>
+        <a:solidFill>
+          <a:schemeClr val="phClr"/>
+        </a:solidFill>
+        <a:gradFill rotWithShape="1">
+          <a:gsLst>
+            <a:gs pos="0">
+              <a:schemeClr val="phClr">
+                <a:lumMod val="110000"/>
+                <a:satMod val="105000"/>
+                <a:tint val="67000"/>
+              </a:schemeClr>
+            </a:gs>
+            <a:gs pos="50000">
+              <a:schemeClr val="phClr">
+                <a:lumMod val="105000"/>
+                <a:satMod val="103000"/>
+                <a:tint val="73000"/>
+              </a:schemeClr>
+            </a:gs>
+            <a:gs pos="100000">
+              <a:schemeClr val="phClr">
+                <a:lumMod val="105000"/>
+                <a:satMod val="109000"/>
+                <a:tint val="81000"/>
+              </a:schemeClr>
+            </a:gs>
+          </a:gsLst>
+          <a:lin ang="5400000" scaled="0"/>
+        </a:gradFill>
+        <a:gradFill rotWithShape="1">
+          <a:gsLst>
+            <a:gs pos="0">
+              <a:schemeClr val="phClr">
+                <a:satMod val="103000"/>
+                <a:lumMod val="102000"/>
+                <a:tint val="94000"/>
+              </a:schemeClr>
+            </a:gs>
+            <a:gs pos="50000">
+              <a:schemeClr val="phClr">
+                <a:satMod val="110000"/>
+                <a:lumMod val="100000"/>
+                <a:shade val="100000"/>
+              </a:schemeClr>
+            </a:gs>
+            <a:gs pos="100000">
+              <a:schemeClr val="phClr">
+                <a:lumMod val="99000"/>
+                <a:satMod val="120000"/>
+                <a:shade val="78000"/>
+              </a:schemeClr>
+            </a:gs>
+          </a:gsLst>
+          <a:lin ang="5400000" scaled="0"/>
+        </a:gradFill>
+      </a:fillStyleLst>
+      <a:lnStyleLst>
+        <a:ln w="12700" cap="flat" cmpd="sng" algn="ctr">
+          <a:solidFill>
+            <a:schemeClr val="phClr"/>
+          </a:solidFill>
+          <a:prstDash val="solid"/>
+          <a:miter lim="800000"/>
+        </a:ln>
+        <a:ln w="19050" cap="flat" cmpd="sng" algn="ctr">
+          <a:solidFill>
+            <a:schemeClr val="phClr"/>
+          </a:solidFill>
+          <a:prstDash val="solid"/>
+          <a:miter lim="800000"/>
+        </a:ln>
+        <a:ln w="25400" cap="flat" cmpd="sng" algn="ctr">
+          <a:solidFill>
+            <a:schemeClr val="phClr"/>
+          </a:solidFill>
+          <a:prstDash val="solid"/>
+          <a:miter lim="800000"/>
+        </a:ln>
+      </a:lnStyleLst>
+      <a:effectStyleLst>
+        <a:effectStyle>
+          <a:effectLst/>
+        </a:effectStyle>
+        <a:effectStyle>
+          <a:effectLst/>
+        </a:effectStyle>
+        <a:effectStyle>
+          <a:effectLst>
+            <a:outerShdw blurRad="57150" dist="19050" dir="5400000" algn="ctr" rotWithShape="0">
+              <a:srgbClr val="000000">
+                <a:alpha val="63000"/>
+              </a:srgbClr>
+            </a:outerShdw>
+          </a:effectLst>
+        </a:effectStyle>
+      </a:effectStyleLst>
+      <a:bgFillStyleLst>
+        <a:solidFill>
+          <a:schemeClr val="phClr"/>
+        </a:solidFill>
+        <a:solidFill>
+          <a:schemeClr val="phClr">
+            <a:tint val="95000"/>
+            <a:satMod val="170000"/>
+          </a:schemeClr>
+        </a:solidFill>
+        <a:gradFill rotWithShape="1">
+          <a:gsLst>
+            <a:gs pos="0">
+              <a:schemeClr val="phClr">
+                <a:tint val="93000"/>
+                <a:satMod val="150000"/>
+                <a:shade val="98000"/>
+                <a:lumMod val="102000"/>
+              </a:schemeClr>
+            </a:gs>
+            <a:gs pos="50000">
+              <a:schemeClr val="phClr">
+                <a:tint val="98000"/>
+                <a:satMod val="130000"/>
+                <a:shade val="90000"/>
+                <a:lumMod val="103000"/>
+              </a:schemeClr>
+            </a:gs>
+            <a:gs pos="100000">
+              <a:schemeClr val="phClr">
+                <a:shade val="63000"/>
+                <a:satMod val="120000"/>
+              </a:schemeClr>
+            </a:gs>
+          </a:gsLst>
+          <a:lin ang="5400000" scaled="0"/>
+        </a:gradFill>
+      </a:bgFillStyleLst>
+    </a:fmtScheme>
+  </a:themeElements>
+  <a:objectDefaults>
+    <a:lnDef>
+      <a:spPr/>
+      <a:bodyPr/>
+      <a:lstStyle/>
+      <a:style>
+        <a:lnRef idx="2">
+          <a:schemeClr val="accent1"/>
+        </a:lnRef>
+        <a:fillRef idx="0">
+          <a:schemeClr val="accent1"/>
+        </a:fillRef>
+        <a:effectRef idx="1">
+          <a:schemeClr val="accent1"/>
+        </a:effectRef>
+        <a:fontRef idx="minor">
+          <a:schemeClr val="tx1"/>
+        </a:fontRef>
+      </a:style>
+    </a:lnDef>
+  </a:objectDefaults>
+  <a:extraClrSchemeLst/>
+  <a:extLst>
+    <a:ext uri="{05A4C25C-085E-4340-85A3-A5531E510DB2}">
+      <thm15:themeFamily xmlns:thm15="http://schemas.microsoft.com/office/thememl/2012/main" name="Office Theme" id="{2E142A2C-CD16-42D6-873A-C26D2A0506FA}" vid="{1BDDFF52-6CD6-40A5-AB3C-68EB2F1E4D0A}"/>
+    </a:ext>
+  </a:extLst>
+</a:theme>
 </file>